--- a/research/Video Presentation D1.pptx
+++ b/research/Video Presentation D1.pptx
@@ -139,6 +139,11 @@
       </a:defRPr>
     </a:lvl9pPr>
   </p:defaultTextStyle>
+  <p:extLst>
+    <p:ext uri="{EFAFB233-063F-42B5-8137-9DF3F51BA10A}">
+      <p15:sldGuideLst xmlns:p15="http://schemas.microsoft.com/office/powerpoint/2012/main"/>
+    </p:ext>
+  </p:extLst>
 </p:presentation>
 </file>
 
@@ -7981,7 +7986,7 @@
             <a:r>
               <a:rPr lang="en-GB" b="1" dirty="0">
                 <a:solidFill>
-                  <a:srgbClr val="DB060B"/>
+                  <a:srgbClr val="6B2D88"/>
                 </a:solidFill>
                 <a:latin typeface="Open Sans" pitchFamily="2" charset="0"/>
                 <a:ea typeface="Open Sans" pitchFamily="2" charset="0"/>

--- a/research/Video Presentation D1.pptx
+++ b/research/Video Presentation D1.pptx
@@ -5,7 +5,7 @@
     <p:sldMasterId id="2147483648" r:id="rId1"/>
   </p:sldMasterIdLst>
   <p:notesMasterIdLst>
-    <p:notesMasterId r:id="rId35"/>
+    <p:notesMasterId r:id="rId34"/>
   </p:notesMasterIdLst>
   <p:sldIdLst>
     <p:sldId id="256" r:id="rId2"/>
@@ -39,8 +39,7 @@
     <p:sldId id="285" r:id="rId30"/>
     <p:sldId id="286" r:id="rId31"/>
     <p:sldId id="287" r:id="rId32"/>
-    <p:sldId id="288" r:id="rId33"/>
-    <p:sldId id="289" r:id="rId34"/>
+    <p:sldId id="289" r:id="rId33"/>
   </p:sldIdLst>
   <p:sldSz cx="12192000" cy="6858000"/>
   <p:notesSz cx="6858000" cy="9144000"/>
@@ -2828,7 +2827,15 @@
           <a:p>
             <a:r>
               <a:rPr lang="en-GB" dirty="0"/>
-              <a:t>We have seen that machine translation may be effective in creating more training data. Models can transfer some knowledge from public data, but there is a significant drop likely due to differences in article content by country. Models can achieve high accuracy on real-world data but less than on public data, likely because this data can be harder to fit into one category and categories differ by country and by individual source.</a:t>
+              <a:t>We provided two main contributions, developing a system to collect webpage and RSS feed data from multilingual sources, produce real-time visualisations and created an interface to control the system. We also found promise in using machine translation to </a:t>
+            </a:r>
+            <a:r>
+              <a:rPr lang="en-GB" dirty="0" err="1"/>
+              <a:t>upsample</a:t>
+            </a:r>
+            <a:r>
+              <a:rPr lang="en-GB" dirty="0"/>
+              <a:t>, and trained a multilingual model to achieve almost 90% accuracy on real-world data. Thanks for watching</a:t>
             </a:r>
           </a:p>
         </p:txBody>
@@ -2851,101 +2858,6 @@
             <a:fld id="{41D7B854-E06E-4BE9-B363-258F152ECC68}" type="slidenum">
               <a:rPr lang="en-GB" smtClean="0"/>
               <a:t>32</a:t>
-            </a:fld>
-            <a:endParaRPr lang="en-GB"/>
-          </a:p>
-        </p:txBody>
-      </p:sp>
-    </p:spTree>
-    <p:extLst>
-      <p:ext uri="{BB962C8B-B14F-4D97-AF65-F5344CB8AC3E}">
-        <p14:creationId xmlns:p14="http://schemas.microsoft.com/office/powerpoint/2010/main" val="2834256641"/>
-      </p:ext>
-    </p:extLst>
-  </p:cSld>
-  <p:clrMapOvr>
-    <a:masterClrMapping/>
-  </p:clrMapOvr>
-</p:notes>
-</file>
-
-<file path=ppt/notesSlides/notesSlide33.xml><?xml version="1.0" encoding="utf-8"?>
-<p:notes xmlns:a="http://schemas.openxmlformats.org/drawingml/2006/main" xmlns:r="http://schemas.openxmlformats.org/officeDocument/2006/relationships" xmlns:p="http://schemas.openxmlformats.org/presentationml/2006/main">
-  <p:cSld>
-    <p:spTree>
-      <p:nvGrpSpPr>
-        <p:cNvPr id="1" name=""/>
-        <p:cNvGrpSpPr/>
-        <p:nvPr/>
-      </p:nvGrpSpPr>
-      <p:grpSpPr>
-        <a:xfrm>
-          <a:off x="0" y="0"/>
-          <a:ext cx="0" cy="0"/>
-          <a:chOff x="0" y="0"/>
-          <a:chExt cx="0" cy="0"/>
-        </a:xfrm>
-      </p:grpSpPr>
-      <p:sp>
-        <p:nvSpPr>
-          <p:cNvPr id="2" name="Slide Image Placeholder 1"/>
-          <p:cNvSpPr>
-            <a:spLocks noGrp="1" noRot="1" noChangeAspect="1"/>
-          </p:cNvSpPr>
-          <p:nvPr>
-            <p:ph type="sldImg"/>
-          </p:nvPr>
-        </p:nvSpPr>
-        <p:spPr/>
-      </p:sp>
-      <p:sp>
-        <p:nvSpPr>
-          <p:cNvPr id="3" name="Notes Placeholder 2"/>
-          <p:cNvSpPr>
-            <a:spLocks noGrp="1"/>
-          </p:cNvSpPr>
-          <p:nvPr>
-            <p:ph type="body" idx="1"/>
-          </p:nvPr>
-        </p:nvSpPr>
-        <p:spPr/>
-        <p:txBody>
-          <a:bodyPr/>
-          <a:lstStyle/>
-          <a:p>
-            <a:r>
-              <a:rPr lang="en-GB" dirty="0"/>
-              <a:t>We provided two main contributions, developing a system to collect webpage and RSS feed data from multilingual sources, produce real-time visualisations and created an interface to control the system. We also found promise in using machine translation to </a:t>
-            </a:r>
-            <a:r>
-              <a:rPr lang="en-GB" dirty="0" err="1"/>
-              <a:t>upsample</a:t>
-            </a:r>
-            <a:r>
-              <a:rPr lang="en-GB" dirty="0"/>
-              <a:t>, and trained a multilingual model to achieve almost 90% accuracy on real-world data. Thanks for watching</a:t>
-            </a:r>
-          </a:p>
-        </p:txBody>
-      </p:sp>
-      <p:sp>
-        <p:nvSpPr>
-          <p:cNvPr id="4" name="Slide Number Placeholder 3"/>
-          <p:cNvSpPr>
-            <a:spLocks noGrp="1"/>
-          </p:cNvSpPr>
-          <p:nvPr>
-            <p:ph type="sldNum" sz="quarter" idx="5"/>
-          </p:nvPr>
-        </p:nvSpPr>
-        <p:spPr/>
-        <p:txBody>
-          <a:bodyPr/>
-          <a:lstStyle/>
-          <a:p>
-            <a:fld id="{41D7B854-E06E-4BE9-B363-258F152ECC68}" type="slidenum">
-              <a:rPr lang="en-GB" smtClean="0"/>
-              <a:t>33</a:t>
             </a:fld>
             <a:endParaRPr lang="en-GB"/>
           </a:p>
@@ -6782,7 +6694,7 @@
                 <a:ea typeface="Open Sans" pitchFamily="2" charset="0"/>
                 <a:cs typeface="Open Sans" pitchFamily="2" charset="0"/>
               </a:rPr>
-              <a:t>Multilingual News Surveillance and Classification System</a:t>
+              <a:t>A Multilingual News Surveillance and Classification System</a:t>
             </a:r>
           </a:p>
         </p:txBody>
@@ -9254,7 +9166,9 @@
         </p:nvSpPr>
         <p:spPr/>
         <p:txBody>
-          <a:bodyPr/>
+          <a:bodyPr>
+            <a:normAutofit lnSpcReduction="10000"/>
+          </a:bodyPr>
           <a:lstStyle/>
           <a:p>
             <a:r>
@@ -9294,6 +9208,17 @@
           <a:p>
             <a:pPr lvl="1"/>
             <a:r>
+              <a:rPr lang="en-GB" b="1" dirty="0">
+                <a:solidFill>
+                  <a:srgbClr val="50D8AF"/>
+                </a:solidFill>
+                <a:latin typeface="Open Sans" pitchFamily="2" charset="0"/>
+                <a:ea typeface="Open Sans" pitchFamily="2" charset="0"/>
+                <a:cs typeface="Open Sans" pitchFamily="2" charset="0"/>
+              </a:rPr>
+              <a:t>4.44/5</a:t>
+            </a:r>
+            <a:r>
               <a:rPr lang="en-GB" dirty="0">
                 <a:solidFill>
                   <a:srgbClr val="0C2E8A"/>
@@ -9302,6 +9227,42 @@
                 <a:ea typeface="Open Sans" pitchFamily="2" charset="0"/>
                 <a:cs typeface="Open Sans" pitchFamily="2" charset="0"/>
               </a:rPr>
+              <a:t> Easy to understand, </a:t>
+            </a:r>
+            <a:r>
+              <a:rPr lang="en-GB" b="1" dirty="0">
+                <a:solidFill>
+                  <a:srgbClr val="50D8AF"/>
+                </a:solidFill>
+                <a:latin typeface="Open Sans" pitchFamily="2" charset="0"/>
+                <a:ea typeface="Open Sans" pitchFamily="2" charset="0"/>
+                <a:cs typeface="Open Sans" pitchFamily="2" charset="0"/>
+              </a:rPr>
+              <a:t>4.78/5</a:t>
+            </a:r>
+            <a:r>
+              <a:rPr lang="en-GB" dirty="0">
+                <a:solidFill>
+                  <a:srgbClr val="0C2E8A"/>
+                </a:solidFill>
+                <a:latin typeface="Open Sans" pitchFamily="2" charset="0"/>
+                <a:ea typeface="Open Sans" pitchFamily="2" charset="0"/>
+                <a:cs typeface="Open Sans" pitchFamily="2" charset="0"/>
+              </a:rPr>
+              <a:t> Representative of data</a:t>
+            </a:r>
+          </a:p>
+          <a:p>
+            <a:pPr lvl="1"/>
+            <a:r>
+              <a:rPr lang="en-GB" dirty="0">
+                <a:solidFill>
+                  <a:srgbClr val="0C2E8A"/>
+                </a:solidFill>
+                <a:latin typeface="Open Sans" pitchFamily="2" charset="0"/>
+                <a:ea typeface="Open Sans" pitchFamily="2" charset="0"/>
+                <a:cs typeface="Open Sans" pitchFamily="2" charset="0"/>
+              </a:rPr>
               <a:t>Some components difficult to interpret</a:t>
             </a:r>
           </a:p>
@@ -9352,6 +9313,97 @@
                 <a:cs typeface="Open Sans" pitchFamily="2" charset="0"/>
               </a:rPr>
               <a:t>is mostly intuitive and clear, but has some room to improve in aesthetics</a:t>
+            </a:r>
+          </a:p>
+          <a:p>
+            <a:pPr lvl="1"/>
+            <a:r>
+              <a:rPr lang="en-GB" b="1" dirty="0">
+                <a:solidFill>
+                  <a:srgbClr val="50D8AF"/>
+                </a:solidFill>
+                <a:latin typeface="Open Sans" pitchFamily="2" charset="0"/>
+                <a:ea typeface="Open Sans" pitchFamily="2" charset="0"/>
+                <a:cs typeface="Open Sans" pitchFamily="2" charset="0"/>
+              </a:rPr>
+              <a:t>4/5</a:t>
+            </a:r>
+            <a:r>
+              <a:rPr lang="en-GB" dirty="0">
+                <a:solidFill>
+                  <a:srgbClr val="0C2E8A"/>
+                </a:solidFill>
+                <a:latin typeface="Open Sans" pitchFamily="2" charset="0"/>
+                <a:ea typeface="Open Sans" pitchFamily="2" charset="0"/>
+                <a:cs typeface="Open Sans" pitchFamily="2" charset="0"/>
+              </a:rPr>
+              <a:t> Intuitive, </a:t>
+            </a:r>
+            <a:r>
+              <a:rPr lang="en-GB" b="1" dirty="0">
+                <a:solidFill>
+                  <a:srgbClr val="50D8AF"/>
+                </a:solidFill>
+                <a:latin typeface="Open Sans" pitchFamily="2" charset="0"/>
+                <a:ea typeface="Open Sans" pitchFamily="2" charset="0"/>
+                <a:cs typeface="Open Sans" pitchFamily="2" charset="0"/>
+              </a:rPr>
+              <a:t>4.56/5</a:t>
+            </a:r>
+            <a:r>
+              <a:rPr lang="en-GB" dirty="0">
+                <a:solidFill>
+                  <a:srgbClr val="0C2E8A"/>
+                </a:solidFill>
+                <a:latin typeface="Open Sans" pitchFamily="2" charset="0"/>
+                <a:ea typeface="Open Sans" pitchFamily="2" charset="0"/>
+                <a:cs typeface="Open Sans" pitchFamily="2" charset="0"/>
+              </a:rPr>
+              <a:t> Clearly presented, </a:t>
+            </a:r>
+            <a:r>
+              <a:rPr lang="en-GB" dirty="0">
+                <a:solidFill>
+                  <a:srgbClr val="50D8AF"/>
+                </a:solidFill>
+                <a:latin typeface="Open Sans" pitchFamily="2" charset="0"/>
+                <a:ea typeface="Open Sans" pitchFamily="2" charset="0"/>
+                <a:cs typeface="Open Sans" pitchFamily="2" charset="0"/>
+              </a:rPr>
+              <a:t> </a:t>
+            </a:r>
+            <a:r>
+              <a:rPr lang="en-GB" b="1" dirty="0">
+                <a:solidFill>
+                  <a:srgbClr val="50D8AF"/>
+                </a:solidFill>
+                <a:latin typeface="Open Sans" pitchFamily="2" charset="0"/>
+                <a:ea typeface="Open Sans" pitchFamily="2" charset="0"/>
+                <a:cs typeface="Open Sans" pitchFamily="2" charset="0"/>
+              </a:rPr>
+              <a:t>3.89/5</a:t>
+            </a:r>
+            <a:r>
+              <a:rPr lang="en-GB" dirty="0">
+                <a:solidFill>
+                  <a:srgbClr val="50D8AF"/>
+                </a:solidFill>
+                <a:latin typeface="Open Sans" pitchFamily="2" charset="0"/>
+                <a:ea typeface="Open Sans" pitchFamily="2" charset="0"/>
+                <a:cs typeface="Open Sans" pitchFamily="2" charset="0"/>
+              </a:rPr>
+              <a:t> </a:t>
+            </a:r>
+            <a:r>
+              <a:rPr lang="en-GB" dirty="0">
+                <a:solidFill>
+                  <a:srgbClr val="0C2E8A"/>
+                </a:solidFill>
+                <a:latin typeface="Open Sans" pitchFamily="2" charset="0"/>
+                <a:ea typeface="Open Sans" pitchFamily="2" charset="0"/>
+                <a:cs typeface="Open Sans" pitchFamily="2" charset="0"/>
+              </a:rPr>
+              <a:t>aesthetically appealing</a:t>
             </a:r>
           </a:p>
           <a:p>
@@ -11842,203 +11894,6 @@
                 <a:ea typeface="Open Sans" pitchFamily="2" charset="0"/>
                 <a:cs typeface="Open Sans" pitchFamily="2" charset="0"/>
               </a:rPr>
-              <a:t>Conclusions</a:t>
-            </a:r>
-          </a:p>
-        </p:txBody>
-      </p:sp>
-      <p:sp>
-        <p:nvSpPr>
-          <p:cNvPr id="3" name="Content Placeholder 2">
-            <a:extLst>
-              <a:ext uri="{FF2B5EF4-FFF2-40B4-BE49-F238E27FC236}">
-                <a16:creationId xmlns:a16="http://schemas.microsoft.com/office/drawing/2014/main" id="{8792089F-5997-F45A-DAF8-CCBBE566E4EC}"/>
-              </a:ext>
-            </a:extLst>
-          </p:cNvPr>
-          <p:cNvSpPr>
-            <a:spLocks noGrp="1"/>
-          </p:cNvSpPr>
-          <p:nvPr>
-            <p:ph idx="1"/>
-          </p:nvPr>
-        </p:nvSpPr>
-        <p:spPr/>
-        <p:txBody>
-          <a:bodyPr>
-            <a:normAutofit/>
-          </a:bodyPr>
-          <a:lstStyle/>
-          <a:p>
-            <a:r>
-              <a:rPr lang="en-GB" sz="2600" dirty="0">
-                <a:solidFill>
-                  <a:srgbClr val="0C2E8A"/>
-                </a:solidFill>
-                <a:latin typeface="Open Sans" pitchFamily="2" charset="0"/>
-                <a:ea typeface="Open Sans" pitchFamily="2" charset="0"/>
-                <a:cs typeface="Open Sans" pitchFamily="2" charset="0"/>
-              </a:rPr>
-              <a:t>Machine translation provides some promise in </a:t>
-            </a:r>
-            <a:r>
-              <a:rPr lang="en-GB" sz="2600" dirty="0" err="1">
-                <a:solidFill>
-                  <a:srgbClr val="0C2E8A"/>
-                </a:solidFill>
-                <a:latin typeface="Open Sans" pitchFamily="2" charset="0"/>
-                <a:ea typeface="Open Sans" pitchFamily="2" charset="0"/>
-                <a:cs typeface="Open Sans" pitchFamily="2" charset="0"/>
-              </a:rPr>
-              <a:t>upsampling</a:t>
-            </a:r>
-            <a:endParaRPr lang="en-GB" sz="2600" dirty="0">
-              <a:solidFill>
-                <a:srgbClr val="0C2E8A"/>
-              </a:solidFill>
-              <a:latin typeface="Open Sans" pitchFamily="2" charset="0"/>
-              <a:ea typeface="Open Sans" pitchFamily="2" charset="0"/>
-              <a:cs typeface="Open Sans" pitchFamily="2" charset="0"/>
-            </a:endParaRPr>
-          </a:p>
-          <a:p>
-            <a:r>
-              <a:rPr lang="en-GB" sz="2600" dirty="0">
-                <a:solidFill>
-                  <a:srgbClr val="0C2E8A"/>
-                </a:solidFill>
-                <a:latin typeface="Open Sans" pitchFamily="2" charset="0"/>
-                <a:ea typeface="Open Sans" pitchFamily="2" charset="0"/>
-                <a:cs typeface="Open Sans" pitchFamily="2" charset="0"/>
-              </a:rPr>
-              <a:t>Models can transfer, but lose some accuracy</a:t>
-            </a:r>
-          </a:p>
-          <a:p>
-            <a:pPr lvl="1"/>
-            <a:r>
-              <a:rPr lang="en-GB" sz="1800" dirty="0">
-                <a:solidFill>
-                  <a:srgbClr val="0C2E8A"/>
-                </a:solidFill>
-                <a:latin typeface="Open Sans" pitchFamily="2" charset="0"/>
-                <a:ea typeface="Open Sans" pitchFamily="2" charset="0"/>
-                <a:cs typeface="Open Sans" pitchFamily="2" charset="0"/>
-              </a:rPr>
-              <a:t>Could be difference in article content across country</a:t>
-            </a:r>
-          </a:p>
-          <a:p>
-            <a:r>
-              <a:rPr lang="en-GB" sz="2200" dirty="0">
-                <a:solidFill>
-                  <a:srgbClr val="0C2E8A"/>
-                </a:solidFill>
-                <a:latin typeface="Open Sans" pitchFamily="2" charset="0"/>
-                <a:ea typeface="Open Sans" pitchFamily="2" charset="0"/>
-                <a:cs typeface="Open Sans" pitchFamily="2" charset="0"/>
-              </a:rPr>
-              <a:t>Models can effectively classify real-world data, but lose accuracy over public data</a:t>
-            </a:r>
-          </a:p>
-          <a:p>
-            <a:pPr lvl="1"/>
-            <a:r>
-              <a:rPr lang="en-GB" sz="1800" dirty="0">
-                <a:solidFill>
-                  <a:srgbClr val="0C2E8A"/>
-                </a:solidFill>
-                <a:latin typeface="Open Sans" pitchFamily="2" charset="0"/>
-                <a:ea typeface="Open Sans" pitchFamily="2" charset="0"/>
-                <a:cs typeface="Open Sans" pitchFamily="2" charset="0"/>
-              </a:rPr>
-              <a:t>Real-world data can be harder to categorise</a:t>
-            </a:r>
-          </a:p>
-          <a:p>
-            <a:pPr lvl="1"/>
-            <a:r>
-              <a:rPr lang="en-GB" sz="1800" dirty="0">
-                <a:solidFill>
-                  <a:srgbClr val="0C2E8A"/>
-                </a:solidFill>
-                <a:latin typeface="Open Sans" pitchFamily="2" charset="0"/>
-                <a:ea typeface="Open Sans" pitchFamily="2" charset="0"/>
-                <a:cs typeface="Open Sans" pitchFamily="2" charset="0"/>
-              </a:rPr>
-              <a:t>Categories can differ by country and source</a:t>
-            </a:r>
-            <a:endParaRPr lang="en-GB" sz="1400" dirty="0">
-              <a:solidFill>
-                <a:srgbClr val="0C2E8A"/>
-              </a:solidFill>
-              <a:latin typeface="Open Sans" pitchFamily="2" charset="0"/>
-              <a:ea typeface="Open Sans" pitchFamily="2" charset="0"/>
-              <a:cs typeface="Open Sans" pitchFamily="2" charset="0"/>
-            </a:endParaRPr>
-          </a:p>
-        </p:txBody>
-      </p:sp>
-    </p:spTree>
-    <p:extLst>
-      <p:ext uri="{BB962C8B-B14F-4D97-AF65-F5344CB8AC3E}">
-        <p14:creationId xmlns:p14="http://schemas.microsoft.com/office/powerpoint/2010/main" val="4116598298"/>
-      </p:ext>
-    </p:extLst>
-  </p:cSld>
-  <p:clrMapOvr>
-    <a:masterClrMapping/>
-  </p:clrMapOvr>
-</p:sld>
-</file>
-
-<file path=ppt/slides/slide33.xml><?xml version="1.0" encoding="utf-8"?>
-<p:sld xmlns:a="http://schemas.openxmlformats.org/drawingml/2006/main" xmlns:r="http://schemas.openxmlformats.org/officeDocument/2006/relationships" xmlns:p="http://schemas.openxmlformats.org/presentationml/2006/main">
-  <p:cSld>
-    <p:spTree>
-      <p:nvGrpSpPr>
-        <p:cNvPr id="1" name=""/>
-        <p:cNvGrpSpPr/>
-        <p:nvPr/>
-      </p:nvGrpSpPr>
-      <p:grpSpPr>
-        <a:xfrm>
-          <a:off x="0" y="0"/>
-          <a:ext cx="0" cy="0"/>
-          <a:chOff x="0" y="0"/>
-          <a:chExt cx="0" cy="0"/>
-        </a:xfrm>
-      </p:grpSpPr>
-      <p:sp>
-        <p:nvSpPr>
-          <p:cNvPr id="2" name="Title 1">
-            <a:extLst>
-              <a:ext uri="{FF2B5EF4-FFF2-40B4-BE49-F238E27FC236}">
-                <a16:creationId xmlns:a16="http://schemas.microsoft.com/office/drawing/2014/main" id="{DEAE4C3F-285D-FA36-0590-292F30F27FC6}"/>
-              </a:ext>
-            </a:extLst>
-          </p:cNvPr>
-          <p:cNvSpPr>
-            <a:spLocks noGrp="1"/>
-          </p:cNvSpPr>
-          <p:nvPr>
-            <p:ph type="title"/>
-          </p:nvPr>
-        </p:nvSpPr>
-        <p:spPr/>
-        <p:txBody>
-          <a:bodyPr/>
-          <a:lstStyle/>
-          <a:p>
-            <a:r>
-              <a:rPr lang="en-GB" b="1" dirty="0">
-                <a:solidFill>
-                  <a:srgbClr val="0C2E8A"/>
-                </a:solidFill>
-                <a:latin typeface="Open Sans" pitchFamily="2" charset="0"/>
-                <a:ea typeface="Open Sans" pitchFamily="2" charset="0"/>
-                <a:cs typeface="Open Sans" pitchFamily="2" charset="0"/>
-              </a:rPr>
               <a:t>Summary</a:t>
             </a:r>
           </a:p>
@@ -12112,10 +11967,71 @@
                 <a:ea typeface="Open Sans" pitchFamily="2" charset="0"/>
                 <a:cs typeface="Open Sans" pitchFamily="2" charset="0"/>
               </a:rPr>
+              <a:t>Classify results into category</a:t>
+            </a:r>
+          </a:p>
+          <a:p>
+            <a:pPr lvl="1"/>
+            <a:r>
+              <a:rPr lang="en-GB" sz="2200" dirty="0">
+                <a:solidFill>
+                  <a:srgbClr val="0C2E8A"/>
+                </a:solidFill>
+                <a:latin typeface="Open Sans" pitchFamily="2" charset="0"/>
+                <a:ea typeface="Open Sans" pitchFamily="2" charset="0"/>
+                <a:cs typeface="Open Sans" pitchFamily="2" charset="0"/>
+              </a:rPr>
               <a:t>Produce visualisations from article data</a:t>
             </a:r>
           </a:p>
           <a:p>
+            <a:pPr lvl="2"/>
+            <a:r>
+              <a:rPr lang="en-GB" sz="1800" b="1" dirty="0">
+                <a:solidFill>
+                  <a:srgbClr val="50D8AF"/>
+                </a:solidFill>
+                <a:latin typeface="Open Sans" pitchFamily="2" charset="0"/>
+                <a:ea typeface="Open Sans" pitchFamily="2" charset="0"/>
+                <a:cs typeface="Open Sans" pitchFamily="2" charset="0"/>
+              </a:rPr>
+              <a:t>4.44/5</a:t>
+            </a:r>
+            <a:r>
+              <a:rPr lang="en-GB" sz="1800" dirty="0">
+                <a:solidFill>
+                  <a:srgbClr val="0C2E8A"/>
+                </a:solidFill>
+                <a:latin typeface="Open Sans" pitchFamily="2" charset="0"/>
+                <a:ea typeface="Open Sans" pitchFamily="2" charset="0"/>
+                <a:cs typeface="Open Sans" pitchFamily="2" charset="0"/>
+              </a:rPr>
+              <a:t> Easy to understand, </a:t>
+            </a:r>
+            <a:r>
+              <a:rPr lang="en-GB" sz="1800" b="1" dirty="0">
+                <a:solidFill>
+                  <a:srgbClr val="50D8AF"/>
+                </a:solidFill>
+                <a:latin typeface="Open Sans" pitchFamily="2" charset="0"/>
+                <a:ea typeface="Open Sans" pitchFamily="2" charset="0"/>
+                <a:cs typeface="Open Sans" pitchFamily="2" charset="0"/>
+              </a:rPr>
+              <a:t>4.78/5</a:t>
+            </a:r>
+            <a:r>
+              <a:rPr lang="en-GB" sz="1800" dirty="0">
+                <a:solidFill>
+                  <a:srgbClr val="0C2E8A"/>
+                </a:solidFill>
+                <a:latin typeface="Open Sans" pitchFamily="2" charset="0"/>
+                <a:ea typeface="Open Sans" pitchFamily="2" charset="0"/>
+                <a:cs typeface="Open Sans" pitchFamily="2" charset="0"/>
+              </a:rPr>
+              <a:t> Representative of data</a:t>
+            </a:r>
+          </a:p>
+          <a:p>
             <a:pPr lvl="1"/>
             <a:r>
               <a:rPr lang="en-GB" sz="2200" dirty="0">
@@ -12130,6 +12046,97 @@
             </a:r>
           </a:p>
           <a:p>
+            <a:pPr lvl="2"/>
+            <a:r>
+              <a:rPr lang="en-GB" sz="1800" b="1" dirty="0">
+                <a:solidFill>
+                  <a:srgbClr val="50D8AF"/>
+                </a:solidFill>
+                <a:latin typeface="Open Sans" pitchFamily="2" charset="0"/>
+                <a:ea typeface="Open Sans" pitchFamily="2" charset="0"/>
+                <a:cs typeface="Open Sans" pitchFamily="2" charset="0"/>
+              </a:rPr>
+              <a:t>4/5</a:t>
+            </a:r>
+            <a:r>
+              <a:rPr lang="en-GB" sz="1800" dirty="0">
+                <a:solidFill>
+                  <a:srgbClr val="0C2E8A"/>
+                </a:solidFill>
+                <a:latin typeface="Open Sans" pitchFamily="2" charset="0"/>
+                <a:ea typeface="Open Sans" pitchFamily="2" charset="0"/>
+                <a:cs typeface="Open Sans" pitchFamily="2" charset="0"/>
+              </a:rPr>
+              <a:t> Intuitive, </a:t>
+            </a:r>
+            <a:r>
+              <a:rPr lang="en-GB" sz="1800" b="1" dirty="0">
+                <a:solidFill>
+                  <a:srgbClr val="50D8AF"/>
+                </a:solidFill>
+                <a:latin typeface="Open Sans" pitchFamily="2" charset="0"/>
+                <a:ea typeface="Open Sans" pitchFamily="2" charset="0"/>
+                <a:cs typeface="Open Sans" pitchFamily="2" charset="0"/>
+              </a:rPr>
+              <a:t>4.56/5</a:t>
+            </a:r>
+            <a:r>
+              <a:rPr lang="en-GB" sz="1800" dirty="0">
+                <a:solidFill>
+                  <a:srgbClr val="0C2E8A"/>
+                </a:solidFill>
+                <a:latin typeface="Open Sans" pitchFamily="2" charset="0"/>
+                <a:ea typeface="Open Sans" pitchFamily="2" charset="0"/>
+                <a:cs typeface="Open Sans" pitchFamily="2" charset="0"/>
+              </a:rPr>
+              <a:t> Clearly presented, </a:t>
+            </a:r>
+            <a:r>
+              <a:rPr lang="en-GB" sz="1800" dirty="0">
+                <a:solidFill>
+                  <a:srgbClr val="50D8AF"/>
+                </a:solidFill>
+                <a:latin typeface="Open Sans" pitchFamily="2" charset="0"/>
+                <a:ea typeface="Open Sans" pitchFamily="2" charset="0"/>
+                <a:cs typeface="Open Sans" pitchFamily="2" charset="0"/>
+              </a:rPr>
+              <a:t> </a:t>
+            </a:r>
+            <a:r>
+              <a:rPr lang="en-GB" sz="1800" b="1" dirty="0">
+                <a:solidFill>
+                  <a:srgbClr val="50D8AF"/>
+                </a:solidFill>
+                <a:latin typeface="Open Sans" pitchFamily="2" charset="0"/>
+                <a:ea typeface="Open Sans" pitchFamily="2" charset="0"/>
+                <a:cs typeface="Open Sans" pitchFamily="2" charset="0"/>
+              </a:rPr>
+              <a:t>3.89/5</a:t>
+            </a:r>
+            <a:r>
+              <a:rPr lang="en-GB" sz="1800" dirty="0">
+                <a:solidFill>
+                  <a:srgbClr val="50D8AF"/>
+                </a:solidFill>
+                <a:latin typeface="Open Sans" pitchFamily="2" charset="0"/>
+                <a:ea typeface="Open Sans" pitchFamily="2" charset="0"/>
+                <a:cs typeface="Open Sans" pitchFamily="2" charset="0"/>
+              </a:rPr>
+              <a:t> </a:t>
+            </a:r>
+            <a:r>
+              <a:rPr lang="en-GB" sz="1800" dirty="0">
+                <a:solidFill>
+                  <a:srgbClr val="0C2E8A"/>
+                </a:solidFill>
+                <a:latin typeface="Open Sans" pitchFamily="2" charset="0"/>
+                <a:ea typeface="Open Sans" pitchFamily="2" charset="0"/>
+                <a:cs typeface="Open Sans" pitchFamily="2" charset="0"/>
+              </a:rPr>
+              <a:t>aesthetically appealing</a:t>
+            </a:r>
+          </a:p>
+          <a:p>
             <a:r>
               <a:rPr lang="en-GB" sz="2600" b="1" dirty="0">
                 <a:solidFill>
@@ -12166,14 +12173,17 @@
               </a:rPr>
               <a:t>upsample</a:t>
             </a:r>
-            <a:endParaRPr lang="en-GB" sz="2200" dirty="0">
-              <a:solidFill>
-                <a:srgbClr val="0C2E8A"/>
-              </a:solidFill>
-              <a:latin typeface="Open Sans" pitchFamily="2" charset="0"/>
-              <a:ea typeface="Open Sans" pitchFamily="2" charset="0"/>
-              <a:cs typeface="Open Sans" pitchFamily="2" charset="0"/>
-            </a:endParaRPr>
+            <a:r>
+              <a:rPr lang="en-GB" sz="2200" dirty="0">
+                <a:solidFill>
+                  <a:srgbClr val="0C2E8A"/>
+                </a:solidFill>
+                <a:latin typeface="Open Sans" pitchFamily="2" charset="0"/>
+                <a:ea typeface="Open Sans" pitchFamily="2" charset="0"/>
+                <a:cs typeface="Open Sans" pitchFamily="2" charset="0"/>
+              </a:rPr>
+              <a:t> data</a:t>
+            </a:r>
           </a:p>
           <a:p>
             <a:pPr lvl="1"/>
@@ -12186,7 +12196,29 @@
                 <a:ea typeface="Open Sans" pitchFamily="2" charset="0"/>
                 <a:cs typeface="Open Sans" pitchFamily="2" charset="0"/>
               </a:rPr>
-              <a:t>Multilingual models can achieve high (~89%) accuracy on real-world data</a:t>
+              <a:t>Multilingual models can achieve high </a:t>
+            </a:r>
+            <a:r>
+              <a:rPr lang="en-GB" sz="2200" b="1" dirty="0">
+                <a:solidFill>
+                  <a:srgbClr val="50D8AF"/>
+                </a:solidFill>
+                <a:latin typeface="Open Sans" pitchFamily="2" charset="0"/>
+                <a:ea typeface="Open Sans" pitchFamily="2" charset="0"/>
+                <a:cs typeface="Open Sans" pitchFamily="2" charset="0"/>
+              </a:rPr>
+              <a:t>(~89%) </a:t>
+            </a:r>
+            <a:r>
+              <a:rPr lang="en-GB" sz="2200" dirty="0">
+                <a:solidFill>
+                  <a:srgbClr val="0C2E8A"/>
+                </a:solidFill>
+                <a:latin typeface="Open Sans" pitchFamily="2" charset="0"/>
+                <a:ea typeface="Open Sans" pitchFamily="2" charset="0"/>
+                <a:cs typeface="Open Sans" pitchFamily="2" charset="0"/>
+              </a:rPr>
+              <a:t>accuracy on real-world data</a:t>
             </a:r>
           </a:p>
         </p:txBody>
@@ -12719,45 +12751,6 @@
           </a:xfrm>
         </p:spPr>
       </p:pic>
-      <p:sp>
-        <p:nvSpPr>
-          <p:cNvPr id="8" name="TextBox 7">
-            <a:extLst>
-              <a:ext uri="{FF2B5EF4-FFF2-40B4-BE49-F238E27FC236}">
-                <a16:creationId xmlns:a16="http://schemas.microsoft.com/office/drawing/2014/main" id="{B535F1C7-68DB-2133-8DC2-BCB2A872CBF1}"/>
-              </a:ext>
-            </a:extLst>
-          </p:cNvPr>
-          <p:cNvSpPr txBox="1"/>
-          <p:nvPr/>
-        </p:nvSpPr>
-        <p:spPr>
-          <a:xfrm>
-            <a:off x="960120" y="1690688"/>
-            <a:ext cx="438912" cy="369332"/>
-          </a:xfrm>
-          <a:prstGeom prst="rect">
-            <a:avLst/>
-          </a:prstGeom>
-          <a:noFill/>
-        </p:spPr>
-        <p:txBody>
-          <a:bodyPr wrap="square" rtlCol="0">
-            <a:spAutoFit/>
-          </a:bodyPr>
-          <a:lstStyle/>
-          <a:p>
-            <a:r>
-              <a:rPr lang="en-GB" dirty="0">
-                <a:solidFill>
-                  <a:srgbClr val="2F8042"/>
-                </a:solidFill>
-              </a:rPr>
-              <a:t>t</a:t>
-            </a:r>
-          </a:p>
-        </p:txBody>
-      </p:sp>
     </p:spTree>
     <p:extLst>
       <p:ext uri="{BB962C8B-B14F-4D97-AF65-F5344CB8AC3E}">

--- a/research/Video Presentation D1.pptx
+++ b/research/Video Presentation D1.pptx
@@ -5,7 +5,7 @@
     <p:sldMasterId id="2147483648" r:id="rId1"/>
   </p:sldMasterIdLst>
   <p:notesMasterIdLst>
-    <p:notesMasterId r:id="rId34"/>
+    <p:notesMasterId r:id="rId35"/>
   </p:notesMasterIdLst>
   <p:sldIdLst>
     <p:sldId id="256" r:id="rId2"/>
@@ -14,32 +14,33 @@
     <p:sldId id="260" r:id="rId5"/>
     <p:sldId id="261" r:id="rId6"/>
     <p:sldId id="264" r:id="rId7"/>
-    <p:sldId id="265" r:id="rId8"/>
-    <p:sldId id="266" r:id="rId9"/>
-    <p:sldId id="267" r:id="rId10"/>
-    <p:sldId id="268" r:id="rId11"/>
-    <p:sldId id="269" r:id="rId12"/>
-    <p:sldId id="270" r:id="rId13"/>
-    <p:sldId id="271" r:id="rId14"/>
-    <p:sldId id="272" r:id="rId15"/>
-    <p:sldId id="274" r:id="rId16"/>
-    <p:sldId id="290" r:id="rId17"/>
-    <p:sldId id="275" r:id="rId18"/>
-    <p:sldId id="276" r:id="rId19"/>
-    <p:sldId id="277" r:id="rId20"/>
-    <p:sldId id="278" r:id="rId21"/>
-    <p:sldId id="279" r:id="rId22"/>
-    <p:sldId id="280" r:id="rId23"/>
-    <p:sldId id="262" r:id="rId24"/>
-    <p:sldId id="291" r:id="rId25"/>
-    <p:sldId id="281" r:id="rId26"/>
-    <p:sldId id="282" r:id="rId27"/>
-    <p:sldId id="283" r:id="rId28"/>
-    <p:sldId id="284" r:id="rId29"/>
-    <p:sldId id="285" r:id="rId30"/>
-    <p:sldId id="286" r:id="rId31"/>
-    <p:sldId id="287" r:id="rId32"/>
-    <p:sldId id="289" r:id="rId33"/>
+    <p:sldId id="292" r:id="rId8"/>
+    <p:sldId id="265" r:id="rId9"/>
+    <p:sldId id="266" r:id="rId10"/>
+    <p:sldId id="267" r:id="rId11"/>
+    <p:sldId id="268" r:id="rId12"/>
+    <p:sldId id="269" r:id="rId13"/>
+    <p:sldId id="270" r:id="rId14"/>
+    <p:sldId id="271" r:id="rId15"/>
+    <p:sldId id="272" r:id="rId16"/>
+    <p:sldId id="274" r:id="rId17"/>
+    <p:sldId id="290" r:id="rId18"/>
+    <p:sldId id="275" r:id="rId19"/>
+    <p:sldId id="276" r:id="rId20"/>
+    <p:sldId id="277" r:id="rId21"/>
+    <p:sldId id="278" r:id="rId22"/>
+    <p:sldId id="279" r:id="rId23"/>
+    <p:sldId id="280" r:id="rId24"/>
+    <p:sldId id="262" r:id="rId25"/>
+    <p:sldId id="291" r:id="rId26"/>
+    <p:sldId id="281" r:id="rId27"/>
+    <p:sldId id="282" r:id="rId28"/>
+    <p:sldId id="283" r:id="rId29"/>
+    <p:sldId id="284" r:id="rId30"/>
+    <p:sldId id="285" r:id="rId31"/>
+    <p:sldId id="286" r:id="rId32"/>
+    <p:sldId id="287" r:id="rId33"/>
+    <p:sldId id="289" r:id="rId34"/>
   </p:sldIdLst>
   <p:sldSz cx="12192000" cy="6858000"/>
   <p:notesSz cx="6858000" cy="9144000"/>
@@ -629,7 +630,7 @@
           <a:p>
             <a:r>
               <a:rPr lang="en-GB" dirty="0"/>
-              <a:t>The parser will scrape the URLs from the crawler for detailed information such as headline, body and publish date, and pass this to the classifier</a:t>
+              <a:t>The crawler will retrieve a list of news article URL’s from a source URL, and update its own state in the database</a:t>
             </a:r>
           </a:p>
         </p:txBody>
@@ -660,7 +661,7 @@
     </p:spTree>
     <p:extLst>
       <p:ext uri="{BB962C8B-B14F-4D97-AF65-F5344CB8AC3E}">
-        <p14:creationId xmlns:p14="http://schemas.microsoft.com/office/powerpoint/2010/main" val="2483643934"/>
+        <p14:creationId xmlns:p14="http://schemas.microsoft.com/office/powerpoint/2010/main" val="3918366851"/>
       </p:ext>
     </p:extLst>
   </p:cSld>
@@ -716,7 +717,7 @@
           <a:p>
             <a:r>
               <a:rPr lang="en-GB" dirty="0"/>
-              <a:t>The classifier will assign a category to each incoming article, using the trained transformer model from the experiment</a:t>
+              <a:t>The parser will scrape the URLs from the crawler for detailed information such as headline, body and publish date, and pass this to the classifier</a:t>
             </a:r>
           </a:p>
         </p:txBody>
@@ -747,7 +748,7 @@
     </p:spTree>
     <p:extLst>
       <p:ext uri="{BB962C8B-B14F-4D97-AF65-F5344CB8AC3E}">
-        <p14:creationId xmlns:p14="http://schemas.microsoft.com/office/powerpoint/2010/main" val="3689923839"/>
+        <p14:creationId xmlns:p14="http://schemas.microsoft.com/office/powerpoint/2010/main" val="2483643934"/>
       </p:ext>
     </p:extLst>
   </p:cSld>
@@ -803,7 +804,7 @@
           <a:p>
             <a:r>
               <a:rPr lang="en-GB" dirty="0"/>
-              <a:t>New sources are loaded from the database when the program starts, and new articles are added by the classifier. The database will also store the state information of sources.</a:t>
+              <a:t>The classifier will assign a category to each incoming article, using the trained transformer model from the experiment</a:t>
             </a:r>
           </a:p>
         </p:txBody>
@@ -834,7 +835,7 @@
     </p:spTree>
     <p:extLst>
       <p:ext uri="{BB962C8B-B14F-4D97-AF65-F5344CB8AC3E}">
-        <p14:creationId xmlns:p14="http://schemas.microsoft.com/office/powerpoint/2010/main" val="955011356"/>
+        <p14:creationId xmlns:p14="http://schemas.microsoft.com/office/powerpoint/2010/main" val="3689923839"/>
       </p:ext>
     </p:extLst>
   </p:cSld>
@@ -890,15 +891,7 @@
           <a:p>
             <a:r>
               <a:rPr lang="en-GB" dirty="0"/>
-              <a:t>The visualisation is based on the original </a:t>
-            </a:r>
-            <a:r>
-              <a:rPr lang="en-GB" dirty="0" err="1"/>
-              <a:t>BioCaster</a:t>
-            </a:r>
-            <a:r>
-              <a:rPr lang="en-GB" dirty="0"/>
-              <a:t> visualisation, but provides information collected by our system such as source type and category information instead of the disease information which is not implemented.</a:t>
+              <a:t>New sources are loaded from the database when the program starts, and new articles are added by the classifier. The database will also store the state information of sources.</a:t>
             </a:r>
           </a:p>
         </p:txBody>
@@ -929,7 +922,7 @@
     </p:spTree>
     <p:extLst>
       <p:ext uri="{BB962C8B-B14F-4D97-AF65-F5344CB8AC3E}">
-        <p14:creationId xmlns:p14="http://schemas.microsoft.com/office/powerpoint/2010/main" val="1351681723"/>
+        <p14:creationId xmlns:p14="http://schemas.microsoft.com/office/powerpoint/2010/main" val="955011356"/>
       </p:ext>
     </p:extLst>
   </p:cSld>
@@ -985,7 +978,15 @@
           <a:p>
             <a:r>
               <a:rPr lang="en-GB" dirty="0"/>
-              <a:t>The web interface is responsible for providing an interface for controlling the scraping system and its sources, including turning the system on and off, turning individual sources on and off, removing and adding them and viewing which ones are stale. It will also host the visualisation. The web connector will facilitate the communication between the system and the web interface</a:t>
+              <a:t>The visualisation is based on the original </a:t>
+            </a:r>
+            <a:r>
+              <a:rPr lang="en-GB" dirty="0" err="1"/>
+              <a:t>BioCaster</a:t>
+            </a:r>
+            <a:r>
+              <a:rPr lang="en-GB" dirty="0"/>
+              <a:t> visualisation, but provides information collected by our system such as source type and category information instead of the disease information which is not implemented.</a:t>
             </a:r>
           </a:p>
         </p:txBody>
@@ -1016,7 +1017,7 @@
     </p:spTree>
     <p:extLst>
       <p:ext uri="{BB962C8B-B14F-4D97-AF65-F5344CB8AC3E}">
-        <p14:creationId xmlns:p14="http://schemas.microsoft.com/office/powerpoint/2010/main" val="2636136266"/>
+        <p14:creationId xmlns:p14="http://schemas.microsoft.com/office/powerpoint/2010/main" val="1351681723"/>
       </p:ext>
     </p:extLst>
   </p:cSld>
@@ -1072,7 +1073,7 @@
           <a:p>
             <a:r>
               <a:rPr lang="en-GB" dirty="0"/>
-              <a:t>These are the pages of the web interface</a:t>
+              <a:t>The web interface is responsible for providing an interface for controlling the scraping system and its sources, including turning the system on and off, turning individual sources on and off, removing and adding them and viewing which ones are stale. It will also host the visualisation. The web connector will facilitate the communication between the system and the web interface</a:t>
             </a:r>
           </a:p>
         </p:txBody>
@@ -1103,7 +1104,7 @@
     </p:spTree>
     <p:extLst>
       <p:ext uri="{BB962C8B-B14F-4D97-AF65-F5344CB8AC3E}">
-        <p14:creationId xmlns:p14="http://schemas.microsoft.com/office/powerpoint/2010/main" val="1004370712"/>
+        <p14:creationId xmlns:p14="http://schemas.microsoft.com/office/powerpoint/2010/main" val="2636136266"/>
       </p:ext>
     </p:extLst>
   </p:cSld>
@@ -1159,7 +1160,7 @@
           <a:p>
             <a:r>
               <a:rPr lang="en-GB" dirty="0"/>
-              <a:t>The controller brings the system together, retrieving the sources from the database and initialising the crawlers, sending the new articles to the parser, and communicating with the web interface,</a:t>
+              <a:t>These are the pages of the web interface</a:t>
             </a:r>
           </a:p>
         </p:txBody>
@@ -1190,7 +1191,7 @@
     </p:spTree>
     <p:extLst>
       <p:ext uri="{BB962C8B-B14F-4D97-AF65-F5344CB8AC3E}">
-        <p14:creationId xmlns:p14="http://schemas.microsoft.com/office/powerpoint/2010/main" val="251977634"/>
+        <p14:creationId xmlns:p14="http://schemas.microsoft.com/office/powerpoint/2010/main" val="1004370712"/>
       </p:ext>
     </p:extLst>
   </p:cSld>
@@ -1246,55 +1247,7 @@
           <a:p>
             <a:r>
               <a:rPr lang="en-GB" dirty="0"/>
-              <a:t>The code is written in python, using news scraping library newspaper3k and </a:t>
-            </a:r>
-            <a:r>
-              <a:rPr lang="en-GB" dirty="0" err="1"/>
-              <a:t>rss</a:t>
-            </a:r>
-            <a:r>
-              <a:rPr lang="en-GB" dirty="0"/>
-              <a:t> feed library </a:t>
-            </a:r>
-            <a:r>
-              <a:rPr lang="en-GB" dirty="0" err="1"/>
-              <a:t>feedparser</a:t>
-            </a:r>
-            <a:r>
-              <a:rPr lang="en-GB" dirty="0"/>
-              <a:t> to collect news data. The classification system uses </a:t>
-            </a:r>
-            <a:r>
-              <a:rPr lang="en-GB" dirty="0" err="1"/>
-              <a:t>huggingface</a:t>
-            </a:r>
-            <a:r>
-              <a:rPr lang="en-GB" dirty="0"/>
-              <a:t>, a library for easy access to transformer models. The database and visualisation use the elastic software stack, with </a:t>
-            </a:r>
-            <a:r>
-              <a:rPr lang="en-GB" dirty="0" err="1"/>
-              <a:t>elasticsearch</a:t>
-            </a:r>
-            <a:r>
-              <a:rPr lang="en-GB" dirty="0"/>
-              <a:t> </a:t>
-            </a:r>
-            <a:r>
-              <a:rPr lang="en-GB" dirty="0" err="1"/>
-              <a:t>noSQL</a:t>
-            </a:r>
-            <a:r>
-              <a:rPr lang="en-GB" dirty="0"/>
-              <a:t> data storage and </a:t>
-            </a:r>
-            <a:r>
-              <a:rPr lang="en-GB" dirty="0" err="1"/>
-              <a:t>kibana</a:t>
-            </a:r>
-            <a:r>
-              <a:rPr lang="en-GB" dirty="0"/>
-              <a:t> producing live visualisations from this data. The web interface uses standard web technologies, and connects to the scraping system using the library Eel.</a:t>
+              <a:t>The controller brings the system together, retrieving the sources from the database and initialising the crawlers, sending the new articles to the parser, and communicating with the web interface,</a:t>
             </a:r>
           </a:p>
         </p:txBody>
@@ -1325,7 +1278,7 @@
     </p:spTree>
     <p:extLst>
       <p:ext uri="{BB962C8B-B14F-4D97-AF65-F5344CB8AC3E}">
-        <p14:creationId xmlns:p14="http://schemas.microsoft.com/office/powerpoint/2010/main" val="325564391"/>
+        <p14:creationId xmlns:p14="http://schemas.microsoft.com/office/powerpoint/2010/main" val="251977634"/>
       </p:ext>
     </p:extLst>
   </p:cSld>
@@ -1381,15 +1334,55 @@
           <a:p>
             <a:r>
               <a:rPr lang="en-GB" dirty="0"/>
-              <a:t>In the python code, eel creates a local web server which can communicate with the code using </a:t>
+              <a:t>The code is written in python, using news scraping library newspaper3k and </a:t>
             </a:r>
             <a:r>
               <a:rPr lang="en-GB" dirty="0" err="1"/>
-              <a:t>funcions</a:t>
+              <a:t>rss</a:t>
             </a:r>
             <a:r>
               <a:rPr lang="en-GB" dirty="0"/>
-              <a:t>, and return the value from python as the argument to another function, shown in the example here.</a:t>
+              <a:t> feed library </a:t>
+            </a:r>
+            <a:r>
+              <a:rPr lang="en-GB" dirty="0" err="1"/>
+              <a:t>feedparser</a:t>
+            </a:r>
+            <a:r>
+              <a:rPr lang="en-GB" dirty="0"/>
+              <a:t> to collect news data. The classification system uses </a:t>
+            </a:r>
+            <a:r>
+              <a:rPr lang="en-GB" dirty="0" err="1"/>
+              <a:t>huggingface</a:t>
+            </a:r>
+            <a:r>
+              <a:rPr lang="en-GB" dirty="0"/>
+              <a:t>, a library for easy access to transformer models. The database and visualisation use the elastic software stack, with </a:t>
+            </a:r>
+            <a:r>
+              <a:rPr lang="en-GB" dirty="0" err="1"/>
+              <a:t>elasticsearch</a:t>
+            </a:r>
+            <a:r>
+              <a:rPr lang="en-GB" dirty="0"/>
+              <a:t> </a:t>
+            </a:r>
+            <a:r>
+              <a:rPr lang="en-GB" dirty="0" err="1"/>
+              <a:t>noSQL</a:t>
+            </a:r>
+            <a:r>
+              <a:rPr lang="en-GB" dirty="0"/>
+              <a:t> data storage and </a:t>
+            </a:r>
+            <a:r>
+              <a:rPr lang="en-GB" dirty="0" err="1"/>
+              <a:t>kibana</a:t>
+            </a:r>
+            <a:r>
+              <a:rPr lang="en-GB" dirty="0"/>
+              <a:t> producing live visualisations from this data. The web interface uses standard web technologies, and connects to the scraping system using the library Eel.</a:t>
             </a:r>
           </a:p>
         </p:txBody>
@@ -1420,7 +1413,7 @@
     </p:spTree>
     <p:extLst>
       <p:ext uri="{BB962C8B-B14F-4D97-AF65-F5344CB8AC3E}">
-        <p14:creationId xmlns:p14="http://schemas.microsoft.com/office/powerpoint/2010/main" val="1524351458"/>
+        <p14:creationId xmlns:p14="http://schemas.microsoft.com/office/powerpoint/2010/main" val="325564391"/>
       </p:ext>
     </p:extLst>
   </p:cSld>
@@ -1476,7 +1469,15 @@
           <a:p>
             <a:r>
               <a:rPr lang="en-GB" dirty="0"/>
-              <a:t>Now I will demonstrate the system</a:t>
+              <a:t>In the python code, eel creates a local web server which can communicate with the code using </a:t>
+            </a:r>
+            <a:r>
+              <a:rPr lang="en-GB" dirty="0" err="1"/>
+              <a:t>funcions</a:t>
+            </a:r>
+            <a:r>
+              <a:rPr lang="en-GB" dirty="0"/>
+              <a:t>, and return the value from python as the argument to another function, shown in the example here.</a:t>
             </a:r>
           </a:p>
         </p:txBody>
@@ -1507,7 +1508,7 @@
     </p:spTree>
     <p:extLst>
       <p:ext uri="{BB962C8B-B14F-4D97-AF65-F5344CB8AC3E}">
-        <p14:creationId xmlns:p14="http://schemas.microsoft.com/office/powerpoint/2010/main" val="3997461955"/>
+        <p14:creationId xmlns:p14="http://schemas.microsoft.com/office/powerpoint/2010/main" val="1524351458"/>
       </p:ext>
     </p:extLst>
   </p:cSld>
@@ -1655,23 +1656,7 @@
           <a:p>
             <a:r>
               <a:rPr lang="en-GB" dirty="0"/>
-              <a:t> A questionnaire was sent to the </a:t>
-            </a:r>
-            <a:r>
-              <a:rPr lang="en-GB" dirty="0" err="1"/>
-              <a:t>biocaster</a:t>
-            </a:r>
-            <a:r>
-              <a:rPr lang="en-GB" dirty="0"/>
-              <a:t> research team and some university students, receiving 9 </a:t>
-            </a:r>
-            <a:r>
-              <a:rPr lang="en-GB" dirty="0" err="1"/>
-              <a:t>reponses</a:t>
-            </a:r>
-            <a:r>
-              <a:rPr lang="en-GB" dirty="0"/>
-              <a:t>. The two main questions were these</a:t>
+              <a:t>Now I will demonstrate the system</a:t>
             </a:r>
           </a:p>
         </p:txBody>
@@ -1702,7 +1687,7 @@
     </p:spTree>
     <p:extLst>
       <p:ext uri="{BB962C8B-B14F-4D97-AF65-F5344CB8AC3E}">
-        <p14:creationId xmlns:p14="http://schemas.microsoft.com/office/powerpoint/2010/main" val="2113790195"/>
+        <p14:creationId xmlns:p14="http://schemas.microsoft.com/office/powerpoint/2010/main" val="3997461955"/>
       </p:ext>
     </p:extLst>
   </p:cSld>
@@ -1758,7 +1743,23 @@
           <a:p>
             <a:r>
               <a:rPr lang="en-GB" dirty="0"/>
-              <a:t>Here are the results of the rating scale survey questions</a:t>
+              <a:t> A questionnaire was sent to the </a:t>
+            </a:r>
+            <a:r>
+              <a:rPr lang="en-GB" dirty="0" err="1"/>
+              <a:t>biocaster</a:t>
+            </a:r>
+            <a:r>
+              <a:rPr lang="en-GB" dirty="0"/>
+              <a:t> research team and some university students, receiving 9 </a:t>
+            </a:r>
+            <a:r>
+              <a:rPr lang="en-GB" dirty="0" err="1"/>
+              <a:t>reponses</a:t>
+            </a:r>
+            <a:r>
+              <a:rPr lang="en-GB" dirty="0"/>
+              <a:t>. The two main questions were these</a:t>
             </a:r>
           </a:p>
         </p:txBody>
@@ -1789,7 +1790,7 @@
     </p:spTree>
     <p:extLst>
       <p:ext uri="{BB962C8B-B14F-4D97-AF65-F5344CB8AC3E}">
-        <p14:creationId xmlns:p14="http://schemas.microsoft.com/office/powerpoint/2010/main" val="1281681922"/>
+        <p14:creationId xmlns:p14="http://schemas.microsoft.com/office/powerpoint/2010/main" val="2113790195"/>
       </p:ext>
     </p:extLst>
   </p:cSld>
@@ -1845,7 +1846,7 @@
           <a:p>
             <a:r>
               <a:rPr lang="en-GB" dirty="0"/>
-              <a:t>The results suggest the visualisation is easy to use and represents the data well, but has some minor problems with components being difficult to interpret or missing some interesting information, such as top sources by number of articles. The web interface has more room for improvement, particularly in aesthetic appeal, and lacks a clear about page to convey the purpose of the system.</a:t>
+              <a:t>Here are the results of the rating scale survey questions</a:t>
             </a:r>
           </a:p>
         </p:txBody>
@@ -1876,7 +1877,7 @@
     </p:spTree>
     <p:extLst>
       <p:ext uri="{BB962C8B-B14F-4D97-AF65-F5344CB8AC3E}">
-        <p14:creationId xmlns:p14="http://schemas.microsoft.com/office/powerpoint/2010/main" val="2098237159"/>
+        <p14:creationId xmlns:p14="http://schemas.microsoft.com/office/powerpoint/2010/main" val="1281681922"/>
       </p:ext>
     </p:extLst>
   </p:cSld>
@@ -1932,7 +1933,7 @@
           <a:p>
             <a:r>
               <a:rPr lang="en-GB" dirty="0"/>
-              <a:t>We will now look at the second contribution, the classification experiment</a:t>
+              <a:t>The results suggest the visualisation is easy to use and represents the data well, but has some minor problems with components being difficult to interpret or missing some interesting information, such as top sources by number of articles. The web interface has more room for improvement, particularly in aesthetic appeal, and lacks a clear about page to convey the purpose of the system.</a:t>
             </a:r>
           </a:p>
         </p:txBody>
@@ -1963,7 +1964,7 @@
     </p:spTree>
     <p:extLst>
       <p:ext uri="{BB962C8B-B14F-4D97-AF65-F5344CB8AC3E}">
-        <p14:creationId xmlns:p14="http://schemas.microsoft.com/office/powerpoint/2010/main" val="2208140599"/>
+        <p14:creationId xmlns:p14="http://schemas.microsoft.com/office/powerpoint/2010/main" val="2098237159"/>
       </p:ext>
     </p:extLst>
   </p:cSld>
@@ -2019,7 +2020,7 @@
           <a:p>
             <a:r>
               <a:rPr lang="en-GB" dirty="0"/>
-              <a:t>This experiment will consider categorising news sources from 6 languages into one of 6 different categories</a:t>
+              <a:t>We will now look at the second contribution, the classification experiment</a:t>
             </a:r>
           </a:p>
         </p:txBody>
@@ -2050,7 +2051,7 @@
     </p:spTree>
     <p:extLst>
       <p:ext uri="{BB962C8B-B14F-4D97-AF65-F5344CB8AC3E}">
-        <p14:creationId xmlns:p14="http://schemas.microsoft.com/office/powerpoint/2010/main" val="2776417708"/>
+        <p14:creationId xmlns:p14="http://schemas.microsoft.com/office/powerpoint/2010/main" val="2208140599"/>
       </p:ext>
     </p:extLst>
   </p:cSld>
@@ -2106,7 +2107,7 @@
           <a:p>
             <a:r>
               <a:rPr lang="en-GB" dirty="0"/>
-              <a:t>The main research questions were these three</a:t>
+              <a:t>This experiment will consider categorising news sources from 6 languages into one of 6 different categories</a:t>
             </a:r>
           </a:p>
         </p:txBody>
@@ -2137,7 +2138,7 @@
     </p:spTree>
     <p:extLst>
       <p:ext uri="{BB962C8B-B14F-4D97-AF65-F5344CB8AC3E}">
-        <p14:creationId xmlns:p14="http://schemas.microsoft.com/office/powerpoint/2010/main" val="2728533317"/>
+        <p14:creationId xmlns:p14="http://schemas.microsoft.com/office/powerpoint/2010/main" val="2776417708"/>
       </p:ext>
     </p:extLst>
   </p:cSld>
@@ -2193,21 +2194,8 @@
           <a:p>
             <a:r>
               <a:rPr lang="en-GB" dirty="0"/>
-              <a:t>We considered two state of the art transformer models, multilingual </a:t>
-            </a:r>
-            <a:r>
-              <a:rPr lang="en-GB" dirty="0" err="1"/>
-              <a:t>bert</a:t>
-            </a:r>
-            <a:r>
-              <a:rPr lang="en-GB" dirty="0"/>
-              <a:t> and XLM </a:t>
-            </a:r>
-            <a:r>
-              <a:rPr lang="en-GB" dirty="0" err="1"/>
-              <a:t>roberta</a:t>
-            </a:r>
-            <a:endParaRPr lang="en-GB" dirty="0"/>
+              <a:t>The main research questions were these three</a:t>
+            </a:r>
           </a:p>
         </p:txBody>
       </p:sp>
@@ -2237,7 +2225,7 @@
     </p:spTree>
     <p:extLst>
       <p:ext uri="{BB962C8B-B14F-4D97-AF65-F5344CB8AC3E}">
-        <p14:creationId xmlns:p14="http://schemas.microsoft.com/office/powerpoint/2010/main" val="3832935939"/>
+        <p14:creationId xmlns:p14="http://schemas.microsoft.com/office/powerpoint/2010/main" val="2728533317"/>
       </p:ext>
     </p:extLst>
   </p:cSld>
@@ -2293,16 +2281,21 @@
           <a:p>
             <a:r>
               <a:rPr lang="en-GB" dirty="0"/>
-              <a:t>We used data from the </a:t>
+              <a:t>We considered two state of the art transformer models, multilingual </a:t>
             </a:r>
             <a:r>
               <a:rPr lang="en-GB" dirty="0" err="1"/>
-              <a:t>huggingface</a:t>
+              <a:t>bert</a:t>
             </a:r>
             <a:r>
               <a:rPr lang="en-GB" dirty="0"/>
-              <a:t> online dataset hub which had 3,147 documents, and translated the data into all 6 languages</a:t>
-            </a:r>
+              <a:t> and XLM </a:t>
+            </a:r>
+            <a:r>
+              <a:rPr lang="en-GB" dirty="0" err="1"/>
+              <a:t>roberta</a:t>
+            </a:r>
+            <a:endParaRPr lang="en-GB" dirty="0"/>
           </a:p>
         </p:txBody>
       </p:sp>
@@ -2332,7 +2325,7 @@
     </p:spTree>
     <p:extLst>
       <p:ext uri="{BB962C8B-B14F-4D97-AF65-F5344CB8AC3E}">
-        <p14:creationId xmlns:p14="http://schemas.microsoft.com/office/powerpoint/2010/main" val="2397029126"/>
+        <p14:creationId xmlns:p14="http://schemas.microsoft.com/office/powerpoint/2010/main" val="3832935939"/>
       </p:ext>
     </p:extLst>
   </p:cSld>
@@ -2388,7 +2381,15 @@
           <a:p>
             <a:r>
               <a:rPr lang="en-GB" dirty="0"/>
-              <a:t>We also collected news from real-world sources from each of the 6 languages using our scraper system, using the categorisations from the websites themselves in the URL or in category RSS feeds. We retrieved 12,846 documents</a:t>
+              <a:t>We used data from the </a:t>
+            </a:r>
+            <a:r>
+              <a:rPr lang="en-GB" dirty="0" err="1"/>
+              <a:t>huggingface</a:t>
+            </a:r>
+            <a:r>
+              <a:rPr lang="en-GB" dirty="0"/>
+              <a:t> online dataset hub which had 3,147 documents, and translated the data into all 6 languages</a:t>
             </a:r>
           </a:p>
         </p:txBody>
@@ -2419,7 +2420,7 @@
     </p:spTree>
     <p:extLst>
       <p:ext uri="{BB962C8B-B14F-4D97-AF65-F5344CB8AC3E}">
-        <p14:creationId xmlns:p14="http://schemas.microsoft.com/office/powerpoint/2010/main" val="346677802"/>
+        <p14:creationId xmlns:p14="http://schemas.microsoft.com/office/powerpoint/2010/main" val="2397029126"/>
       </p:ext>
     </p:extLst>
   </p:cSld>
@@ -2475,7 +2476,7 @@
           <a:p>
             <a:r>
               <a:rPr lang="en-GB" dirty="0"/>
-              <a:t>In the first experiment, we trained and tested the models on English only public data then on multilingual public data, and found an improved performance using multilingual data</a:t>
+              <a:t>We also collected news from real-world sources from each of the 6 languages using our scraper system, using the categorisations from the websites themselves in the URL or in category RSS feeds. We retrieved 12,846 documents</a:t>
             </a:r>
           </a:p>
         </p:txBody>
@@ -2506,7 +2507,7 @@
     </p:spTree>
     <p:extLst>
       <p:ext uri="{BB962C8B-B14F-4D97-AF65-F5344CB8AC3E}">
-        <p14:creationId xmlns:p14="http://schemas.microsoft.com/office/powerpoint/2010/main" val="2024769030"/>
+        <p14:creationId xmlns:p14="http://schemas.microsoft.com/office/powerpoint/2010/main" val="346677802"/>
       </p:ext>
     </p:extLst>
   </p:cSld>
@@ -2653,7 +2654,7 @@
           <a:p>
             <a:r>
               <a:rPr lang="en-GB" dirty="0"/>
-              <a:t>Next, we tested how these previously trained models would perform on the real-world collected data. They outperformed the static baselines, but performed significantly worse than before.</a:t>
+              <a:t>In the first experiment, we trained and tested the models on English only public data then on multilingual public data, and found an improved performance using multilingual data</a:t>
             </a:r>
           </a:p>
         </p:txBody>
@@ -2684,7 +2685,7 @@
     </p:spTree>
     <p:extLst>
       <p:ext uri="{BB962C8B-B14F-4D97-AF65-F5344CB8AC3E}">
-        <p14:creationId xmlns:p14="http://schemas.microsoft.com/office/powerpoint/2010/main" val="3202368827"/>
+        <p14:creationId xmlns:p14="http://schemas.microsoft.com/office/powerpoint/2010/main" val="2024769030"/>
       </p:ext>
     </p:extLst>
   </p:cSld>
@@ -2740,7 +2741,7 @@
           <a:p>
             <a:r>
               <a:rPr lang="en-GB" dirty="0"/>
-              <a:t>Finally, we trained and tested on real-world collected data, and found XLM Roberta to be the most effective model, achieving 89.4% accuracy</a:t>
+              <a:t>Next, we tested how these previously trained models would perform on the real-world collected data. They outperformed the static baselines, but performed significantly worse than before.</a:t>
             </a:r>
           </a:p>
         </p:txBody>
@@ -2771,7 +2772,7 @@
     </p:spTree>
     <p:extLst>
       <p:ext uri="{BB962C8B-B14F-4D97-AF65-F5344CB8AC3E}">
-        <p14:creationId xmlns:p14="http://schemas.microsoft.com/office/powerpoint/2010/main" val="234774544"/>
+        <p14:creationId xmlns:p14="http://schemas.microsoft.com/office/powerpoint/2010/main" val="3202368827"/>
       </p:ext>
     </p:extLst>
   </p:cSld>
@@ -2827,15 +2828,7 @@
           <a:p>
             <a:r>
               <a:rPr lang="en-GB" dirty="0"/>
-              <a:t>We provided two main contributions, developing a system to collect webpage and RSS feed data from multilingual sources, produce real-time visualisations and created an interface to control the system. We also found promise in using machine translation to </a:t>
-            </a:r>
-            <a:r>
-              <a:rPr lang="en-GB" dirty="0" err="1"/>
-              <a:t>upsample</a:t>
-            </a:r>
-            <a:r>
-              <a:rPr lang="en-GB" dirty="0"/>
-              <a:t>, and trained a multilingual model to achieve almost 90% accuracy on real-world data. Thanks for watching</a:t>
+              <a:t>Finally, we trained and tested on real-world collected data, and found XLM Roberta to be the most effective model, achieving 89.4% accuracy</a:t>
             </a:r>
           </a:p>
         </p:txBody>
@@ -2858,6 +2851,101 @@
             <a:fld id="{41D7B854-E06E-4BE9-B363-258F152ECC68}" type="slidenum">
               <a:rPr lang="en-GB" smtClean="0"/>
               <a:t>32</a:t>
+            </a:fld>
+            <a:endParaRPr lang="en-GB"/>
+          </a:p>
+        </p:txBody>
+      </p:sp>
+    </p:spTree>
+    <p:extLst>
+      <p:ext uri="{BB962C8B-B14F-4D97-AF65-F5344CB8AC3E}">
+        <p14:creationId xmlns:p14="http://schemas.microsoft.com/office/powerpoint/2010/main" val="234774544"/>
+      </p:ext>
+    </p:extLst>
+  </p:cSld>
+  <p:clrMapOvr>
+    <a:masterClrMapping/>
+  </p:clrMapOvr>
+</p:notes>
+</file>
+
+<file path=ppt/notesSlides/notesSlide33.xml><?xml version="1.0" encoding="utf-8"?>
+<p:notes xmlns:a="http://schemas.openxmlformats.org/drawingml/2006/main" xmlns:r="http://schemas.openxmlformats.org/officeDocument/2006/relationships" xmlns:p="http://schemas.openxmlformats.org/presentationml/2006/main">
+  <p:cSld>
+    <p:spTree>
+      <p:nvGrpSpPr>
+        <p:cNvPr id="1" name=""/>
+        <p:cNvGrpSpPr/>
+        <p:nvPr/>
+      </p:nvGrpSpPr>
+      <p:grpSpPr>
+        <a:xfrm>
+          <a:off x="0" y="0"/>
+          <a:ext cx="0" cy="0"/>
+          <a:chOff x="0" y="0"/>
+          <a:chExt cx="0" cy="0"/>
+        </a:xfrm>
+      </p:grpSpPr>
+      <p:sp>
+        <p:nvSpPr>
+          <p:cNvPr id="2" name="Slide Image Placeholder 1"/>
+          <p:cNvSpPr>
+            <a:spLocks noGrp="1" noRot="1" noChangeAspect="1"/>
+          </p:cNvSpPr>
+          <p:nvPr>
+            <p:ph type="sldImg"/>
+          </p:nvPr>
+        </p:nvSpPr>
+        <p:spPr/>
+      </p:sp>
+      <p:sp>
+        <p:nvSpPr>
+          <p:cNvPr id="3" name="Notes Placeholder 2"/>
+          <p:cNvSpPr>
+            <a:spLocks noGrp="1"/>
+          </p:cNvSpPr>
+          <p:nvPr>
+            <p:ph type="body" idx="1"/>
+          </p:nvPr>
+        </p:nvSpPr>
+        <p:spPr/>
+        <p:txBody>
+          <a:bodyPr/>
+          <a:lstStyle/>
+          <a:p>
+            <a:r>
+              <a:rPr lang="en-GB" dirty="0"/>
+              <a:t>We provided two main contributions, developing a system to collect webpage and RSS feed data from multilingual sources, produce real-time visualisations and created an interface to control the system. We also found promise in using machine translation to </a:t>
+            </a:r>
+            <a:r>
+              <a:rPr lang="en-GB" dirty="0" err="1"/>
+              <a:t>upsample</a:t>
+            </a:r>
+            <a:r>
+              <a:rPr lang="en-GB" dirty="0"/>
+              <a:t>, and trained a multilingual model to achieve almost 90% accuracy on real-world data. Thanks for watching</a:t>
+            </a:r>
+          </a:p>
+        </p:txBody>
+      </p:sp>
+      <p:sp>
+        <p:nvSpPr>
+          <p:cNvPr id="4" name="Slide Number Placeholder 3"/>
+          <p:cNvSpPr>
+            <a:spLocks noGrp="1"/>
+          </p:cNvSpPr>
+          <p:nvPr>
+            <p:ph type="sldNum" sz="quarter" idx="5"/>
+          </p:nvPr>
+        </p:nvSpPr>
+        <p:spPr/>
+        <p:txBody>
+          <a:bodyPr/>
+          <a:lstStyle/>
+          <a:p>
+            <a:fld id="{41D7B854-E06E-4BE9-B363-258F152ECC68}" type="slidenum">
+              <a:rPr lang="en-GB" smtClean="0"/>
+              <a:t>33</a:t>
             </a:fld>
             <a:endParaRPr lang="en-GB"/>
           </a:p>
@@ -3207,7 +3295,15 @@
           <a:p>
             <a:r>
               <a:rPr lang="en-GB" dirty="0"/>
-              <a:t>Here is an overall diagram of the system components and how they interact</a:t>
+              <a:t>The digital news surveillance system will improve the data collection, collecting richer information from both news websites and RSS feeds, with room for new sources to be added. It will provide real-time visualisations based on the original </a:t>
+            </a:r>
+            <a:r>
+              <a:rPr lang="en-GB" dirty="0" err="1"/>
+              <a:t>BioCaster</a:t>
+            </a:r>
+            <a:r>
+              <a:rPr lang="en-GB" dirty="0"/>
+              <a:t> visualisations, and will implement a web interface for viewing these visualisations and controlling the news collection system.</a:t>
             </a:r>
           </a:p>
         </p:txBody>
@@ -3238,7 +3334,7 @@
     </p:spTree>
     <p:extLst>
       <p:ext uri="{BB962C8B-B14F-4D97-AF65-F5344CB8AC3E}">
-        <p14:creationId xmlns:p14="http://schemas.microsoft.com/office/powerpoint/2010/main" val="1998886017"/>
+        <p14:creationId xmlns:p14="http://schemas.microsoft.com/office/powerpoint/2010/main" val="439043574"/>
       </p:ext>
     </p:extLst>
   </p:cSld>
@@ -3294,7 +3390,7 @@
           <a:p>
             <a:r>
               <a:rPr lang="en-GB" dirty="0"/>
-              <a:t>The system is split into 5 main subsystems: The data collection system retrieves new articles. The data processing system extracts information and classifies these articles. The data management system provides permanent storage of this information. The data presentation subsystem allows data and system state to be viewed. The system coordination subsystem brings all the components together.</a:t>
+              <a:t>Here is an overall diagram of the system components and how they interact</a:t>
             </a:r>
           </a:p>
         </p:txBody>
@@ -3325,7 +3421,7 @@
     </p:spTree>
     <p:extLst>
       <p:ext uri="{BB962C8B-B14F-4D97-AF65-F5344CB8AC3E}">
-        <p14:creationId xmlns:p14="http://schemas.microsoft.com/office/powerpoint/2010/main" val="1795187654"/>
+        <p14:creationId xmlns:p14="http://schemas.microsoft.com/office/powerpoint/2010/main" val="1998886017"/>
       </p:ext>
     </p:extLst>
   </p:cSld>
@@ -3381,7 +3477,7 @@
           <a:p>
             <a:r>
               <a:rPr lang="en-GB" dirty="0"/>
-              <a:t>The crawler will retrieve a list of news article URL’s from a source URL, and update its own state in the database</a:t>
+              <a:t>The system is split into 5 main subsystems: The data collection system retrieves new articles. The data processing system extracts information and classifies these articles. The data management system provides permanent storage of this information. The data presentation subsystem allows data and system state to be viewed. The system coordination subsystem brings all the components together.</a:t>
             </a:r>
           </a:p>
         </p:txBody>
@@ -3412,7 +3508,7 @@
     </p:spTree>
     <p:extLst>
       <p:ext uri="{BB962C8B-B14F-4D97-AF65-F5344CB8AC3E}">
-        <p14:creationId xmlns:p14="http://schemas.microsoft.com/office/powerpoint/2010/main" val="3918366851"/>
+        <p14:creationId xmlns:p14="http://schemas.microsoft.com/office/powerpoint/2010/main" val="1795187654"/>
       </p:ext>
     </p:extLst>
   </p:cSld>
@@ -6785,6 +6881,201 @@
             <a:r>
               <a:rPr lang="en-GB" b="1" dirty="0">
                 <a:solidFill>
+                  <a:srgbClr val="DD8B33"/>
+                </a:solidFill>
+                <a:latin typeface="Open Sans" pitchFamily="2" charset="0"/>
+                <a:ea typeface="Open Sans" pitchFamily="2" charset="0"/>
+                <a:cs typeface="Open Sans" pitchFamily="2" charset="0"/>
+              </a:rPr>
+              <a:t>Crawler</a:t>
+            </a:r>
+          </a:p>
+        </p:txBody>
+      </p:sp>
+      <p:sp>
+        <p:nvSpPr>
+          <p:cNvPr id="3" name="Content Placeholder 2">
+            <a:extLst>
+              <a:ext uri="{FF2B5EF4-FFF2-40B4-BE49-F238E27FC236}">
+                <a16:creationId xmlns:a16="http://schemas.microsoft.com/office/drawing/2014/main" id="{8792089F-5997-F45A-DAF8-CCBBE566E4EC}"/>
+              </a:ext>
+            </a:extLst>
+          </p:cNvPr>
+          <p:cNvSpPr>
+            <a:spLocks noGrp="1"/>
+          </p:cNvSpPr>
+          <p:nvPr>
+            <p:ph idx="1"/>
+          </p:nvPr>
+        </p:nvSpPr>
+        <p:spPr/>
+        <p:txBody>
+          <a:bodyPr>
+            <a:normAutofit/>
+          </a:bodyPr>
+          <a:lstStyle/>
+          <a:p>
+            <a:r>
+              <a:rPr lang="en-GB" b="1" dirty="0">
+                <a:solidFill>
+                  <a:srgbClr val="0C2E8A"/>
+                </a:solidFill>
+                <a:latin typeface="Open Sans" pitchFamily="2" charset="0"/>
+                <a:ea typeface="Open Sans" pitchFamily="2" charset="0"/>
+                <a:cs typeface="Open Sans" pitchFamily="2" charset="0"/>
+              </a:rPr>
+              <a:t>Crawls a source URL for a list of news URL’s</a:t>
+            </a:r>
+          </a:p>
+          <a:p>
+            <a:pPr lvl="1"/>
+            <a:r>
+              <a:rPr lang="en-GB" b="1" dirty="0">
+                <a:solidFill>
+                  <a:srgbClr val="0C2E8A"/>
+                </a:solidFill>
+                <a:latin typeface="Open Sans" pitchFamily="2" charset="0"/>
+                <a:ea typeface="Open Sans" pitchFamily="2" charset="0"/>
+                <a:cs typeface="Open Sans" pitchFamily="2" charset="0"/>
+              </a:rPr>
+              <a:t>News websites, RSS feeds</a:t>
+            </a:r>
+            <a:endParaRPr lang="en-GB" dirty="0">
+              <a:solidFill>
+                <a:srgbClr val="0C2E8A"/>
+              </a:solidFill>
+              <a:latin typeface="Open Sans" pitchFamily="2" charset="0"/>
+              <a:ea typeface="Open Sans" pitchFamily="2" charset="0"/>
+              <a:cs typeface="Open Sans" pitchFamily="2" charset="0"/>
+            </a:endParaRPr>
+          </a:p>
+        </p:txBody>
+      </p:sp>
+      <p:pic>
+        <p:nvPicPr>
+          <p:cNvPr id="4" name="Content Placeholder 6" descr="Graphical user interface, diagram&#10;&#10;Description automatically generated">
+            <a:extLst>
+              <a:ext uri="{FF2B5EF4-FFF2-40B4-BE49-F238E27FC236}">
+                <a16:creationId xmlns:a16="http://schemas.microsoft.com/office/drawing/2014/main" id="{7F1D2791-396F-B778-9485-30E64927E986}"/>
+              </a:ext>
+            </a:extLst>
+          </p:cNvPr>
+          <p:cNvPicPr>
+            <a:picLocks noChangeAspect="1"/>
+          </p:cNvPicPr>
+          <p:nvPr/>
+        </p:nvPicPr>
+        <p:blipFill rotWithShape="1">
+          <a:blip r:embed="rId3">
+            <a:extLst>
+              <a:ext uri="{28A0092B-C50C-407E-A947-70E740481C1C}">
+                <a14:useLocalDpi xmlns:a14="http://schemas.microsoft.com/office/drawing/2010/main" val="0"/>
+              </a:ext>
+            </a:extLst>
+          </a:blip>
+          <a:srcRect l="7693" t="1257" r="6876" b="36574"/>
+          <a:stretch/>
+        </p:blipFill>
+        <p:spPr>
+          <a:xfrm>
+            <a:off x="8049123" y="4683099"/>
+            <a:ext cx="3963446" cy="1962798"/>
+          </a:xfrm>
+          <a:prstGeom prst="rect">
+            <a:avLst/>
+          </a:prstGeom>
+        </p:spPr>
+      </p:pic>
+      <p:pic>
+        <p:nvPicPr>
+          <p:cNvPr id="6" name="Picture 5" descr="Diagram&#10;&#10;Description automatically generated">
+            <a:extLst>
+              <a:ext uri="{FF2B5EF4-FFF2-40B4-BE49-F238E27FC236}">
+                <a16:creationId xmlns:a16="http://schemas.microsoft.com/office/drawing/2014/main" id="{D5B1CDE2-CFE2-5318-867C-7842779412E4}"/>
+              </a:ext>
+            </a:extLst>
+          </p:cNvPr>
+          <p:cNvPicPr>
+            <a:picLocks noChangeAspect="1"/>
+          </p:cNvPicPr>
+          <p:nvPr/>
+        </p:nvPicPr>
+        <p:blipFill>
+          <a:blip r:embed="rId4">
+            <a:extLst>
+              <a:ext uri="{28A0092B-C50C-407E-A947-70E740481C1C}">
+                <a14:useLocalDpi xmlns:a14="http://schemas.microsoft.com/office/drawing/2010/main" val="0"/>
+              </a:ext>
+            </a:extLst>
+          </a:blip>
+          <a:stretch>
+            <a:fillRect/>
+          </a:stretch>
+        </p:blipFill>
+        <p:spPr>
+          <a:xfrm>
+            <a:off x="1839405" y="2890854"/>
+            <a:ext cx="8513190" cy="3086139"/>
+          </a:xfrm>
+          <a:prstGeom prst="rect">
+            <a:avLst/>
+          </a:prstGeom>
+        </p:spPr>
+      </p:pic>
+    </p:spTree>
+    <p:extLst>
+      <p:ext uri="{BB962C8B-B14F-4D97-AF65-F5344CB8AC3E}">
+        <p14:creationId xmlns:p14="http://schemas.microsoft.com/office/powerpoint/2010/main" val="2283342125"/>
+      </p:ext>
+    </p:extLst>
+  </p:cSld>
+  <p:clrMapOvr>
+    <a:masterClrMapping/>
+  </p:clrMapOvr>
+</p:sld>
+</file>
+
+<file path=ppt/slides/slide11.xml><?xml version="1.0" encoding="utf-8"?>
+<p:sld xmlns:a="http://schemas.openxmlformats.org/drawingml/2006/main" xmlns:r="http://schemas.openxmlformats.org/officeDocument/2006/relationships" xmlns:p="http://schemas.openxmlformats.org/presentationml/2006/main">
+  <p:cSld>
+    <p:spTree>
+      <p:nvGrpSpPr>
+        <p:cNvPr id="1" name=""/>
+        <p:cNvGrpSpPr/>
+        <p:nvPr/>
+      </p:nvGrpSpPr>
+      <p:grpSpPr>
+        <a:xfrm>
+          <a:off x="0" y="0"/>
+          <a:ext cx="0" cy="0"/>
+          <a:chOff x="0" y="0"/>
+          <a:chExt cx="0" cy="0"/>
+        </a:xfrm>
+      </p:grpSpPr>
+      <p:sp>
+        <p:nvSpPr>
+          <p:cNvPr id="2" name="Title 1">
+            <a:extLst>
+              <a:ext uri="{FF2B5EF4-FFF2-40B4-BE49-F238E27FC236}">
+                <a16:creationId xmlns:a16="http://schemas.microsoft.com/office/drawing/2014/main" id="{DEAE4C3F-285D-FA36-0590-292F30F27FC6}"/>
+              </a:ext>
+            </a:extLst>
+          </p:cNvPr>
+          <p:cNvSpPr>
+            <a:spLocks noGrp="1"/>
+          </p:cNvSpPr>
+          <p:nvPr>
+            <p:ph type="title"/>
+          </p:nvPr>
+        </p:nvSpPr>
+        <p:spPr/>
+        <p:txBody>
+          <a:bodyPr/>
+          <a:lstStyle/>
+          <a:p>
+            <a:r>
+              <a:rPr lang="en-GB" b="1" dirty="0">
+                <a:solidFill>
                   <a:srgbClr val="2F8042"/>
                 </a:solidFill>
                 <a:latin typeface="Open Sans" pitchFamily="2" charset="0"/>
@@ -6939,7 +7230,7 @@
 </p:sld>
 </file>
 
-<file path=ppt/slides/slide11.xml><?xml version="1.0" encoding="utf-8"?>
+<file path=ppt/slides/slide12.xml><?xml version="1.0" encoding="utf-8"?>
 <p:sld xmlns:a="http://schemas.openxmlformats.org/drawingml/2006/main" xmlns:r="http://schemas.openxmlformats.org/officeDocument/2006/relationships" xmlns:p="http://schemas.openxmlformats.org/presentationml/2006/main">
   <p:cSld>
     <p:spTree>
@@ -7134,7 +7425,7 @@
 </p:sld>
 </file>
 
-<file path=ppt/slides/slide12.xml><?xml version="1.0" encoding="utf-8"?>
+<file path=ppt/slides/slide13.xml><?xml version="1.0" encoding="utf-8"?>
 <p:sld xmlns:a="http://schemas.openxmlformats.org/drawingml/2006/main" xmlns:r="http://schemas.openxmlformats.org/officeDocument/2006/relationships" xmlns:p="http://schemas.openxmlformats.org/presentationml/2006/main">
   <p:cSld>
     <p:spTree>
@@ -7259,7 +7550,7 @@
                 <a:ea typeface="Open Sans" pitchFamily="2" charset="0"/>
                 <a:cs typeface="Open Sans" pitchFamily="2" charset="0"/>
               </a:rPr>
-              <a:t>Retrieve new articles</a:t>
+              <a:t>Store new articles</a:t>
             </a:r>
           </a:p>
           <a:p>
@@ -7333,7 +7624,7 @@
 </p:sld>
 </file>
 
-<file path=ppt/slides/slide13.xml><?xml version="1.0" encoding="utf-8"?>
+<file path=ppt/slides/slide14.xml><?xml version="1.0" encoding="utf-8"?>
 <p:sld xmlns:a="http://schemas.openxmlformats.org/drawingml/2006/main" xmlns:r="http://schemas.openxmlformats.org/officeDocument/2006/relationships" xmlns:p="http://schemas.openxmlformats.org/presentationml/2006/main">
   <p:cSld>
     <p:spTree>
@@ -7520,207 +7811,6 @@
 </p:sld>
 </file>
 
-<file path=ppt/slides/slide14.xml><?xml version="1.0" encoding="utf-8"?>
-<p:sld xmlns:a="http://schemas.openxmlformats.org/drawingml/2006/main" xmlns:r="http://schemas.openxmlformats.org/officeDocument/2006/relationships" xmlns:p="http://schemas.openxmlformats.org/presentationml/2006/main">
-  <p:cSld>
-    <p:spTree>
-      <p:nvGrpSpPr>
-        <p:cNvPr id="1" name=""/>
-        <p:cNvGrpSpPr/>
-        <p:nvPr/>
-      </p:nvGrpSpPr>
-      <p:grpSpPr>
-        <a:xfrm>
-          <a:off x="0" y="0"/>
-          <a:ext cx="0" cy="0"/>
-          <a:chOff x="0" y="0"/>
-          <a:chExt cx="0" cy="0"/>
-        </a:xfrm>
-      </p:grpSpPr>
-      <p:sp>
-        <p:nvSpPr>
-          <p:cNvPr id="2" name="Title 1">
-            <a:extLst>
-              <a:ext uri="{FF2B5EF4-FFF2-40B4-BE49-F238E27FC236}">
-                <a16:creationId xmlns:a16="http://schemas.microsoft.com/office/drawing/2014/main" id="{DEAE4C3F-285D-FA36-0590-292F30F27FC6}"/>
-              </a:ext>
-            </a:extLst>
-          </p:cNvPr>
-          <p:cNvSpPr>
-            <a:spLocks noGrp="1"/>
-          </p:cNvSpPr>
-          <p:nvPr>
-            <p:ph type="title"/>
-          </p:nvPr>
-        </p:nvSpPr>
-        <p:spPr/>
-        <p:txBody>
-          <a:bodyPr/>
-          <a:lstStyle/>
-          <a:p>
-            <a:r>
-              <a:rPr lang="en-GB" b="1" dirty="0">
-                <a:solidFill>
-                  <a:srgbClr val="33BBEE"/>
-                </a:solidFill>
-                <a:latin typeface="Open Sans" pitchFamily="2" charset="0"/>
-                <a:ea typeface="Open Sans" pitchFamily="2" charset="0"/>
-                <a:cs typeface="Open Sans" pitchFamily="2" charset="0"/>
-              </a:rPr>
-              <a:t>Web interface</a:t>
-            </a:r>
-          </a:p>
-        </p:txBody>
-      </p:sp>
-      <p:sp>
-        <p:nvSpPr>
-          <p:cNvPr id="3" name="Content Placeholder 2">
-            <a:extLst>
-              <a:ext uri="{FF2B5EF4-FFF2-40B4-BE49-F238E27FC236}">
-                <a16:creationId xmlns:a16="http://schemas.microsoft.com/office/drawing/2014/main" id="{8792089F-5997-F45A-DAF8-CCBBE566E4EC}"/>
-              </a:ext>
-            </a:extLst>
-          </p:cNvPr>
-          <p:cNvSpPr>
-            <a:spLocks noGrp="1"/>
-          </p:cNvSpPr>
-          <p:nvPr>
-            <p:ph idx="1"/>
-          </p:nvPr>
-        </p:nvSpPr>
-        <p:spPr>
-          <a:xfrm>
-            <a:off x="838200" y="1423289"/>
-            <a:ext cx="10515600" cy="4351338"/>
-          </a:xfrm>
-        </p:spPr>
-        <p:txBody>
-          <a:bodyPr>
-            <a:normAutofit/>
-          </a:bodyPr>
-          <a:lstStyle/>
-          <a:p>
-            <a:r>
-              <a:rPr lang="en-GB" b="1" dirty="0">
-                <a:solidFill>
-                  <a:srgbClr val="0C2E8A"/>
-                </a:solidFill>
-                <a:latin typeface="Open Sans" pitchFamily="2" charset="0"/>
-                <a:ea typeface="Open Sans" pitchFamily="2" charset="0"/>
-                <a:cs typeface="Open Sans" pitchFamily="2" charset="0"/>
-              </a:rPr>
-              <a:t>Enabling / disabling scraping system</a:t>
-            </a:r>
-          </a:p>
-          <a:p>
-            <a:r>
-              <a:rPr lang="en-GB" b="1" dirty="0">
-                <a:solidFill>
-                  <a:srgbClr val="0C2E8A"/>
-                </a:solidFill>
-                <a:latin typeface="Open Sans" pitchFamily="2" charset="0"/>
-                <a:ea typeface="Open Sans" pitchFamily="2" charset="0"/>
-                <a:cs typeface="Open Sans" pitchFamily="2" charset="0"/>
-              </a:rPr>
-              <a:t>Enabling / disabling individual data sources (Crawlers)</a:t>
-            </a:r>
-          </a:p>
-          <a:p>
-            <a:r>
-              <a:rPr lang="en-GB" b="1" dirty="0">
-                <a:solidFill>
-                  <a:srgbClr val="0C2E8A"/>
-                </a:solidFill>
-                <a:latin typeface="Open Sans" pitchFamily="2" charset="0"/>
-                <a:ea typeface="Open Sans" pitchFamily="2" charset="0"/>
-                <a:cs typeface="Open Sans" pitchFamily="2" charset="0"/>
-              </a:rPr>
-              <a:t>Adding / deleting sources</a:t>
-            </a:r>
-          </a:p>
-          <a:p>
-            <a:r>
-              <a:rPr lang="en-GB" b="1" dirty="0">
-                <a:solidFill>
-                  <a:srgbClr val="0C2E8A"/>
-                </a:solidFill>
-                <a:latin typeface="Open Sans" pitchFamily="2" charset="0"/>
-                <a:ea typeface="Open Sans" pitchFamily="2" charset="0"/>
-                <a:cs typeface="Open Sans" pitchFamily="2" charset="0"/>
-              </a:rPr>
-              <a:t>Viewing stale sources</a:t>
-            </a:r>
-          </a:p>
-          <a:p>
-            <a:r>
-              <a:rPr lang="en-GB" b="1" dirty="0">
-                <a:solidFill>
-                  <a:srgbClr val="0C2E8A"/>
-                </a:solidFill>
-                <a:latin typeface="Open Sans" pitchFamily="2" charset="0"/>
-                <a:ea typeface="Open Sans" pitchFamily="2" charset="0"/>
-                <a:cs typeface="Open Sans" pitchFamily="2" charset="0"/>
-              </a:rPr>
-              <a:t>Viewing visualisation</a:t>
-            </a:r>
-          </a:p>
-          <a:p>
-            <a:endParaRPr lang="en-GB" b="1" dirty="0">
-              <a:solidFill>
-                <a:srgbClr val="0C2E8A"/>
-              </a:solidFill>
-              <a:latin typeface="Open Sans" pitchFamily="2" charset="0"/>
-              <a:ea typeface="Open Sans" pitchFamily="2" charset="0"/>
-              <a:cs typeface="Open Sans" pitchFamily="2" charset="0"/>
-            </a:endParaRPr>
-          </a:p>
-          <a:p>
-            <a:r>
-              <a:rPr lang="en-GB" b="1" dirty="0">
-                <a:solidFill>
-                  <a:srgbClr val="33BBEE"/>
-                </a:solidFill>
-                <a:latin typeface="Open Sans" pitchFamily="2" charset="0"/>
-                <a:ea typeface="Open Sans" pitchFamily="2" charset="0"/>
-                <a:cs typeface="Open Sans" pitchFamily="2" charset="0"/>
-              </a:rPr>
-              <a:t>Web connector </a:t>
-            </a:r>
-            <a:r>
-              <a:rPr lang="en-GB" b="1" dirty="0">
-                <a:solidFill>
-                  <a:srgbClr val="0C2E8A"/>
-                </a:solidFill>
-                <a:latin typeface="Open Sans" pitchFamily="2" charset="0"/>
-                <a:ea typeface="Open Sans" pitchFamily="2" charset="0"/>
-                <a:cs typeface="Open Sans" pitchFamily="2" charset="0"/>
-              </a:rPr>
-              <a:t>communicates with scraping system</a:t>
-            </a:r>
-            <a:endParaRPr lang="en-GB" dirty="0">
-              <a:solidFill>
-                <a:srgbClr val="0C2E8A"/>
-              </a:solidFill>
-              <a:latin typeface="Open Sans" pitchFamily="2" charset="0"/>
-              <a:ea typeface="Open Sans" pitchFamily="2" charset="0"/>
-              <a:cs typeface="Open Sans" pitchFamily="2" charset="0"/>
-            </a:endParaRPr>
-          </a:p>
-        </p:txBody>
-      </p:sp>
-    </p:spTree>
-    <p:extLst>
-      <p:ext uri="{BB962C8B-B14F-4D97-AF65-F5344CB8AC3E}">
-        <p14:creationId xmlns:p14="http://schemas.microsoft.com/office/powerpoint/2010/main" val="303584199"/>
-      </p:ext>
-    </p:extLst>
-  </p:cSld>
-  <p:clrMapOvr>
-    <a:masterClrMapping/>
-  </p:clrMapOvr>
-</p:sld>
-</file>
-
 <file path=ppt/slides/slide15.xml><?xml version="1.0" encoding="utf-8"?>
 <p:sld xmlns:a="http://schemas.openxmlformats.org/drawingml/2006/main" xmlns:r="http://schemas.openxmlformats.org/officeDocument/2006/relationships" xmlns:p="http://schemas.openxmlformats.org/presentationml/2006/main">
   <p:cSld>
@@ -7773,81 +7863,146 @@
           </a:p>
         </p:txBody>
       </p:sp>
-      <p:pic>
-        <p:nvPicPr>
-          <p:cNvPr id="5" name="Picture 4" descr="Graphical user interface&#10;&#10;Description automatically generated">
-            <a:extLst>
-              <a:ext uri="{FF2B5EF4-FFF2-40B4-BE49-F238E27FC236}">
-                <a16:creationId xmlns:a16="http://schemas.microsoft.com/office/drawing/2014/main" id="{42B748CA-53FF-6FA4-626F-228F5C2EEB3C}"/>
-              </a:ext>
-            </a:extLst>
-          </p:cNvPr>
-          <p:cNvPicPr>
-            <a:picLocks noChangeAspect="1"/>
-          </p:cNvPicPr>
-          <p:nvPr/>
-        </p:nvPicPr>
-        <p:blipFill>
-          <a:blip r:embed="rId3">
-            <a:extLst>
-              <a:ext uri="{28A0092B-C50C-407E-A947-70E740481C1C}">
-                <a14:useLocalDpi xmlns:a14="http://schemas.microsoft.com/office/drawing/2010/main" val="0"/>
-              </a:ext>
-            </a:extLst>
-          </a:blip>
-          <a:stretch>
-            <a:fillRect/>
-          </a:stretch>
-        </p:blipFill>
+      <p:sp>
+        <p:nvSpPr>
+          <p:cNvPr id="3" name="Content Placeholder 2">
+            <a:extLst>
+              <a:ext uri="{FF2B5EF4-FFF2-40B4-BE49-F238E27FC236}">
+                <a16:creationId xmlns:a16="http://schemas.microsoft.com/office/drawing/2014/main" id="{8792089F-5997-F45A-DAF8-CCBBE566E4EC}"/>
+              </a:ext>
+            </a:extLst>
+          </p:cNvPr>
+          <p:cNvSpPr>
+            <a:spLocks noGrp="1"/>
+          </p:cNvSpPr>
+          <p:nvPr>
+            <p:ph idx="1"/>
+          </p:nvPr>
+        </p:nvSpPr>
         <p:spPr>
           <a:xfrm>
-            <a:off x="5843364" y="201650"/>
-            <a:ext cx="5806943" cy="6454699"/>
-          </a:xfrm>
-          <a:prstGeom prst="rect">
-            <a:avLst/>
-          </a:prstGeom>
-        </p:spPr>
-      </p:pic>
-      <p:pic>
-        <p:nvPicPr>
-          <p:cNvPr id="6" name="Content Placeholder 4" descr="Diagram, text&#10;&#10;Description automatically generated">
-            <a:extLst>
-              <a:ext uri="{FF2B5EF4-FFF2-40B4-BE49-F238E27FC236}">
-                <a16:creationId xmlns:a16="http://schemas.microsoft.com/office/drawing/2014/main" id="{DFEA4DD9-8E20-237B-E015-FEB38F8A3BE1}"/>
-              </a:ext>
-            </a:extLst>
-          </p:cNvPr>
-          <p:cNvPicPr>
-            <a:picLocks noGrp="1" noChangeAspect="1"/>
-          </p:cNvPicPr>
-          <p:nvPr>
-            <p:ph idx="1"/>
-          </p:nvPr>
-        </p:nvPicPr>
-        <p:blipFill>
-          <a:blip r:embed="rId4">
-            <a:extLst>
-              <a:ext uri="{28A0092B-C50C-407E-A947-70E740481C1C}">
-                <a14:useLocalDpi xmlns:a14="http://schemas.microsoft.com/office/drawing/2010/main" val="0"/>
-              </a:ext>
-            </a:extLst>
-          </a:blip>
-          <a:stretch>
-            <a:fillRect/>
-          </a:stretch>
-        </p:blipFill>
-        <p:spPr>
-          <a:xfrm>
-            <a:off x="160505" y="2641324"/>
-            <a:ext cx="5451950" cy="2706532"/>
+            <a:off x="838200" y="1423289"/>
+            <a:ext cx="10515600" cy="4351338"/>
           </a:xfrm>
         </p:spPr>
-      </p:pic>
+        <p:txBody>
+          <a:bodyPr>
+            <a:normAutofit/>
+          </a:bodyPr>
+          <a:lstStyle/>
+          <a:p>
+            <a:r>
+              <a:rPr lang="en-GB" b="1" dirty="0">
+                <a:solidFill>
+                  <a:srgbClr val="0C2E8A"/>
+                </a:solidFill>
+                <a:latin typeface="Open Sans" pitchFamily="2" charset="0"/>
+                <a:ea typeface="Open Sans" pitchFamily="2" charset="0"/>
+                <a:cs typeface="Open Sans" pitchFamily="2" charset="0"/>
+              </a:rPr>
+              <a:t>Enabling / disabling scraping system</a:t>
+            </a:r>
+          </a:p>
+          <a:p>
+            <a:r>
+              <a:rPr lang="en-GB" b="1" dirty="0">
+                <a:solidFill>
+                  <a:srgbClr val="0C2E8A"/>
+                </a:solidFill>
+                <a:latin typeface="Open Sans" pitchFamily="2" charset="0"/>
+                <a:ea typeface="Open Sans" pitchFamily="2" charset="0"/>
+                <a:cs typeface="Open Sans" pitchFamily="2" charset="0"/>
+              </a:rPr>
+              <a:t>Enabling / disabling individual data sources (Crawlers)</a:t>
+            </a:r>
+          </a:p>
+          <a:p>
+            <a:r>
+              <a:rPr lang="en-GB" b="1" dirty="0">
+                <a:solidFill>
+                  <a:srgbClr val="0C2E8A"/>
+                </a:solidFill>
+                <a:latin typeface="Open Sans" pitchFamily="2" charset="0"/>
+                <a:ea typeface="Open Sans" pitchFamily="2" charset="0"/>
+                <a:cs typeface="Open Sans" pitchFamily="2" charset="0"/>
+              </a:rPr>
+              <a:t>Adding / deleting sources</a:t>
+            </a:r>
+          </a:p>
+          <a:p>
+            <a:r>
+              <a:rPr lang="en-GB" b="1" dirty="0">
+                <a:solidFill>
+                  <a:srgbClr val="0C2E8A"/>
+                </a:solidFill>
+                <a:latin typeface="Open Sans" pitchFamily="2" charset="0"/>
+                <a:ea typeface="Open Sans" pitchFamily="2" charset="0"/>
+                <a:cs typeface="Open Sans" pitchFamily="2" charset="0"/>
+              </a:rPr>
+              <a:t>Viewing stale sources</a:t>
+            </a:r>
+          </a:p>
+          <a:p>
+            <a:r>
+              <a:rPr lang="en-GB" b="1" dirty="0">
+                <a:solidFill>
+                  <a:srgbClr val="0C2E8A"/>
+                </a:solidFill>
+                <a:latin typeface="Open Sans" pitchFamily="2" charset="0"/>
+                <a:ea typeface="Open Sans" pitchFamily="2" charset="0"/>
+                <a:cs typeface="Open Sans" pitchFamily="2" charset="0"/>
+              </a:rPr>
+              <a:t>Viewing visualisation</a:t>
+            </a:r>
+          </a:p>
+          <a:p>
+            <a:endParaRPr lang="en-GB" b="1" dirty="0">
+              <a:solidFill>
+                <a:srgbClr val="0C2E8A"/>
+              </a:solidFill>
+              <a:latin typeface="Open Sans" pitchFamily="2" charset="0"/>
+              <a:ea typeface="Open Sans" pitchFamily="2" charset="0"/>
+              <a:cs typeface="Open Sans" pitchFamily="2" charset="0"/>
+            </a:endParaRPr>
+          </a:p>
+          <a:p>
+            <a:r>
+              <a:rPr lang="en-GB" b="1" dirty="0">
+                <a:solidFill>
+                  <a:srgbClr val="6B2D88"/>
+                </a:solidFill>
+                <a:latin typeface="Open Sans" pitchFamily="2" charset="0"/>
+                <a:ea typeface="Open Sans" pitchFamily="2" charset="0"/>
+                <a:cs typeface="Open Sans" pitchFamily="2" charset="0"/>
+              </a:rPr>
+              <a:t>Web connector </a:t>
+            </a:r>
+            <a:r>
+              <a:rPr lang="en-GB" b="1" dirty="0">
+                <a:solidFill>
+                  <a:srgbClr val="0C2E8A"/>
+                </a:solidFill>
+                <a:latin typeface="Open Sans" pitchFamily="2" charset="0"/>
+                <a:ea typeface="Open Sans" pitchFamily="2" charset="0"/>
+                <a:cs typeface="Open Sans" pitchFamily="2" charset="0"/>
+              </a:rPr>
+              <a:t>communicates with scraping system</a:t>
+            </a:r>
+            <a:endParaRPr lang="en-GB" dirty="0">
+              <a:solidFill>
+                <a:srgbClr val="0C2E8A"/>
+              </a:solidFill>
+              <a:latin typeface="Open Sans" pitchFamily="2" charset="0"/>
+              <a:ea typeface="Open Sans" pitchFamily="2" charset="0"/>
+              <a:cs typeface="Open Sans" pitchFamily="2" charset="0"/>
+            </a:endParaRPr>
+          </a:p>
+        </p:txBody>
+      </p:sp>
     </p:spTree>
     <p:extLst>
       <p:ext uri="{BB962C8B-B14F-4D97-AF65-F5344CB8AC3E}">
-        <p14:creationId xmlns:p14="http://schemas.microsoft.com/office/powerpoint/2010/main" val="1072647113"/>
+        <p14:creationId xmlns:p14="http://schemas.microsoft.com/office/powerpoint/2010/main" val="303584199"/>
       </p:ext>
     </p:extLst>
   </p:cSld>
@@ -7898,99 +8053,23 @@
             <a:r>
               <a:rPr lang="en-GB" b="1" dirty="0">
                 <a:solidFill>
-                  <a:srgbClr val="6B2D88"/>
-                </a:solidFill>
-                <a:latin typeface="Open Sans" pitchFamily="2" charset="0"/>
-                <a:ea typeface="Open Sans" pitchFamily="2" charset="0"/>
-                <a:cs typeface="Open Sans" pitchFamily="2" charset="0"/>
-              </a:rPr>
-              <a:t>Controller</a:t>
-            </a:r>
-          </a:p>
-        </p:txBody>
-      </p:sp>
-      <p:sp>
-        <p:nvSpPr>
-          <p:cNvPr id="3" name="Content Placeholder 2">
-            <a:extLst>
-              <a:ext uri="{FF2B5EF4-FFF2-40B4-BE49-F238E27FC236}">
-                <a16:creationId xmlns:a16="http://schemas.microsoft.com/office/drawing/2014/main" id="{8792089F-5997-F45A-DAF8-CCBBE566E4EC}"/>
-              </a:ext>
-            </a:extLst>
-          </p:cNvPr>
-          <p:cNvSpPr>
-            <a:spLocks noGrp="1"/>
-          </p:cNvSpPr>
-          <p:nvPr>
-            <p:ph idx="1"/>
-          </p:nvPr>
-        </p:nvSpPr>
-        <p:spPr>
-          <a:xfrm>
-            <a:off x="261296" y="1511589"/>
-            <a:ext cx="10515600" cy="4351338"/>
-          </a:xfrm>
-        </p:spPr>
-        <p:txBody>
-          <a:bodyPr>
-            <a:normAutofit/>
-          </a:bodyPr>
-          <a:lstStyle/>
-          <a:p>
-            <a:r>
-              <a:rPr lang="en-GB" sz="2000" b="1" dirty="0">
-                <a:solidFill>
-                  <a:srgbClr val="0C2E8A"/>
-                </a:solidFill>
-                <a:latin typeface="Open Sans" pitchFamily="2" charset="0"/>
-                <a:ea typeface="Open Sans" pitchFamily="2" charset="0"/>
-                <a:cs typeface="Open Sans" pitchFamily="2" charset="0"/>
-              </a:rPr>
-              <a:t>Load sources and initialise crawlers</a:t>
-            </a:r>
-          </a:p>
-          <a:p>
-            <a:r>
-              <a:rPr lang="en-GB" sz="2000" b="1" dirty="0">
-                <a:solidFill>
-                  <a:srgbClr val="0C2E8A"/>
-                </a:solidFill>
-                <a:latin typeface="Open Sans" pitchFamily="2" charset="0"/>
-                <a:ea typeface="Open Sans" pitchFamily="2" charset="0"/>
-                <a:cs typeface="Open Sans" pitchFamily="2" charset="0"/>
-              </a:rPr>
-              <a:t>Pass articles to parser</a:t>
-            </a:r>
-          </a:p>
-          <a:p>
-            <a:r>
-              <a:rPr lang="en-GB" sz="2000" b="1" dirty="0">
-                <a:solidFill>
-                  <a:srgbClr val="0C2E8A"/>
-                </a:solidFill>
-                <a:latin typeface="Open Sans" pitchFamily="2" charset="0"/>
-                <a:ea typeface="Open Sans" pitchFamily="2" charset="0"/>
-                <a:cs typeface="Open Sans" pitchFamily="2" charset="0"/>
-              </a:rPr>
-              <a:t>Communicate with web interface</a:t>
-            </a:r>
-            <a:endParaRPr lang="en-GB" sz="2000" dirty="0">
-              <a:solidFill>
-                <a:srgbClr val="0C2E8A"/>
-              </a:solidFill>
-              <a:latin typeface="Open Sans" pitchFamily="2" charset="0"/>
-              <a:ea typeface="Open Sans" pitchFamily="2" charset="0"/>
-              <a:cs typeface="Open Sans" pitchFamily="2" charset="0"/>
-            </a:endParaRPr>
+                  <a:srgbClr val="33BBEE"/>
+                </a:solidFill>
+                <a:latin typeface="Open Sans" pitchFamily="2" charset="0"/>
+                <a:ea typeface="Open Sans" pitchFamily="2" charset="0"/>
+                <a:cs typeface="Open Sans" pitchFamily="2" charset="0"/>
+              </a:rPr>
+              <a:t>Web interface</a:t>
+            </a:r>
           </a:p>
         </p:txBody>
       </p:sp>
       <p:pic>
         <p:nvPicPr>
-          <p:cNvPr id="4" name="Content Placeholder 6" descr="Graphical user interface, diagram&#10;&#10;Description automatically generated">
-            <a:extLst>
-              <a:ext uri="{FF2B5EF4-FFF2-40B4-BE49-F238E27FC236}">
-                <a16:creationId xmlns:a16="http://schemas.microsoft.com/office/drawing/2014/main" id="{7F1D2791-396F-B778-9485-30E64927E986}"/>
+          <p:cNvPr id="5" name="Picture 4" descr="Graphical user interface&#10;&#10;Description automatically generated">
+            <a:extLst>
+              <a:ext uri="{FF2B5EF4-FFF2-40B4-BE49-F238E27FC236}">
+                <a16:creationId xmlns:a16="http://schemas.microsoft.com/office/drawing/2014/main" id="{42B748CA-53FF-6FA4-626F-228F5C2EEB3C}"/>
               </a:ext>
             </a:extLst>
           </p:cNvPr>
@@ -7999,7 +8078,7 @@
           </p:cNvPicPr>
           <p:nvPr/>
         </p:nvPicPr>
-        <p:blipFill rotWithShape="1">
+        <p:blipFill>
           <a:blip r:embed="rId3">
             <a:extLst>
               <a:ext uri="{28A0092B-C50C-407E-A947-70E740481C1C}">
@@ -8007,13 +8086,14 @@
               </a:ext>
             </a:extLst>
           </a:blip>
-          <a:srcRect l="8000" t="27127" r="6707" b="12473"/>
-          <a:stretch/>
+          <a:stretch>
+            <a:fillRect/>
+          </a:stretch>
         </p:blipFill>
         <p:spPr>
           <a:xfrm>
-            <a:off x="8172912" y="4838246"/>
-            <a:ext cx="3867912" cy="1864097"/>
+            <a:off x="5843364" y="201650"/>
+            <a:ext cx="5806943" cy="6454699"/>
           </a:xfrm>
           <a:prstGeom prst="rect">
             <a:avLst/>
@@ -8022,17 +8102,19 @@
       </p:pic>
       <p:pic>
         <p:nvPicPr>
-          <p:cNvPr id="6" name="Picture 5" descr="Graphical user interface&#10;&#10;Description automatically generated with medium confidence">
-            <a:extLst>
-              <a:ext uri="{FF2B5EF4-FFF2-40B4-BE49-F238E27FC236}">
-                <a16:creationId xmlns:a16="http://schemas.microsoft.com/office/drawing/2014/main" id="{072F8F69-C48B-2029-F711-00DCB2D401C4}"/>
+          <p:cNvPr id="6" name="Content Placeholder 4" descr="Diagram, text&#10;&#10;Description automatically generated">
+            <a:extLst>
+              <a:ext uri="{FF2B5EF4-FFF2-40B4-BE49-F238E27FC236}">
+                <a16:creationId xmlns:a16="http://schemas.microsoft.com/office/drawing/2014/main" id="{DFEA4DD9-8E20-237B-E015-FEB38F8A3BE1}"/>
               </a:ext>
             </a:extLst>
           </p:cNvPr>
           <p:cNvPicPr>
-            <a:picLocks noChangeAspect="1"/>
+            <a:picLocks noGrp="1" noChangeAspect="1"/>
           </p:cNvPicPr>
-          <p:nvPr/>
+          <p:nvPr>
+            <p:ph idx="1"/>
+          </p:nvPr>
         </p:nvPicPr>
         <p:blipFill>
           <a:blip r:embed="rId4">
@@ -8048,18 +8130,15 @@
         </p:blipFill>
         <p:spPr>
           <a:xfrm>
-            <a:off x="1316726" y="672138"/>
-            <a:ext cx="9558547" cy="5184659"/>
+            <a:off x="160505" y="2641324"/>
+            <a:ext cx="5451950" cy="2706532"/>
           </a:xfrm>
-          <a:prstGeom prst="rect">
-            <a:avLst/>
-          </a:prstGeom>
         </p:spPr>
       </p:pic>
     </p:spTree>
     <p:extLst>
       <p:ext uri="{BB962C8B-B14F-4D97-AF65-F5344CB8AC3E}">
-        <p14:creationId xmlns:p14="http://schemas.microsoft.com/office/powerpoint/2010/main" val="2295853174"/>
+        <p14:creationId xmlns:p14="http://schemas.microsoft.com/office/powerpoint/2010/main" val="1072647113"/>
       </p:ext>
     </p:extLst>
   </p:cSld>
@@ -8110,13 +8189,13 @@
             <a:r>
               <a:rPr lang="en-GB" b="1" dirty="0">
                 <a:solidFill>
-                  <a:srgbClr val="0C2E8A"/>
-                </a:solidFill>
-                <a:latin typeface="Open Sans" pitchFamily="2" charset="0"/>
-                <a:ea typeface="Open Sans" pitchFamily="2" charset="0"/>
-                <a:cs typeface="Open Sans" pitchFamily="2" charset="0"/>
-              </a:rPr>
-              <a:t>Implementation</a:t>
+                  <a:srgbClr val="6B2D88"/>
+                </a:solidFill>
+                <a:latin typeface="Open Sans" pitchFamily="2" charset="0"/>
+                <a:ea typeface="Open Sans" pitchFamily="2" charset="0"/>
+                <a:cs typeface="Open Sans" pitchFamily="2" charset="0"/>
+              </a:rPr>
+              <a:t>Controller</a:t>
             </a:r>
           </a:p>
         </p:txBody>
@@ -8137,257 +8216,141 @@
             <p:ph idx="1"/>
           </p:nvPr>
         </p:nvSpPr>
-        <p:spPr/>
-        <p:txBody>
-          <a:bodyPr/>
-          <a:lstStyle/>
-          <a:p>
-            <a:r>
-              <a:rPr lang="en-GB" dirty="0">
-                <a:solidFill>
-                  <a:srgbClr val="0C2E8A"/>
-                </a:solidFill>
-                <a:latin typeface="Open Sans" pitchFamily="2" charset="0"/>
-                <a:ea typeface="Open Sans" pitchFamily="2" charset="0"/>
-                <a:cs typeface="Open Sans" pitchFamily="2" charset="0"/>
-              </a:rPr>
-              <a:t>Crawlers, Parser and Classifier developed in Python</a:t>
-            </a:r>
-          </a:p>
-          <a:p>
-            <a:pPr lvl="1"/>
-            <a:r>
-              <a:rPr lang="en-GB" dirty="0">
-                <a:solidFill>
-                  <a:srgbClr val="0C2E8A"/>
-                </a:solidFill>
-                <a:latin typeface="Open Sans" pitchFamily="2" charset="0"/>
-                <a:ea typeface="Open Sans" pitchFamily="2" charset="0"/>
-                <a:cs typeface="Open Sans" pitchFamily="2" charset="0"/>
-              </a:rPr>
-              <a:t>Crawlers and Parser use </a:t>
-            </a:r>
-            <a:r>
-              <a:rPr lang="en-GB" b="1" dirty="0">
-                <a:solidFill>
-                  <a:srgbClr val="50D8AF"/>
-                </a:solidFill>
-                <a:latin typeface="Open Sans" pitchFamily="2" charset="0"/>
-                <a:ea typeface="Open Sans" pitchFamily="2" charset="0"/>
-                <a:cs typeface="Open Sans" pitchFamily="2" charset="0"/>
-              </a:rPr>
-              <a:t>Newspaper3K </a:t>
-            </a:r>
-            <a:r>
-              <a:rPr lang="en-GB" dirty="0">
-                <a:solidFill>
-                  <a:srgbClr val="0C2E8A"/>
-                </a:solidFill>
-                <a:latin typeface="Open Sans" pitchFamily="2" charset="0"/>
-                <a:ea typeface="Open Sans" pitchFamily="2" charset="0"/>
-                <a:cs typeface="Open Sans" pitchFamily="2" charset="0"/>
-              </a:rPr>
-              <a:t>library</a:t>
-            </a:r>
-          </a:p>
-          <a:p>
-            <a:pPr lvl="1"/>
-            <a:r>
-              <a:rPr lang="en-GB" dirty="0">
-                <a:solidFill>
-                  <a:srgbClr val="0C2E8A"/>
-                </a:solidFill>
-                <a:latin typeface="Open Sans" pitchFamily="2" charset="0"/>
-                <a:ea typeface="Open Sans" pitchFamily="2" charset="0"/>
-                <a:cs typeface="Open Sans" pitchFamily="2" charset="0"/>
-              </a:rPr>
-              <a:t>Classifier uses </a:t>
-            </a:r>
-            <a:r>
-              <a:rPr lang="en-GB" b="1" dirty="0" err="1">
-                <a:solidFill>
-                  <a:srgbClr val="50D8AF"/>
-                </a:solidFill>
-                <a:latin typeface="Open Sans" pitchFamily="2" charset="0"/>
-                <a:ea typeface="Open Sans" pitchFamily="2" charset="0"/>
-                <a:cs typeface="Open Sans" pitchFamily="2" charset="0"/>
-              </a:rPr>
-              <a:t>Huggingface</a:t>
-            </a:r>
-            <a:r>
-              <a:rPr lang="en-GB" b="1" dirty="0">
-                <a:solidFill>
-                  <a:srgbClr val="50D8AF"/>
-                </a:solidFill>
-                <a:latin typeface="Open Sans" pitchFamily="2" charset="0"/>
-                <a:ea typeface="Open Sans" pitchFamily="2" charset="0"/>
-                <a:cs typeface="Open Sans" pitchFamily="2" charset="0"/>
-              </a:rPr>
-              <a:t> transformers </a:t>
-            </a:r>
-            <a:r>
-              <a:rPr lang="en-GB" dirty="0">
-                <a:solidFill>
-                  <a:srgbClr val="0C2E8A"/>
-                </a:solidFill>
-                <a:latin typeface="Open Sans" pitchFamily="2" charset="0"/>
-                <a:ea typeface="Open Sans" pitchFamily="2" charset="0"/>
-                <a:cs typeface="Open Sans" pitchFamily="2" charset="0"/>
-              </a:rPr>
-              <a:t>library</a:t>
-            </a:r>
-          </a:p>
-          <a:p>
-            <a:r>
-              <a:rPr lang="en-GB" dirty="0">
-                <a:solidFill>
-                  <a:srgbClr val="0C2E8A"/>
-                </a:solidFill>
-                <a:latin typeface="Open Sans" pitchFamily="2" charset="0"/>
-                <a:ea typeface="Open Sans" pitchFamily="2" charset="0"/>
-                <a:cs typeface="Open Sans" pitchFamily="2" charset="0"/>
-              </a:rPr>
-              <a:t>Database and visualisation uses </a:t>
-            </a:r>
-            <a:r>
-              <a:rPr lang="en-GB" b="1" dirty="0">
-                <a:solidFill>
-                  <a:srgbClr val="50D8AF"/>
-                </a:solidFill>
-                <a:latin typeface="Open Sans" pitchFamily="2" charset="0"/>
-                <a:ea typeface="Open Sans" pitchFamily="2" charset="0"/>
-                <a:cs typeface="Open Sans" pitchFamily="2" charset="0"/>
-              </a:rPr>
-              <a:t>Elastic stack</a:t>
-            </a:r>
-          </a:p>
-          <a:p>
-            <a:pPr lvl="1"/>
-            <a:r>
-              <a:rPr lang="en-GB" b="1" dirty="0">
-                <a:solidFill>
-                  <a:srgbClr val="50D8AF"/>
-                </a:solidFill>
-                <a:latin typeface="Open Sans" pitchFamily="2" charset="0"/>
-                <a:ea typeface="Open Sans" pitchFamily="2" charset="0"/>
-                <a:cs typeface="Open Sans" pitchFamily="2" charset="0"/>
-              </a:rPr>
-              <a:t>Elasticsearch</a:t>
-            </a:r>
-            <a:r>
-              <a:rPr lang="en-GB" b="1" dirty="0">
-                <a:solidFill>
-                  <a:srgbClr val="0C2E8A"/>
-                </a:solidFill>
-                <a:latin typeface="Open Sans" pitchFamily="2" charset="0"/>
-                <a:ea typeface="Open Sans" pitchFamily="2" charset="0"/>
-                <a:cs typeface="Open Sans" pitchFamily="2" charset="0"/>
-              </a:rPr>
-              <a:t> </a:t>
-            </a:r>
-            <a:r>
-              <a:rPr lang="en-GB" dirty="0" err="1">
-                <a:solidFill>
-                  <a:srgbClr val="0C2E8A"/>
-                </a:solidFill>
-                <a:latin typeface="Open Sans" pitchFamily="2" charset="0"/>
-                <a:ea typeface="Open Sans" pitchFamily="2" charset="0"/>
-                <a:cs typeface="Open Sans" pitchFamily="2" charset="0"/>
-              </a:rPr>
-              <a:t>noSQL</a:t>
-            </a:r>
-            <a:r>
-              <a:rPr lang="en-GB" dirty="0">
-                <a:solidFill>
-                  <a:srgbClr val="0C2E8A"/>
-                </a:solidFill>
-                <a:latin typeface="Open Sans" pitchFamily="2" charset="0"/>
-                <a:ea typeface="Open Sans" pitchFamily="2" charset="0"/>
-                <a:cs typeface="Open Sans" pitchFamily="2" charset="0"/>
-              </a:rPr>
-              <a:t> database</a:t>
-            </a:r>
-          </a:p>
-          <a:p>
-            <a:pPr lvl="1"/>
-            <a:r>
-              <a:rPr lang="en-GB" b="1" dirty="0">
-                <a:solidFill>
-                  <a:srgbClr val="50D8AF"/>
-                </a:solidFill>
-                <a:latin typeface="Open Sans" pitchFamily="2" charset="0"/>
-                <a:ea typeface="Open Sans" pitchFamily="2" charset="0"/>
-                <a:cs typeface="Open Sans" pitchFamily="2" charset="0"/>
-              </a:rPr>
-              <a:t>Elastic Kibana </a:t>
-            </a:r>
-            <a:r>
-              <a:rPr lang="en-GB" dirty="0">
-                <a:solidFill>
-                  <a:srgbClr val="0C2E8A"/>
-                </a:solidFill>
-                <a:latin typeface="Open Sans" pitchFamily="2" charset="0"/>
-                <a:ea typeface="Open Sans" pitchFamily="2" charset="0"/>
-                <a:cs typeface="Open Sans" pitchFamily="2" charset="0"/>
-              </a:rPr>
-              <a:t>real-time visualisations</a:t>
-            </a:r>
-          </a:p>
-          <a:p>
-            <a:r>
-              <a:rPr lang="en-GB" dirty="0">
-                <a:solidFill>
-                  <a:srgbClr val="0C2E8A"/>
-                </a:solidFill>
-                <a:latin typeface="Open Sans" pitchFamily="2" charset="0"/>
-                <a:ea typeface="Open Sans" pitchFamily="2" charset="0"/>
-                <a:cs typeface="Open Sans" pitchFamily="2" charset="0"/>
-              </a:rPr>
-              <a:t>Web interface uses standard HTML/CSS/JavaScript</a:t>
-            </a:r>
-          </a:p>
-          <a:p>
-            <a:pPr lvl="1"/>
-            <a:r>
-              <a:rPr lang="en-GB" dirty="0">
-                <a:solidFill>
-                  <a:srgbClr val="0C2E8A"/>
-                </a:solidFill>
-                <a:latin typeface="Open Sans" pitchFamily="2" charset="0"/>
-                <a:ea typeface="Open Sans" pitchFamily="2" charset="0"/>
-                <a:cs typeface="Open Sans" pitchFamily="2" charset="0"/>
-              </a:rPr>
-              <a:t>Communication with scraper system through </a:t>
-            </a:r>
-            <a:r>
-              <a:rPr lang="en-GB" b="1" dirty="0">
-                <a:solidFill>
-                  <a:srgbClr val="50D8AF"/>
-                </a:solidFill>
-                <a:latin typeface="Open Sans" pitchFamily="2" charset="0"/>
-                <a:ea typeface="Open Sans" pitchFamily="2" charset="0"/>
-                <a:cs typeface="Open Sans" pitchFamily="2" charset="0"/>
-              </a:rPr>
-              <a:t>Eel</a:t>
-            </a:r>
-            <a:r>
-              <a:rPr lang="en-GB" dirty="0">
-                <a:solidFill>
-                  <a:srgbClr val="0C2E8A"/>
-                </a:solidFill>
-                <a:latin typeface="Open Sans" pitchFamily="2" charset="0"/>
-                <a:ea typeface="Open Sans" pitchFamily="2" charset="0"/>
-                <a:cs typeface="Open Sans" pitchFamily="2" charset="0"/>
-              </a:rPr>
-              <a:t> library</a:t>
-            </a:r>
-          </a:p>
-        </p:txBody>
-      </p:sp>
+        <p:spPr>
+          <a:xfrm>
+            <a:off x="261296" y="1511589"/>
+            <a:ext cx="10515600" cy="4351338"/>
+          </a:xfrm>
+        </p:spPr>
+        <p:txBody>
+          <a:bodyPr>
+            <a:normAutofit/>
+          </a:bodyPr>
+          <a:lstStyle/>
+          <a:p>
+            <a:r>
+              <a:rPr lang="en-GB" sz="2000" b="1" dirty="0">
+                <a:solidFill>
+                  <a:srgbClr val="0C2E8A"/>
+                </a:solidFill>
+                <a:latin typeface="Open Sans" pitchFamily="2" charset="0"/>
+                <a:ea typeface="Open Sans" pitchFamily="2" charset="0"/>
+                <a:cs typeface="Open Sans" pitchFamily="2" charset="0"/>
+              </a:rPr>
+              <a:t>Load sources and initialise crawlers</a:t>
+            </a:r>
+          </a:p>
+          <a:p>
+            <a:r>
+              <a:rPr lang="en-GB" sz="2000" b="1" dirty="0">
+                <a:solidFill>
+                  <a:srgbClr val="0C2E8A"/>
+                </a:solidFill>
+                <a:latin typeface="Open Sans" pitchFamily="2" charset="0"/>
+                <a:ea typeface="Open Sans" pitchFamily="2" charset="0"/>
+                <a:cs typeface="Open Sans" pitchFamily="2" charset="0"/>
+              </a:rPr>
+              <a:t>Pass articles to parser</a:t>
+            </a:r>
+          </a:p>
+          <a:p>
+            <a:r>
+              <a:rPr lang="en-GB" sz="2000" b="1" dirty="0">
+                <a:solidFill>
+                  <a:srgbClr val="0C2E8A"/>
+                </a:solidFill>
+                <a:latin typeface="Open Sans" pitchFamily="2" charset="0"/>
+                <a:ea typeface="Open Sans" pitchFamily="2" charset="0"/>
+                <a:cs typeface="Open Sans" pitchFamily="2" charset="0"/>
+              </a:rPr>
+              <a:t>Communicate with web interface</a:t>
+            </a:r>
+            <a:endParaRPr lang="en-GB" sz="2000" dirty="0">
+              <a:solidFill>
+                <a:srgbClr val="0C2E8A"/>
+              </a:solidFill>
+              <a:latin typeface="Open Sans" pitchFamily="2" charset="0"/>
+              <a:ea typeface="Open Sans" pitchFamily="2" charset="0"/>
+              <a:cs typeface="Open Sans" pitchFamily="2" charset="0"/>
+            </a:endParaRPr>
+          </a:p>
+        </p:txBody>
+      </p:sp>
+      <p:pic>
+        <p:nvPicPr>
+          <p:cNvPr id="4" name="Content Placeholder 6" descr="Graphical user interface, diagram&#10;&#10;Description automatically generated">
+            <a:extLst>
+              <a:ext uri="{FF2B5EF4-FFF2-40B4-BE49-F238E27FC236}">
+                <a16:creationId xmlns:a16="http://schemas.microsoft.com/office/drawing/2014/main" id="{7F1D2791-396F-B778-9485-30E64927E986}"/>
+              </a:ext>
+            </a:extLst>
+          </p:cNvPr>
+          <p:cNvPicPr>
+            <a:picLocks noChangeAspect="1"/>
+          </p:cNvPicPr>
+          <p:nvPr/>
+        </p:nvPicPr>
+        <p:blipFill rotWithShape="1">
+          <a:blip r:embed="rId3">
+            <a:extLst>
+              <a:ext uri="{28A0092B-C50C-407E-A947-70E740481C1C}">
+                <a14:useLocalDpi xmlns:a14="http://schemas.microsoft.com/office/drawing/2010/main" val="0"/>
+              </a:ext>
+            </a:extLst>
+          </a:blip>
+          <a:srcRect l="8000" t="27127" r="6707" b="12473"/>
+          <a:stretch/>
+        </p:blipFill>
+        <p:spPr>
+          <a:xfrm>
+            <a:off x="8172912" y="4838246"/>
+            <a:ext cx="3867912" cy="1864097"/>
+          </a:xfrm>
+          <a:prstGeom prst="rect">
+            <a:avLst/>
+          </a:prstGeom>
+        </p:spPr>
+      </p:pic>
+      <p:pic>
+        <p:nvPicPr>
+          <p:cNvPr id="6" name="Picture 5" descr="Graphical user interface&#10;&#10;Description automatically generated with medium confidence">
+            <a:extLst>
+              <a:ext uri="{FF2B5EF4-FFF2-40B4-BE49-F238E27FC236}">
+                <a16:creationId xmlns:a16="http://schemas.microsoft.com/office/drawing/2014/main" id="{072F8F69-C48B-2029-F711-00DCB2D401C4}"/>
+              </a:ext>
+            </a:extLst>
+          </p:cNvPr>
+          <p:cNvPicPr>
+            <a:picLocks noChangeAspect="1"/>
+          </p:cNvPicPr>
+          <p:nvPr/>
+        </p:nvPicPr>
+        <p:blipFill>
+          <a:blip r:embed="rId4">
+            <a:extLst>
+              <a:ext uri="{28A0092B-C50C-407E-A947-70E740481C1C}">
+                <a14:useLocalDpi xmlns:a14="http://schemas.microsoft.com/office/drawing/2010/main" val="0"/>
+              </a:ext>
+            </a:extLst>
+          </a:blip>
+          <a:stretch>
+            <a:fillRect/>
+          </a:stretch>
+        </p:blipFill>
+        <p:spPr>
+          <a:xfrm>
+            <a:off x="1795253" y="836670"/>
+            <a:ext cx="9558547" cy="5184659"/>
+          </a:xfrm>
+          <a:prstGeom prst="rect">
+            <a:avLst/>
+          </a:prstGeom>
+        </p:spPr>
+      </p:pic>
     </p:spTree>
     <p:extLst>
       <p:ext uri="{BB962C8B-B14F-4D97-AF65-F5344CB8AC3E}">
-        <p14:creationId xmlns:p14="http://schemas.microsoft.com/office/powerpoint/2010/main" val="2975006470"/>
+        <p14:creationId xmlns:p14="http://schemas.microsoft.com/office/powerpoint/2010/main" val="2295853174"/>
       </p:ext>
     </p:extLst>
   </p:cSld>
@@ -8444,50 +8407,278 @@
                 <a:ea typeface="Open Sans" pitchFamily="2" charset="0"/>
                 <a:cs typeface="Open Sans" pitchFamily="2" charset="0"/>
               </a:rPr>
-              <a:t>Eel communication</a:t>
-            </a:r>
-          </a:p>
-        </p:txBody>
-      </p:sp>
-      <p:pic>
-        <p:nvPicPr>
-          <p:cNvPr id="7" name="Content Placeholder 6" descr="Diagram&#10;&#10;Description automatically generated">
-            <a:extLst>
-              <a:ext uri="{FF2B5EF4-FFF2-40B4-BE49-F238E27FC236}">
-                <a16:creationId xmlns:a16="http://schemas.microsoft.com/office/drawing/2014/main" id="{57C2D38B-EBE6-8A8F-BBAC-7E79FDF591A9}"/>
-              </a:ext>
-            </a:extLst>
-          </p:cNvPr>
-          <p:cNvPicPr>
-            <a:picLocks noGrp="1" noChangeAspect="1"/>
-          </p:cNvPicPr>
+              <a:t>Implementation</a:t>
+            </a:r>
+          </a:p>
+        </p:txBody>
+      </p:sp>
+      <p:sp>
+        <p:nvSpPr>
+          <p:cNvPr id="3" name="Content Placeholder 2">
+            <a:extLst>
+              <a:ext uri="{FF2B5EF4-FFF2-40B4-BE49-F238E27FC236}">
+                <a16:creationId xmlns:a16="http://schemas.microsoft.com/office/drawing/2014/main" id="{8792089F-5997-F45A-DAF8-CCBBE566E4EC}"/>
+              </a:ext>
+            </a:extLst>
+          </p:cNvPr>
+          <p:cNvSpPr>
+            <a:spLocks noGrp="1"/>
+          </p:cNvSpPr>
           <p:nvPr>
             <p:ph idx="1"/>
           </p:nvPr>
-        </p:nvPicPr>
-        <p:blipFill>
-          <a:blip r:embed="rId3">
-            <a:extLst>
-              <a:ext uri="{28A0092B-C50C-407E-A947-70E740481C1C}">
-                <a14:useLocalDpi xmlns:a14="http://schemas.microsoft.com/office/drawing/2010/main" val="0"/>
-              </a:ext>
-            </a:extLst>
-          </a:blip>
-          <a:stretch>
-            <a:fillRect/>
-          </a:stretch>
-        </p:blipFill>
-        <p:spPr>
-          <a:xfrm>
-            <a:off x="838200" y="1690688"/>
-            <a:ext cx="9994545" cy="4361688"/>
-          </a:xfrm>
-        </p:spPr>
-      </p:pic>
+        </p:nvSpPr>
+        <p:spPr/>
+        <p:txBody>
+          <a:bodyPr/>
+          <a:lstStyle/>
+          <a:p>
+            <a:r>
+              <a:rPr lang="en-GB" dirty="0">
+                <a:solidFill>
+                  <a:srgbClr val="0C2E8A"/>
+                </a:solidFill>
+                <a:latin typeface="Open Sans" pitchFamily="2" charset="0"/>
+                <a:ea typeface="Open Sans" pitchFamily="2" charset="0"/>
+                <a:cs typeface="Open Sans" pitchFamily="2" charset="0"/>
+              </a:rPr>
+              <a:t>Crawlers, Parser and Classifier developed in Python</a:t>
+            </a:r>
+          </a:p>
+          <a:p>
+            <a:pPr lvl="1"/>
+            <a:r>
+              <a:rPr lang="en-GB" dirty="0">
+                <a:solidFill>
+                  <a:srgbClr val="0C2E8A"/>
+                </a:solidFill>
+                <a:latin typeface="Open Sans" pitchFamily="2" charset="0"/>
+                <a:ea typeface="Open Sans" pitchFamily="2" charset="0"/>
+                <a:cs typeface="Open Sans" pitchFamily="2" charset="0"/>
+              </a:rPr>
+              <a:t>Crawlers and Parser use </a:t>
+            </a:r>
+            <a:r>
+              <a:rPr lang="en-GB" b="1" dirty="0">
+                <a:solidFill>
+                  <a:srgbClr val="50D8AF"/>
+                </a:solidFill>
+                <a:latin typeface="Open Sans" pitchFamily="2" charset="0"/>
+                <a:ea typeface="Open Sans" pitchFamily="2" charset="0"/>
+                <a:cs typeface="Open Sans" pitchFamily="2" charset="0"/>
+              </a:rPr>
+              <a:t>Newspaper3K </a:t>
+            </a:r>
+            <a:r>
+              <a:rPr lang="en-GB" dirty="0">
+                <a:solidFill>
+                  <a:srgbClr val="0C2E8A"/>
+                </a:solidFill>
+                <a:latin typeface="Open Sans" pitchFamily="2" charset="0"/>
+                <a:ea typeface="Open Sans" pitchFamily="2" charset="0"/>
+                <a:cs typeface="Open Sans" pitchFamily="2" charset="0"/>
+              </a:rPr>
+              <a:t>library</a:t>
+            </a:r>
+          </a:p>
+          <a:p>
+            <a:pPr lvl="1"/>
+            <a:r>
+              <a:rPr lang="en-GB" dirty="0">
+                <a:solidFill>
+                  <a:srgbClr val="0C2E8A"/>
+                </a:solidFill>
+                <a:latin typeface="Open Sans" pitchFamily="2" charset="0"/>
+                <a:ea typeface="Open Sans" pitchFamily="2" charset="0"/>
+                <a:cs typeface="Open Sans" pitchFamily="2" charset="0"/>
+              </a:rPr>
+              <a:t>Classifier uses </a:t>
+            </a:r>
+            <a:r>
+              <a:rPr lang="en-GB" b="1" dirty="0" err="1">
+                <a:solidFill>
+                  <a:srgbClr val="50D8AF"/>
+                </a:solidFill>
+                <a:latin typeface="Open Sans" pitchFamily="2" charset="0"/>
+                <a:ea typeface="Open Sans" pitchFamily="2" charset="0"/>
+                <a:cs typeface="Open Sans" pitchFamily="2" charset="0"/>
+              </a:rPr>
+              <a:t>Huggingface</a:t>
+            </a:r>
+            <a:r>
+              <a:rPr lang="en-GB" b="1" dirty="0">
+                <a:solidFill>
+                  <a:srgbClr val="50D8AF"/>
+                </a:solidFill>
+                <a:latin typeface="Open Sans" pitchFamily="2" charset="0"/>
+                <a:ea typeface="Open Sans" pitchFamily="2" charset="0"/>
+                <a:cs typeface="Open Sans" pitchFamily="2" charset="0"/>
+              </a:rPr>
+              <a:t> transformers </a:t>
+            </a:r>
+            <a:r>
+              <a:rPr lang="en-GB" dirty="0">
+                <a:solidFill>
+                  <a:srgbClr val="0C2E8A"/>
+                </a:solidFill>
+                <a:latin typeface="Open Sans" pitchFamily="2" charset="0"/>
+                <a:ea typeface="Open Sans" pitchFamily="2" charset="0"/>
+                <a:cs typeface="Open Sans" pitchFamily="2" charset="0"/>
+              </a:rPr>
+              <a:t>library</a:t>
+            </a:r>
+          </a:p>
+          <a:p>
+            <a:r>
+              <a:rPr lang="en-GB" dirty="0">
+                <a:solidFill>
+                  <a:srgbClr val="0C2E8A"/>
+                </a:solidFill>
+                <a:latin typeface="Open Sans" pitchFamily="2" charset="0"/>
+                <a:ea typeface="Open Sans" pitchFamily="2" charset="0"/>
+                <a:cs typeface="Open Sans" pitchFamily="2" charset="0"/>
+              </a:rPr>
+              <a:t>Database and visualisation uses </a:t>
+            </a:r>
+            <a:r>
+              <a:rPr lang="en-GB" b="1" dirty="0">
+                <a:solidFill>
+                  <a:srgbClr val="50D8AF"/>
+                </a:solidFill>
+                <a:latin typeface="Open Sans" pitchFamily="2" charset="0"/>
+                <a:ea typeface="Open Sans" pitchFamily="2" charset="0"/>
+                <a:cs typeface="Open Sans" pitchFamily="2" charset="0"/>
+              </a:rPr>
+              <a:t>Elastic stack</a:t>
+            </a:r>
+          </a:p>
+          <a:p>
+            <a:pPr lvl="1"/>
+            <a:r>
+              <a:rPr lang="en-GB" b="1" dirty="0">
+                <a:solidFill>
+                  <a:srgbClr val="50D8AF"/>
+                </a:solidFill>
+                <a:latin typeface="Open Sans" pitchFamily="2" charset="0"/>
+                <a:ea typeface="Open Sans" pitchFamily="2" charset="0"/>
+                <a:cs typeface="Open Sans" pitchFamily="2" charset="0"/>
+              </a:rPr>
+              <a:t>Elasticsearch</a:t>
+            </a:r>
+            <a:r>
+              <a:rPr lang="en-GB" b="1" dirty="0">
+                <a:solidFill>
+                  <a:srgbClr val="0C2E8A"/>
+                </a:solidFill>
+                <a:latin typeface="Open Sans" pitchFamily="2" charset="0"/>
+                <a:ea typeface="Open Sans" pitchFamily="2" charset="0"/>
+                <a:cs typeface="Open Sans" pitchFamily="2" charset="0"/>
+              </a:rPr>
+              <a:t> </a:t>
+            </a:r>
+            <a:r>
+              <a:rPr lang="en-GB" dirty="0" err="1">
+                <a:solidFill>
+                  <a:srgbClr val="0C2E8A"/>
+                </a:solidFill>
+                <a:latin typeface="Open Sans" pitchFamily="2" charset="0"/>
+                <a:ea typeface="Open Sans" pitchFamily="2" charset="0"/>
+                <a:cs typeface="Open Sans" pitchFamily="2" charset="0"/>
+              </a:rPr>
+              <a:t>noSQL</a:t>
+            </a:r>
+            <a:r>
+              <a:rPr lang="en-GB" dirty="0">
+                <a:solidFill>
+                  <a:srgbClr val="0C2E8A"/>
+                </a:solidFill>
+                <a:latin typeface="Open Sans" pitchFamily="2" charset="0"/>
+                <a:ea typeface="Open Sans" pitchFamily="2" charset="0"/>
+                <a:cs typeface="Open Sans" pitchFamily="2" charset="0"/>
+              </a:rPr>
+              <a:t> database</a:t>
+            </a:r>
+          </a:p>
+          <a:p>
+            <a:pPr lvl="1"/>
+            <a:r>
+              <a:rPr lang="en-GB" b="1" dirty="0">
+                <a:solidFill>
+                  <a:srgbClr val="50D8AF"/>
+                </a:solidFill>
+                <a:latin typeface="Open Sans" pitchFamily="2" charset="0"/>
+                <a:ea typeface="Open Sans" pitchFamily="2" charset="0"/>
+                <a:cs typeface="Open Sans" pitchFamily="2" charset="0"/>
+              </a:rPr>
+              <a:t>Elastic Kibana </a:t>
+            </a:r>
+            <a:r>
+              <a:rPr lang="en-GB" dirty="0">
+                <a:solidFill>
+                  <a:srgbClr val="0C2E8A"/>
+                </a:solidFill>
+                <a:latin typeface="Open Sans" pitchFamily="2" charset="0"/>
+                <a:ea typeface="Open Sans" pitchFamily="2" charset="0"/>
+                <a:cs typeface="Open Sans" pitchFamily="2" charset="0"/>
+              </a:rPr>
+              <a:t>real-time visualisations</a:t>
+            </a:r>
+          </a:p>
+          <a:p>
+            <a:r>
+              <a:rPr lang="en-GB" dirty="0">
+                <a:solidFill>
+                  <a:srgbClr val="0C2E8A"/>
+                </a:solidFill>
+                <a:latin typeface="Open Sans" pitchFamily="2" charset="0"/>
+                <a:ea typeface="Open Sans" pitchFamily="2" charset="0"/>
+                <a:cs typeface="Open Sans" pitchFamily="2" charset="0"/>
+              </a:rPr>
+              <a:t>Web interface uses standard HTML/CSS/JavaScript</a:t>
+            </a:r>
+          </a:p>
+          <a:p>
+            <a:pPr lvl="1"/>
+            <a:r>
+              <a:rPr lang="en-GB" dirty="0">
+                <a:solidFill>
+                  <a:srgbClr val="0C2E8A"/>
+                </a:solidFill>
+                <a:latin typeface="Open Sans" pitchFamily="2" charset="0"/>
+                <a:ea typeface="Open Sans" pitchFamily="2" charset="0"/>
+                <a:cs typeface="Open Sans" pitchFamily="2" charset="0"/>
+              </a:rPr>
+              <a:t>Communication with scraper system through </a:t>
+            </a:r>
+            <a:r>
+              <a:rPr lang="en-GB" b="1" dirty="0">
+                <a:solidFill>
+                  <a:srgbClr val="50D8AF"/>
+                </a:solidFill>
+                <a:latin typeface="Open Sans" pitchFamily="2" charset="0"/>
+                <a:ea typeface="Open Sans" pitchFamily="2" charset="0"/>
+                <a:cs typeface="Open Sans" pitchFamily="2" charset="0"/>
+              </a:rPr>
+              <a:t>Eel</a:t>
+            </a:r>
+            <a:r>
+              <a:rPr lang="en-GB" dirty="0">
+                <a:solidFill>
+                  <a:srgbClr val="0C2E8A"/>
+                </a:solidFill>
+                <a:latin typeface="Open Sans" pitchFamily="2" charset="0"/>
+                <a:ea typeface="Open Sans" pitchFamily="2" charset="0"/>
+                <a:cs typeface="Open Sans" pitchFamily="2" charset="0"/>
+              </a:rPr>
+              <a:t> library</a:t>
+            </a:r>
+          </a:p>
+        </p:txBody>
+      </p:sp>
     </p:spTree>
     <p:extLst>
       <p:ext uri="{BB962C8B-B14F-4D97-AF65-F5344CB8AC3E}">
-        <p14:creationId xmlns:p14="http://schemas.microsoft.com/office/powerpoint/2010/main" val="845768386"/>
+        <p14:creationId xmlns:p14="http://schemas.microsoft.com/office/powerpoint/2010/main" val="2975006470"/>
       </p:ext>
     </p:extLst>
   </p:cSld>
@@ -8519,81 +8710,75 @@
           <p:cNvPr id="2" name="Title 1">
             <a:extLst>
               <a:ext uri="{FF2B5EF4-FFF2-40B4-BE49-F238E27FC236}">
-                <a16:creationId xmlns:a16="http://schemas.microsoft.com/office/drawing/2014/main" id="{FF67E054-87B7-DA03-9510-255A4381454C}"/>
-              </a:ext>
-            </a:extLst>
-          </p:cNvPr>
-          <p:cNvSpPr>
-            <a:spLocks noGrp="1"/>
-          </p:cNvSpPr>
-          <p:nvPr>
-            <p:ph type="ctrTitle"/>
-          </p:nvPr>
-        </p:nvSpPr>
+                <a16:creationId xmlns:a16="http://schemas.microsoft.com/office/drawing/2014/main" id="{DEAE4C3F-285D-FA36-0590-292F30F27FC6}"/>
+              </a:ext>
+            </a:extLst>
+          </p:cNvPr>
+          <p:cNvSpPr>
+            <a:spLocks noGrp="1"/>
+          </p:cNvSpPr>
+          <p:nvPr>
+            <p:ph type="title"/>
+          </p:nvPr>
+        </p:nvSpPr>
+        <p:spPr/>
+        <p:txBody>
+          <a:bodyPr/>
+          <a:lstStyle/>
+          <a:p>
+            <a:r>
+              <a:rPr lang="en-GB" b="1" dirty="0">
+                <a:solidFill>
+                  <a:srgbClr val="0C2E8A"/>
+                </a:solidFill>
+                <a:latin typeface="Open Sans" pitchFamily="2" charset="0"/>
+                <a:ea typeface="Open Sans" pitchFamily="2" charset="0"/>
+                <a:cs typeface="Open Sans" pitchFamily="2" charset="0"/>
+              </a:rPr>
+              <a:t>Eel communication</a:t>
+            </a:r>
+          </a:p>
+        </p:txBody>
+      </p:sp>
+      <p:pic>
+        <p:nvPicPr>
+          <p:cNvPr id="7" name="Content Placeholder 6" descr="Diagram&#10;&#10;Description automatically generated">
+            <a:extLst>
+              <a:ext uri="{FF2B5EF4-FFF2-40B4-BE49-F238E27FC236}">
+                <a16:creationId xmlns:a16="http://schemas.microsoft.com/office/drawing/2014/main" id="{57C2D38B-EBE6-8A8F-BBAC-7E79FDF591A9}"/>
+              </a:ext>
+            </a:extLst>
+          </p:cNvPr>
+          <p:cNvPicPr>
+            <a:picLocks noGrp="1" noChangeAspect="1"/>
+          </p:cNvPicPr>
+          <p:nvPr>
+            <p:ph idx="1"/>
+          </p:nvPr>
+        </p:nvPicPr>
+        <p:blipFill>
+          <a:blip r:embed="rId3">
+            <a:extLst>
+              <a:ext uri="{28A0092B-C50C-407E-A947-70E740481C1C}">
+                <a14:useLocalDpi xmlns:a14="http://schemas.microsoft.com/office/drawing/2010/main" val="0"/>
+              </a:ext>
+            </a:extLst>
+          </a:blip>
+          <a:stretch>
+            <a:fillRect/>
+          </a:stretch>
+        </p:blipFill>
         <p:spPr>
           <a:xfrm>
-            <a:off x="674255" y="1122363"/>
-            <a:ext cx="11018981" cy="2387600"/>
+            <a:off x="838200" y="1690688"/>
+            <a:ext cx="9994545" cy="4361688"/>
           </a:xfrm>
         </p:spPr>
-        <p:txBody>
-          <a:bodyPr>
-            <a:normAutofit/>
-          </a:bodyPr>
-          <a:lstStyle/>
-          <a:p>
-            <a:r>
-              <a:rPr lang="en-GB" sz="8800" b="1" dirty="0">
-                <a:solidFill>
-                  <a:srgbClr val="0C2E8A"/>
-                </a:solidFill>
-                <a:latin typeface="Open Sans" pitchFamily="2" charset="0"/>
-                <a:ea typeface="Open Sans" pitchFamily="2" charset="0"/>
-                <a:cs typeface="Open Sans" pitchFamily="2" charset="0"/>
-              </a:rPr>
-              <a:t>Demonstration</a:t>
-            </a:r>
-          </a:p>
-        </p:txBody>
-      </p:sp>
-      <p:sp>
-        <p:nvSpPr>
-          <p:cNvPr id="3" name="Subtitle 2">
-            <a:extLst>
-              <a:ext uri="{FF2B5EF4-FFF2-40B4-BE49-F238E27FC236}">
-                <a16:creationId xmlns:a16="http://schemas.microsoft.com/office/drawing/2014/main" id="{439B161B-2E20-87BF-8ED1-98F004050FB9}"/>
-              </a:ext>
-            </a:extLst>
-          </p:cNvPr>
-          <p:cNvSpPr>
-            <a:spLocks noGrp="1"/>
-          </p:cNvSpPr>
-          <p:nvPr>
-            <p:ph type="subTitle" idx="1"/>
-          </p:nvPr>
-        </p:nvSpPr>
-        <p:spPr/>
-        <p:txBody>
-          <a:bodyPr>
-            <a:normAutofit/>
-          </a:bodyPr>
-          <a:lstStyle/>
-          <a:p>
-            <a:r>
-              <a:rPr lang="en-GB" sz="3200" b="1" dirty="0">
-                <a:solidFill>
-                  <a:srgbClr val="50D8AF"/>
-                </a:solidFill>
-              </a:rPr>
-              <a:t>of Digital News Surveillance System</a:t>
-            </a:r>
-          </a:p>
-        </p:txBody>
-      </p:sp>
+      </p:pic>
     </p:spTree>
     <p:extLst>
       <p:ext uri="{BB962C8B-B14F-4D97-AF65-F5344CB8AC3E}">
-        <p14:creationId xmlns:p14="http://schemas.microsoft.com/office/powerpoint/2010/main" val="16513750"/>
+        <p14:creationId xmlns:p14="http://schemas.microsoft.com/office/powerpoint/2010/main" val="845768386"/>
       </p:ext>
     </p:extLst>
   </p:cSld>
@@ -8786,199 +8971,73 @@
           <p:cNvPr id="2" name="Title 1">
             <a:extLst>
               <a:ext uri="{FF2B5EF4-FFF2-40B4-BE49-F238E27FC236}">
-                <a16:creationId xmlns:a16="http://schemas.microsoft.com/office/drawing/2014/main" id="{DEAE4C3F-285D-FA36-0590-292F30F27FC6}"/>
-              </a:ext>
-            </a:extLst>
-          </p:cNvPr>
-          <p:cNvSpPr>
-            <a:spLocks noGrp="1"/>
-          </p:cNvSpPr>
-          <p:nvPr>
-            <p:ph type="title"/>
-          </p:nvPr>
-        </p:nvSpPr>
-        <p:spPr/>
-        <p:txBody>
-          <a:bodyPr/>
-          <a:lstStyle/>
-          <a:p>
-            <a:r>
-              <a:rPr lang="en-GB" b="1" dirty="0">
-                <a:solidFill>
-                  <a:srgbClr val="0C2E8A"/>
-                </a:solidFill>
-                <a:latin typeface="Open Sans" pitchFamily="2" charset="0"/>
-                <a:ea typeface="Open Sans" pitchFamily="2" charset="0"/>
-                <a:cs typeface="Open Sans" pitchFamily="2" charset="0"/>
-              </a:rPr>
-              <a:t>Evaluation</a:t>
-            </a:r>
-          </a:p>
-        </p:txBody>
-      </p:sp>
-      <p:sp>
-        <p:nvSpPr>
-          <p:cNvPr id="3" name="Content Placeholder 2">
-            <a:extLst>
-              <a:ext uri="{FF2B5EF4-FFF2-40B4-BE49-F238E27FC236}">
-                <a16:creationId xmlns:a16="http://schemas.microsoft.com/office/drawing/2014/main" id="{8792089F-5997-F45A-DAF8-CCBBE566E4EC}"/>
-              </a:ext>
-            </a:extLst>
-          </p:cNvPr>
-          <p:cNvSpPr>
-            <a:spLocks noGrp="1"/>
-          </p:cNvSpPr>
-          <p:nvPr>
-            <p:ph idx="1"/>
-          </p:nvPr>
-        </p:nvSpPr>
-        <p:spPr/>
-        <p:txBody>
-          <a:bodyPr/>
-          <a:lstStyle/>
-          <a:p>
-            <a:r>
-              <a:rPr lang="en-GB" dirty="0">
-                <a:solidFill>
-                  <a:srgbClr val="0C2E8A"/>
-                </a:solidFill>
-                <a:latin typeface="Open Sans" pitchFamily="2" charset="0"/>
-                <a:ea typeface="Open Sans" pitchFamily="2" charset="0"/>
-                <a:cs typeface="Open Sans" pitchFamily="2" charset="0"/>
-              </a:rPr>
-              <a:t>Questionnaire sent to </a:t>
-            </a:r>
-            <a:r>
-              <a:rPr lang="en-GB" dirty="0" err="1">
-                <a:solidFill>
-                  <a:srgbClr val="0C2E8A"/>
-                </a:solidFill>
-                <a:latin typeface="Open Sans" pitchFamily="2" charset="0"/>
-                <a:ea typeface="Open Sans" pitchFamily="2" charset="0"/>
-                <a:cs typeface="Open Sans" pitchFamily="2" charset="0"/>
-              </a:rPr>
-              <a:t>BioCaster</a:t>
-            </a:r>
-            <a:r>
-              <a:rPr lang="en-GB" dirty="0">
-                <a:solidFill>
-                  <a:srgbClr val="0C2E8A"/>
-                </a:solidFill>
-                <a:latin typeface="Open Sans" pitchFamily="2" charset="0"/>
-                <a:ea typeface="Open Sans" pitchFamily="2" charset="0"/>
-                <a:cs typeface="Open Sans" pitchFamily="2" charset="0"/>
-              </a:rPr>
-              <a:t> team and University peers</a:t>
-            </a:r>
-          </a:p>
-          <a:p>
-            <a:pPr lvl="1"/>
-            <a:r>
-              <a:rPr lang="en-GB" dirty="0">
-                <a:solidFill>
-                  <a:srgbClr val="0C2E8A"/>
-                </a:solidFill>
-                <a:latin typeface="Open Sans" pitchFamily="2" charset="0"/>
-                <a:ea typeface="Open Sans" pitchFamily="2" charset="0"/>
-                <a:cs typeface="Open Sans" pitchFamily="2" charset="0"/>
-              </a:rPr>
-              <a:t>9 responses</a:t>
-            </a:r>
-          </a:p>
-          <a:p>
-            <a:pPr marL="457200" lvl="1" indent="0">
-              <a:buNone/>
-            </a:pPr>
-            <a:endParaRPr lang="en-GB" dirty="0">
-              <a:solidFill>
-                <a:srgbClr val="0C2E8A"/>
-              </a:solidFill>
-              <a:latin typeface="Open Sans" pitchFamily="2" charset="0"/>
-              <a:ea typeface="Open Sans" pitchFamily="2" charset="0"/>
-              <a:cs typeface="Open Sans" pitchFamily="2" charset="0"/>
-            </a:endParaRPr>
-          </a:p>
-          <a:p>
-            <a:r>
-              <a:rPr lang="en-GB" dirty="0">
-                <a:solidFill>
-                  <a:srgbClr val="0C2E8A"/>
-                </a:solidFill>
-                <a:latin typeface="Open Sans" pitchFamily="2" charset="0"/>
-                <a:ea typeface="Open Sans" pitchFamily="2" charset="0"/>
-                <a:cs typeface="Open Sans" pitchFamily="2" charset="0"/>
-              </a:rPr>
-              <a:t>Does the </a:t>
-            </a:r>
-            <a:r>
-              <a:rPr lang="en-GB" b="1" dirty="0">
+                <a16:creationId xmlns:a16="http://schemas.microsoft.com/office/drawing/2014/main" id="{FF67E054-87B7-DA03-9510-255A4381454C}"/>
+              </a:ext>
+            </a:extLst>
+          </p:cNvPr>
+          <p:cNvSpPr>
+            <a:spLocks noGrp="1"/>
+          </p:cNvSpPr>
+          <p:nvPr>
+            <p:ph type="ctrTitle"/>
+          </p:nvPr>
+        </p:nvSpPr>
+        <p:spPr>
+          <a:xfrm>
+            <a:off x="674255" y="1122363"/>
+            <a:ext cx="11018981" cy="2387600"/>
+          </a:xfrm>
+        </p:spPr>
+        <p:txBody>
+          <a:bodyPr>
+            <a:normAutofit/>
+          </a:bodyPr>
+          <a:lstStyle/>
+          <a:p>
+            <a:r>
+              <a:rPr lang="en-GB" sz="8800" b="1" dirty="0">
+                <a:solidFill>
+                  <a:srgbClr val="0C2E8A"/>
+                </a:solidFill>
+                <a:latin typeface="Open Sans" pitchFamily="2" charset="0"/>
+                <a:ea typeface="Open Sans" pitchFamily="2" charset="0"/>
+                <a:cs typeface="Open Sans" pitchFamily="2" charset="0"/>
+              </a:rPr>
+              <a:t>Demonstration</a:t>
+            </a:r>
+          </a:p>
+        </p:txBody>
+      </p:sp>
+      <p:sp>
+        <p:nvSpPr>
+          <p:cNvPr id="3" name="Subtitle 2">
+            <a:extLst>
+              <a:ext uri="{FF2B5EF4-FFF2-40B4-BE49-F238E27FC236}">
+                <a16:creationId xmlns:a16="http://schemas.microsoft.com/office/drawing/2014/main" id="{439B161B-2E20-87BF-8ED1-98F004050FB9}"/>
+              </a:ext>
+            </a:extLst>
+          </p:cNvPr>
+          <p:cNvSpPr>
+            <a:spLocks noGrp="1"/>
+          </p:cNvSpPr>
+          <p:nvPr>
+            <p:ph type="subTitle" idx="1"/>
+          </p:nvPr>
+        </p:nvSpPr>
+        <p:spPr/>
+        <p:txBody>
+          <a:bodyPr>
+            <a:normAutofit/>
+          </a:bodyPr>
+          <a:lstStyle/>
+          <a:p>
+            <a:r>
+              <a:rPr lang="en-GB" sz="3200" b="1" dirty="0">
                 <a:solidFill>
                   <a:srgbClr val="50D8AF"/>
                 </a:solidFill>
-                <a:latin typeface="Open Sans" pitchFamily="2" charset="0"/>
-                <a:ea typeface="Open Sans" pitchFamily="2" charset="0"/>
-                <a:cs typeface="Open Sans" pitchFamily="2" charset="0"/>
-              </a:rPr>
-              <a:t>visualisation</a:t>
-            </a:r>
-            <a:r>
-              <a:rPr lang="en-GB" dirty="0">
-                <a:solidFill>
-                  <a:srgbClr val="0C2E8A"/>
-                </a:solidFill>
-                <a:latin typeface="Open Sans" pitchFamily="2" charset="0"/>
-                <a:ea typeface="Open Sans" pitchFamily="2" charset="0"/>
-                <a:cs typeface="Open Sans" pitchFamily="2" charset="0"/>
-              </a:rPr>
-              <a:t> provide a complete and effective overview of the data collected?</a:t>
-            </a:r>
-          </a:p>
-          <a:p>
-            <a:pPr marL="0" indent="0">
-              <a:buNone/>
-            </a:pPr>
-            <a:endParaRPr lang="en-GB" dirty="0">
-              <a:solidFill>
-                <a:srgbClr val="0C2E8A"/>
-              </a:solidFill>
-              <a:latin typeface="Open Sans" pitchFamily="2" charset="0"/>
-              <a:ea typeface="Open Sans" pitchFamily="2" charset="0"/>
-              <a:cs typeface="Open Sans" pitchFamily="2" charset="0"/>
-            </a:endParaRPr>
-          </a:p>
-          <a:p>
-            <a:r>
-              <a:rPr lang="en-GB" dirty="0">
-                <a:solidFill>
-                  <a:srgbClr val="0C2E8A"/>
-                </a:solidFill>
-                <a:latin typeface="Open Sans" pitchFamily="2" charset="0"/>
-                <a:ea typeface="Open Sans" pitchFamily="2" charset="0"/>
-                <a:cs typeface="Open Sans" pitchFamily="2" charset="0"/>
-              </a:rPr>
-              <a:t>Does the </a:t>
-            </a:r>
-            <a:r>
-              <a:rPr lang="en-GB" b="1" dirty="0">
-                <a:solidFill>
-                  <a:srgbClr val="50D8AF"/>
-                </a:solidFill>
-                <a:latin typeface="Open Sans" pitchFamily="2" charset="0"/>
-                <a:ea typeface="Open Sans" pitchFamily="2" charset="0"/>
-                <a:cs typeface="Open Sans" pitchFamily="2" charset="0"/>
-              </a:rPr>
-              <a:t>web interface </a:t>
-            </a:r>
-            <a:r>
-              <a:rPr lang="en-GB" dirty="0">
-                <a:solidFill>
-                  <a:srgbClr val="0C2E8A"/>
-                </a:solidFill>
-                <a:latin typeface="Open Sans" pitchFamily="2" charset="0"/>
-                <a:ea typeface="Open Sans" pitchFamily="2" charset="0"/>
-                <a:cs typeface="Open Sans" pitchFamily="2" charset="0"/>
-              </a:rPr>
-              <a:t>allow users to easily and effectively manage the underlying web scraping system?</a:t>
+              </a:rPr>
+              <a:t>of Digital News Surveillance System</a:t>
             </a:r>
           </a:p>
         </p:txBody>
@@ -8986,7 +9045,7 @@
     </p:spTree>
     <p:extLst>
       <p:ext uri="{BB962C8B-B14F-4D97-AF65-F5344CB8AC3E}">
-        <p14:creationId xmlns:p14="http://schemas.microsoft.com/office/powerpoint/2010/main" val="1193723842"/>
+        <p14:creationId xmlns:p14="http://schemas.microsoft.com/office/powerpoint/2010/main" val="16513750"/>
       </p:ext>
     </p:extLst>
   </p:cSld>
@@ -9048,45 +9107,177 @@
           </a:p>
         </p:txBody>
       </p:sp>
-      <p:pic>
-        <p:nvPicPr>
-          <p:cNvPr id="7" name="Content Placeholder 6" descr="Chart, bar chart, histogram&#10;&#10;Description automatically generated">
-            <a:extLst>
-              <a:ext uri="{FF2B5EF4-FFF2-40B4-BE49-F238E27FC236}">
-                <a16:creationId xmlns:a16="http://schemas.microsoft.com/office/drawing/2014/main" id="{17CD58CF-76A5-3210-20F6-BCCA6F3CA010}"/>
-              </a:ext>
-            </a:extLst>
-          </p:cNvPr>
-          <p:cNvPicPr>
-            <a:picLocks noGrp="1" noChangeAspect="1"/>
-          </p:cNvPicPr>
+      <p:sp>
+        <p:nvSpPr>
+          <p:cNvPr id="3" name="Content Placeholder 2">
+            <a:extLst>
+              <a:ext uri="{FF2B5EF4-FFF2-40B4-BE49-F238E27FC236}">
+                <a16:creationId xmlns:a16="http://schemas.microsoft.com/office/drawing/2014/main" id="{8792089F-5997-F45A-DAF8-CCBBE566E4EC}"/>
+              </a:ext>
+            </a:extLst>
+          </p:cNvPr>
+          <p:cNvSpPr>
+            <a:spLocks noGrp="1"/>
+          </p:cNvSpPr>
           <p:nvPr>
             <p:ph idx="1"/>
           </p:nvPr>
-        </p:nvPicPr>
-        <p:blipFill>
-          <a:blip r:embed="rId3">
-            <a:extLst>
-              <a:ext uri="{28A0092B-C50C-407E-A947-70E740481C1C}">
-                <a14:useLocalDpi xmlns:a14="http://schemas.microsoft.com/office/drawing/2010/main" val="0"/>
-              </a:ext>
-            </a:extLst>
-          </a:blip>
-          <a:stretch>
-            <a:fillRect/>
-          </a:stretch>
-        </p:blipFill>
-        <p:spPr>
-          <a:xfrm>
-            <a:off x="796491" y="1330037"/>
-            <a:ext cx="10599017" cy="5299509"/>
-          </a:xfrm>
-        </p:spPr>
-      </p:pic>
+        </p:nvSpPr>
+        <p:spPr/>
+        <p:txBody>
+          <a:bodyPr/>
+          <a:lstStyle/>
+          <a:p>
+            <a:r>
+              <a:rPr lang="en-GB" dirty="0">
+                <a:solidFill>
+                  <a:srgbClr val="0C2E8A"/>
+                </a:solidFill>
+                <a:latin typeface="Open Sans" pitchFamily="2" charset="0"/>
+                <a:ea typeface="Open Sans" pitchFamily="2" charset="0"/>
+                <a:cs typeface="Open Sans" pitchFamily="2" charset="0"/>
+              </a:rPr>
+              <a:t>Questionnaire sent to </a:t>
+            </a:r>
+            <a:r>
+              <a:rPr lang="en-GB" dirty="0" err="1">
+                <a:solidFill>
+                  <a:srgbClr val="0C2E8A"/>
+                </a:solidFill>
+                <a:latin typeface="Open Sans" pitchFamily="2" charset="0"/>
+                <a:ea typeface="Open Sans" pitchFamily="2" charset="0"/>
+                <a:cs typeface="Open Sans" pitchFamily="2" charset="0"/>
+              </a:rPr>
+              <a:t>BioCaster</a:t>
+            </a:r>
+            <a:r>
+              <a:rPr lang="en-GB" dirty="0">
+                <a:solidFill>
+                  <a:srgbClr val="0C2E8A"/>
+                </a:solidFill>
+                <a:latin typeface="Open Sans" pitchFamily="2" charset="0"/>
+                <a:ea typeface="Open Sans" pitchFamily="2" charset="0"/>
+                <a:cs typeface="Open Sans" pitchFamily="2" charset="0"/>
+              </a:rPr>
+              <a:t> team and University peers</a:t>
+            </a:r>
+          </a:p>
+          <a:p>
+            <a:pPr lvl="1"/>
+            <a:r>
+              <a:rPr lang="en-GB" dirty="0">
+                <a:solidFill>
+                  <a:srgbClr val="0C2E8A"/>
+                </a:solidFill>
+                <a:latin typeface="Open Sans" pitchFamily="2" charset="0"/>
+                <a:ea typeface="Open Sans" pitchFamily="2" charset="0"/>
+                <a:cs typeface="Open Sans" pitchFamily="2" charset="0"/>
+              </a:rPr>
+              <a:t>9 responses</a:t>
+            </a:r>
+          </a:p>
+          <a:p>
+            <a:pPr marL="457200" lvl="1" indent="0">
+              <a:buNone/>
+            </a:pPr>
+            <a:endParaRPr lang="en-GB" dirty="0">
+              <a:solidFill>
+                <a:srgbClr val="0C2E8A"/>
+              </a:solidFill>
+              <a:latin typeface="Open Sans" pitchFamily="2" charset="0"/>
+              <a:ea typeface="Open Sans" pitchFamily="2" charset="0"/>
+              <a:cs typeface="Open Sans" pitchFamily="2" charset="0"/>
+            </a:endParaRPr>
+          </a:p>
+          <a:p>
+            <a:r>
+              <a:rPr lang="en-GB" dirty="0">
+                <a:solidFill>
+                  <a:srgbClr val="0C2E8A"/>
+                </a:solidFill>
+                <a:latin typeface="Open Sans" pitchFamily="2" charset="0"/>
+                <a:ea typeface="Open Sans" pitchFamily="2" charset="0"/>
+                <a:cs typeface="Open Sans" pitchFamily="2" charset="0"/>
+              </a:rPr>
+              <a:t>Does the </a:t>
+            </a:r>
+            <a:r>
+              <a:rPr lang="en-GB" b="1" dirty="0">
+                <a:solidFill>
+                  <a:srgbClr val="50D8AF"/>
+                </a:solidFill>
+                <a:latin typeface="Open Sans" pitchFamily="2" charset="0"/>
+                <a:ea typeface="Open Sans" pitchFamily="2" charset="0"/>
+                <a:cs typeface="Open Sans" pitchFamily="2" charset="0"/>
+              </a:rPr>
+              <a:t>visualisation</a:t>
+            </a:r>
+            <a:r>
+              <a:rPr lang="en-GB" dirty="0">
+                <a:solidFill>
+                  <a:srgbClr val="0C2E8A"/>
+                </a:solidFill>
+                <a:latin typeface="Open Sans" pitchFamily="2" charset="0"/>
+                <a:ea typeface="Open Sans" pitchFamily="2" charset="0"/>
+                <a:cs typeface="Open Sans" pitchFamily="2" charset="0"/>
+              </a:rPr>
+              <a:t> provide a complete and effective overview of the data collected?</a:t>
+            </a:r>
+          </a:p>
+          <a:p>
+            <a:pPr marL="0" indent="0">
+              <a:buNone/>
+            </a:pPr>
+            <a:endParaRPr lang="en-GB" dirty="0">
+              <a:solidFill>
+                <a:srgbClr val="0C2E8A"/>
+              </a:solidFill>
+              <a:latin typeface="Open Sans" pitchFamily="2" charset="0"/>
+              <a:ea typeface="Open Sans" pitchFamily="2" charset="0"/>
+              <a:cs typeface="Open Sans" pitchFamily="2" charset="0"/>
+            </a:endParaRPr>
+          </a:p>
+          <a:p>
+            <a:r>
+              <a:rPr lang="en-GB" dirty="0">
+                <a:solidFill>
+                  <a:srgbClr val="0C2E8A"/>
+                </a:solidFill>
+                <a:latin typeface="Open Sans" pitchFamily="2" charset="0"/>
+                <a:ea typeface="Open Sans" pitchFamily="2" charset="0"/>
+                <a:cs typeface="Open Sans" pitchFamily="2" charset="0"/>
+              </a:rPr>
+              <a:t>Does the </a:t>
+            </a:r>
+            <a:r>
+              <a:rPr lang="en-GB" b="1" dirty="0">
+                <a:solidFill>
+                  <a:srgbClr val="50D8AF"/>
+                </a:solidFill>
+                <a:latin typeface="Open Sans" pitchFamily="2" charset="0"/>
+                <a:ea typeface="Open Sans" pitchFamily="2" charset="0"/>
+                <a:cs typeface="Open Sans" pitchFamily="2" charset="0"/>
+              </a:rPr>
+              <a:t>web interface </a:t>
+            </a:r>
+            <a:r>
+              <a:rPr lang="en-GB" dirty="0">
+                <a:solidFill>
+                  <a:srgbClr val="0C2E8A"/>
+                </a:solidFill>
+                <a:latin typeface="Open Sans" pitchFamily="2" charset="0"/>
+                <a:ea typeface="Open Sans" pitchFamily="2" charset="0"/>
+                <a:cs typeface="Open Sans" pitchFamily="2" charset="0"/>
+              </a:rPr>
+              <a:t>allow users to easily and effectively manage the underlying web scraping system?</a:t>
+            </a:r>
+          </a:p>
+        </p:txBody>
+      </p:sp>
     </p:spTree>
     <p:extLst>
       <p:ext uri="{BB962C8B-B14F-4D97-AF65-F5344CB8AC3E}">
-        <p14:creationId xmlns:p14="http://schemas.microsoft.com/office/powerpoint/2010/main" val="146026468"/>
+        <p14:creationId xmlns:p14="http://schemas.microsoft.com/office/powerpoint/2010/main" val="1193723842"/>
       </p:ext>
     </p:extLst>
   </p:cSld>
@@ -9148,298 +9339,45 @@
           </a:p>
         </p:txBody>
       </p:sp>
-      <p:sp>
-        <p:nvSpPr>
-          <p:cNvPr id="3" name="Content Placeholder 2">
-            <a:extLst>
-              <a:ext uri="{FF2B5EF4-FFF2-40B4-BE49-F238E27FC236}">
-                <a16:creationId xmlns:a16="http://schemas.microsoft.com/office/drawing/2014/main" id="{8792089F-5997-F45A-DAF8-CCBBE566E4EC}"/>
-              </a:ext>
-            </a:extLst>
-          </p:cNvPr>
-          <p:cNvSpPr>
-            <a:spLocks noGrp="1"/>
-          </p:cNvSpPr>
+      <p:pic>
+        <p:nvPicPr>
+          <p:cNvPr id="7" name="Content Placeholder 6" descr="Chart, bar chart, histogram&#10;&#10;Description automatically generated">
+            <a:extLst>
+              <a:ext uri="{FF2B5EF4-FFF2-40B4-BE49-F238E27FC236}">
+                <a16:creationId xmlns:a16="http://schemas.microsoft.com/office/drawing/2014/main" id="{17CD58CF-76A5-3210-20F6-BCCA6F3CA010}"/>
+              </a:ext>
+            </a:extLst>
+          </p:cNvPr>
+          <p:cNvPicPr>
+            <a:picLocks noGrp="1" noChangeAspect="1"/>
+          </p:cNvPicPr>
           <p:nvPr>
             <p:ph idx="1"/>
           </p:nvPr>
-        </p:nvSpPr>
-        <p:spPr/>
-        <p:txBody>
-          <a:bodyPr>
-            <a:normAutofit lnSpcReduction="10000"/>
-          </a:bodyPr>
-          <a:lstStyle/>
-          <a:p>
-            <a:r>
-              <a:rPr lang="en-GB" dirty="0">
-                <a:solidFill>
-                  <a:srgbClr val="0C2E8A"/>
-                </a:solidFill>
-                <a:latin typeface="Open Sans" pitchFamily="2" charset="0"/>
-                <a:ea typeface="Open Sans" pitchFamily="2" charset="0"/>
-                <a:cs typeface="Open Sans" pitchFamily="2" charset="0"/>
-              </a:rPr>
-              <a:t>Overall, the </a:t>
-            </a:r>
-            <a:r>
-              <a:rPr lang="en-GB" b="1" dirty="0">
-                <a:solidFill>
-                  <a:srgbClr val="50D8AF"/>
-                </a:solidFill>
-                <a:latin typeface="Open Sans" pitchFamily="2" charset="0"/>
-                <a:ea typeface="Open Sans" pitchFamily="2" charset="0"/>
-                <a:cs typeface="Open Sans" pitchFamily="2" charset="0"/>
-              </a:rPr>
-              <a:t>visualisation</a:t>
-            </a:r>
-            <a:r>
-              <a:rPr lang="en-GB" dirty="0">
-                <a:solidFill>
-                  <a:srgbClr val="0C2E8A"/>
-                </a:solidFill>
-                <a:latin typeface="Open Sans" pitchFamily="2" charset="0"/>
-                <a:ea typeface="Open Sans" pitchFamily="2" charset="0"/>
-                <a:cs typeface="Open Sans" pitchFamily="2" charset="0"/>
-              </a:rPr>
-              <a:t> was found to be easy to understand and represent the data well</a:t>
-            </a:r>
-          </a:p>
-          <a:p>
-            <a:pPr lvl="1"/>
-            <a:r>
-              <a:rPr lang="en-GB" b="1" dirty="0">
-                <a:solidFill>
-                  <a:srgbClr val="50D8AF"/>
-                </a:solidFill>
-                <a:latin typeface="Open Sans" pitchFamily="2" charset="0"/>
-                <a:ea typeface="Open Sans" pitchFamily="2" charset="0"/>
-                <a:cs typeface="Open Sans" pitchFamily="2" charset="0"/>
-              </a:rPr>
-              <a:t>4.44/5</a:t>
-            </a:r>
-            <a:r>
-              <a:rPr lang="en-GB" dirty="0">
-                <a:solidFill>
-                  <a:srgbClr val="0C2E8A"/>
-                </a:solidFill>
-                <a:latin typeface="Open Sans" pitchFamily="2" charset="0"/>
-                <a:ea typeface="Open Sans" pitchFamily="2" charset="0"/>
-                <a:cs typeface="Open Sans" pitchFamily="2" charset="0"/>
-              </a:rPr>
-              <a:t> Easy to understand, </a:t>
-            </a:r>
-            <a:r>
-              <a:rPr lang="en-GB" b="1" dirty="0">
-                <a:solidFill>
-                  <a:srgbClr val="50D8AF"/>
-                </a:solidFill>
-                <a:latin typeface="Open Sans" pitchFamily="2" charset="0"/>
-                <a:ea typeface="Open Sans" pitchFamily="2" charset="0"/>
-                <a:cs typeface="Open Sans" pitchFamily="2" charset="0"/>
-              </a:rPr>
-              <a:t>4.78/5</a:t>
-            </a:r>
-            <a:r>
-              <a:rPr lang="en-GB" dirty="0">
-                <a:solidFill>
-                  <a:srgbClr val="0C2E8A"/>
-                </a:solidFill>
-                <a:latin typeface="Open Sans" pitchFamily="2" charset="0"/>
-                <a:ea typeface="Open Sans" pitchFamily="2" charset="0"/>
-                <a:cs typeface="Open Sans" pitchFamily="2" charset="0"/>
-              </a:rPr>
-              <a:t> Representative of data</a:t>
-            </a:r>
-          </a:p>
-          <a:p>
-            <a:pPr lvl="1"/>
-            <a:r>
-              <a:rPr lang="en-GB" dirty="0">
-                <a:solidFill>
-                  <a:srgbClr val="0C2E8A"/>
-                </a:solidFill>
-                <a:latin typeface="Open Sans" pitchFamily="2" charset="0"/>
-                <a:ea typeface="Open Sans" pitchFamily="2" charset="0"/>
-                <a:cs typeface="Open Sans" pitchFamily="2" charset="0"/>
-              </a:rPr>
-              <a:t>Some components difficult to interpret</a:t>
-            </a:r>
-          </a:p>
-          <a:p>
-            <a:pPr lvl="1"/>
-            <a:r>
-              <a:rPr lang="en-GB" dirty="0">
-                <a:solidFill>
-                  <a:srgbClr val="0C2E8A"/>
-                </a:solidFill>
-                <a:latin typeface="Open Sans" pitchFamily="2" charset="0"/>
-                <a:ea typeface="Open Sans" pitchFamily="2" charset="0"/>
-                <a:cs typeface="Open Sans" pitchFamily="2" charset="0"/>
-              </a:rPr>
-              <a:t>Some interesting information missing</a:t>
-            </a:r>
-          </a:p>
-          <a:p>
-            <a:r>
-              <a:rPr lang="en-GB" dirty="0">
-                <a:solidFill>
-                  <a:srgbClr val="0C2E8A"/>
-                </a:solidFill>
-                <a:latin typeface="Open Sans" pitchFamily="2" charset="0"/>
-                <a:ea typeface="Open Sans" pitchFamily="2" charset="0"/>
-                <a:cs typeface="Open Sans" pitchFamily="2" charset="0"/>
-              </a:rPr>
-              <a:t>The </a:t>
-            </a:r>
-            <a:r>
-              <a:rPr lang="en-GB" b="1" dirty="0">
-                <a:solidFill>
-                  <a:srgbClr val="50D8AF"/>
-                </a:solidFill>
-                <a:latin typeface="Open Sans" pitchFamily="2" charset="0"/>
-                <a:ea typeface="Open Sans" pitchFamily="2" charset="0"/>
-                <a:cs typeface="Open Sans" pitchFamily="2" charset="0"/>
-              </a:rPr>
-              <a:t>web interface </a:t>
-            </a:r>
-            <a:r>
-              <a:rPr lang="en-GB" dirty="0">
-                <a:solidFill>
-                  <a:srgbClr val="0C2E8A"/>
-                </a:solidFill>
-                <a:latin typeface="Open Sans" pitchFamily="2" charset="0"/>
-                <a:ea typeface="Open Sans" pitchFamily="2" charset="0"/>
-                <a:cs typeface="Open Sans" pitchFamily="2" charset="0"/>
-              </a:rPr>
-              <a:t>is mostly intuitive and clear, but has some room to improve in aesthetics</a:t>
-            </a:r>
-          </a:p>
-          <a:p>
-            <a:pPr lvl="1"/>
-            <a:r>
-              <a:rPr lang="en-GB" b="1" dirty="0">
-                <a:solidFill>
-                  <a:srgbClr val="50D8AF"/>
-                </a:solidFill>
-                <a:latin typeface="Open Sans" pitchFamily="2" charset="0"/>
-                <a:ea typeface="Open Sans" pitchFamily="2" charset="0"/>
-                <a:cs typeface="Open Sans" pitchFamily="2" charset="0"/>
-              </a:rPr>
-              <a:t>4/5</a:t>
-            </a:r>
-            <a:r>
-              <a:rPr lang="en-GB" dirty="0">
-                <a:solidFill>
-                  <a:srgbClr val="0C2E8A"/>
-                </a:solidFill>
-                <a:latin typeface="Open Sans" pitchFamily="2" charset="0"/>
-                <a:ea typeface="Open Sans" pitchFamily="2" charset="0"/>
-                <a:cs typeface="Open Sans" pitchFamily="2" charset="0"/>
-              </a:rPr>
-              <a:t> Intuitive, </a:t>
-            </a:r>
-            <a:r>
-              <a:rPr lang="en-GB" b="1" dirty="0">
-                <a:solidFill>
-                  <a:srgbClr val="50D8AF"/>
-                </a:solidFill>
-                <a:latin typeface="Open Sans" pitchFamily="2" charset="0"/>
-                <a:ea typeface="Open Sans" pitchFamily="2" charset="0"/>
-                <a:cs typeface="Open Sans" pitchFamily="2" charset="0"/>
-              </a:rPr>
-              <a:t>4.56/5</a:t>
-            </a:r>
-            <a:r>
-              <a:rPr lang="en-GB" dirty="0">
-                <a:solidFill>
-                  <a:srgbClr val="0C2E8A"/>
-                </a:solidFill>
-                <a:latin typeface="Open Sans" pitchFamily="2" charset="0"/>
-                <a:ea typeface="Open Sans" pitchFamily="2" charset="0"/>
-                <a:cs typeface="Open Sans" pitchFamily="2" charset="0"/>
-              </a:rPr>
-              <a:t> Clearly presented, </a:t>
-            </a:r>
-            <a:r>
-              <a:rPr lang="en-GB" dirty="0">
-                <a:solidFill>
-                  <a:srgbClr val="50D8AF"/>
-                </a:solidFill>
-                <a:latin typeface="Open Sans" pitchFamily="2" charset="0"/>
-                <a:ea typeface="Open Sans" pitchFamily="2" charset="0"/>
-                <a:cs typeface="Open Sans" pitchFamily="2" charset="0"/>
-              </a:rPr>
-              <a:t> </a:t>
-            </a:r>
-            <a:r>
-              <a:rPr lang="en-GB" b="1" dirty="0">
-                <a:solidFill>
-                  <a:srgbClr val="50D8AF"/>
-                </a:solidFill>
-                <a:latin typeface="Open Sans" pitchFamily="2" charset="0"/>
-                <a:ea typeface="Open Sans" pitchFamily="2" charset="0"/>
-                <a:cs typeface="Open Sans" pitchFamily="2" charset="0"/>
-              </a:rPr>
-              <a:t>3.89/5</a:t>
-            </a:r>
-            <a:r>
-              <a:rPr lang="en-GB" dirty="0">
-                <a:solidFill>
-                  <a:srgbClr val="50D8AF"/>
-                </a:solidFill>
-                <a:latin typeface="Open Sans" pitchFamily="2" charset="0"/>
-                <a:ea typeface="Open Sans" pitchFamily="2" charset="0"/>
-                <a:cs typeface="Open Sans" pitchFamily="2" charset="0"/>
-              </a:rPr>
-              <a:t> </a:t>
-            </a:r>
-            <a:r>
-              <a:rPr lang="en-GB" dirty="0">
-                <a:solidFill>
-                  <a:srgbClr val="0C2E8A"/>
-                </a:solidFill>
-                <a:latin typeface="Open Sans" pitchFamily="2" charset="0"/>
-                <a:ea typeface="Open Sans" pitchFamily="2" charset="0"/>
-                <a:cs typeface="Open Sans" pitchFamily="2" charset="0"/>
-              </a:rPr>
-              <a:t>aesthetically appealing</a:t>
-            </a:r>
-          </a:p>
-          <a:p>
-            <a:pPr lvl="1"/>
-            <a:r>
-              <a:rPr lang="en-GB" dirty="0">
-                <a:solidFill>
-                  <a:srgbClr val="0C2E8A"/>
-                </a:solidFill>
-                <a:latin typeface="Open Sans" pitchFamily="2" charset="0"/>
-                <a:ea typeface="Open Sans" pitchFamily="2" charset="0"/>
-                <a:cs typeface="Open Sans" pitchFamily="2" charset="0"/>
-              </a:rPr>
-              <a:t>Lack of an “about” page can make purpose unclear</a:t>
-            </a:r>
-          </a:p>
-          <a:p>
-            <a:pPr lvl="1"/>
-            <a:r>
-              <a:rPr lang="en-GB" dirty="0">
-                <a:solidFill>
-                  <a:srgbClr val="0C2E8A"/>
-                </a:solidFill>
-                <a:latin typeface="Open Sans" pitchFamily="2" charset="0"/>
-                <a:ea typeface="Open Sans" pitchFamily="2" charset="0"/>
-                <a:cs typeface="Open Sans" pitchFamily="2" charset="0"/>
-              </a:rPr>
-              <a:t>Some technical bugs</a:t>
-            </a:r>
-          </a:p>
-        </p:txBody>
-      </p:sp>
+        </p:nvPicPr>
+        <p:blipFill>
+          <a:blip r:embed="rId3">
+            <a:extLst>
+              <a:ext uri="{28A0092B-C50C-407E-A947-70E740481C1C}">
+                <a14:useLocalDpi xmlns:a14="http://schemas.microsoft.com/office/drawing/2010/main" val="0"/>
+              </a:ext>
+            </a:extLst>
+          </a:blip>
+          <a:stretch>
+            <a:fillRect/>
+          </a:stretch>
+        </p:blipFill>
+        <p:spPr>
+          <a:xfrm>
+            <a:off x="796491" y="1330037"/>
+            <a:ext cx="10599017" cy="5299509"/>
+          </a:xfrm>
+        </p:spPr>
+      </p:pic>
     </p:spTree>
     <p:extLst>
       <p:ext uri="{BB962C8B-B14F-4D97-AF65-F5344CB8AC3E}">
-        <p14:creationId xmlns:p14="http://schemas.microsoft.com/office/powerpoint/2010/main" val="2090590418"/>
+        <p14:creationId xmlns:p14="http://schemas.microsoft.com/office/powerpoint/2010/main" val="146026468"/>
       </p:ext>
     </p:extLst>
   </p:cSld>
@@ -9496,7 +9434,7 @@
                 <a:ea typeface="Open Sans" pitchFamily="2" charset="0"/>
                 <a:cs typeface="Open Sans" pitchFamily="2" charset="0"/>
               </a:rPr>
-              <a:t>Project Aims</a:t>
+              <a:t>Evaluation</a:t>
             </a:r>
           </a:p>
         </p:txBody>
@@ -9519,7 +9457,9 @@
         </p:nvSpPr>
         <p:spPr/>
         <p:txBody>
-          <a:bodyPr/>
+          <a:bodyPr>
+            <a:normAutofit lnSpcReduction="10000"/>
+          </a:bodyPr>
           <a:lstStyle/>
           <a:p>
             <a:r>
@@ -9531,21 +9471,44 @@
                 <a:ea typeface="Open Sans" pitchFamily="2" charset="0"/>
                 <a:cs typeface="Open Sans" pitchFamily="2" charset="0"/>
               </a:rPr>
-              <a:t>This project is composed of two main contributions:</a:t>
+              <a:t>Overall, the </a:t>
+            </a:r>
+            <a:r>
+              <a:rPr lang="en-GB" b="1" dirty="0">
+                <a:solidFill>
+                  <a:srgbClr val="50D8AF"/>
+                </a:solidFill>
+                <a:latin typeface="Open Sans" pitchFamily="2" charset="0"/>
+                <a:ea typeface="Open Sans" pitchFamily="2" charset="0"/>
+                <a:cs typeface="Open Sans" pitchFamily="2" charset="0"/>
+              </a:rPr>
+              <a:t>visualisation</a:t>
+            </a:r>
+            <a:r>
+              <a:rPr lang="en-GB" dirty="0">
+                <a:solidFill>
+                  <a:srgbClr val="0C2E8A"/>
+                </a:solidFill>
+                <a:latin typeface="Open Sans" pitchFamily="2" charset="0"/>
+                <a:ea typeface="Open Sans" pitchFamily="2" charset="0"/>
+                <a:cs typeface="Open Sans" pitchFamily="2" charset="0"/>
+              </a:rPr>
+              <a:t> was found to be easy to understand and represent the data well</a:t>
             </a:r>
           </a:p>
           <a:p>
             <a:pPr lvl="1"/>
-            <a:endParaRPr lang="en-GB" b="1" dirty="0">
-              <a:solidFill>
-                <a:srgbClr val="50D8AF"/>
-              </a:solidFill>
-              <a:latin typeface="Open Sans" pitchFamily="2" charset="0"/>
-              <a:ea typeface="Open Sans" pitchFamily="2" charset="0"/>
-              <a:cs typeface="Open Sans" pitchFamily="2" charset="0"/>
-            </a:endParaRPr>
-          </a:p>
-          <a:p>
+            <a:r>
+              <a:rPr lang="en-GB" b="1" dirty="0">
+                <a:solidFill>
+                  <a:srgbClr val="50D8AF"/>
+                </a:solidFill>
+                <a:latin typeface="Open Sans" pitchFamily="2" charset="0"/>
+                <a:ea typeface="Open Sans" pitchFamily="2" charset="0"/>
+                <a:cs typeface="Open Sans" pitchFamily="2" charset="0"/>
+              </a:rPr>
+              <a:t>4.44/5</a:t>
+            </a:r>
             <a:r>
               <a:rPr lang="en-GB" dirty="0">
                 <a:solidFill>
@@ -9555,10 +9518,8 @@
                 <a:ea typeface="Open Sans" pitchFamily="2" charset="0"/>
                 <a:cs typeface="Open Sans" pitchFamily="2" charset="0"/>
               </a:rPr>
-              <a:t>Digital news surveillance system</a:t>
-            </a:r>
-          </a:p>
-          <a:p>
+              <a:t> Easy to understand, </a:t>
+            </a:r>
             <a:r>
               <a:rPr lang="en-GB" b="1" dirty="0">
                 <a:solidFill>
@@ -9568,7 +9529,200 @@
                 <a:ea typeface="Open Sans" pitchFamily="2" charset="0"/>
                 <a:cs typeface="Open Sans" pitchFamily="2" charset="0"/>
               </a:rPr>
-              <a:t>Multilingual news article classification experiment</a:t>
+              <a:t>4.78/5</a:t>
+            </a:r>
+            <a:r>
+              <a:rPr lang="en-GB" dirty="0">
+                <a:solidFill>
+                  <a:srgbClr val="0C2E8A"/>
+                </a:solidFill>
+                <a:latin typeface="Open Sans" pitchFamily="2" charset="0"/>
+                <a:ea typeface="Open Sans" pitchFamily="2" charset="0"/>
+                <a:cs typeface="Open Sans" pitchFamily="2" charset="0"/>
+              </a:rPr>
+              <a:t> Representative of data</a:t>
+            </a:r>
+          </a:p>
+          <a:p>
+            <a:pPr lvl="1"/>
+            <a:r>
+              <a:rPr lang="en-GB" dirty="0">
+                <a:solidFill>
+                  <a:srgbClr val="0C2E8A"/>
+                </a:solidFill>
+                <a:latin typeface="Open Sans" pitchFamily="2" charset="0"/>
+                <a:ea typeface="Open Sans" pitchFamily="2" charset="0"/>
+                <a:cs typeface="Open Sans" pitchFamily="2" charset="0"/>
+              </a:rPr>
+              <a:t>Some components difficult to interpret</a:t>
+            </a:r>
+          </a:p>
+          <a:p>
+            <a:pPr lvl="1"/>
+            <a:r>
+              <a:rPr lang="en-GB" dirty="0">
+                <a:solidFill>
+                  <a:srgbClr val="0C2E8A"/>
+                </a:solidFill>
+                <a:latin typeface="Open Sans" pitchFamily="2" charset="0"/>
+                <a:ea typeface="Open Sans" pitchFamily="2" charset="0"/>
+                <a:cs typeface="Open Sans" pitchFamily="2" charset="0"/>
+              </a:rPr>
+              <a:t>Some interesting information missing</a:t>
+            </a:r>
+          </a:p>
+          <a:p>
+            <a:r>
+              <a:rPr lang="en-GB" dirty="0">
+                <a:solidFill>
+                  <a:srgbClr val="0C2E8A"/>
+                </a:solidFill>
+                <a:latin typeface="Open Sans" pitchFamily="2" charset="0"/>
+                <a:ea typeface="Open Sans" pitchFamily="2" charset="0"/>
+                <a:cs typeface="Open Sans" pitchFamily="2" charset="0"/>
+              </a:rPr>
+              <a:t>The </a:t>
+            </a:r>
+            <a:r>
+              <a:rPr lang="en-GB" b="1" dirty="0">
+                <a:solidFill>
+                  <a:srgbClr val="50D8AF"/>
+                </a:solidFill>
+                <a:latin typeface="Open Sans" pitchFamily="2" charset="0"/>
+                <a:ea typeface="Open Sans" pitchFamily="2" charset="0"/>
+                <a:cs typeface="Open Sans" pitchFamily="2" charset="0"/>
+              </a:rPr>
+              <a:t>web interface </a:t>
+            </a:r>
+            <a:r>
+              <a:rPr lang="en-GB" dirty="0">
+                <a:solidFill>
+                  <a:srgbClr val="0C2E8A"/>
+                </a:solidFill>
+                <a:latin typeface="Open Sans" pitchFamily="2" charset="0"/>
+                <a:ea typeface="Open Sans" pitchFamily="2" charset="0"/>
+                <a:cs typeface="Open Sans" pitchFamily="2" charset="0"/>
+              </a:rPr>
+              <a:t>is mostly intuitive and clear, but has some room to improve in aesthetics</a:t>
+            </a:r>
+          </a:p>
+          <a:p>
+            <a:pPr lvl="1"/>
+            <a:r>
+              <a:rPr lang="en-GB" b="1" dirty="0">
+                <a:solidFill>
+                  <a:srgbClr val="50D8AF"/>
+                </a:solidFill>
+                <a:latin typeface="Open Sans" pitchFamily="2" charset="0"/>
+                <a:ea typeface="Open Sans" pitchFamily="2" charset="0"/>
+                <a:cs typeface="Open Sans" pitchFamily="2" charset="0"/>
+              </a:rPr>
+              <a:t>4/5</a:t>
+            </a:r>
+            <a:r>
+              <a:rPr lang="en-GB" dirty="0">
+                <a:solidFill>
+                  <a:srgbClr val="0C2E8A"/>
+                </a:solidFill>
+                <a:latin typeface="Open Sans" pitchFamily="2" charset="0"/>
+                <a:ea typeface="Open Sans" pitchFamily="2" charset="0"/>
+                <a:cs typeface="Open Sans" pitchFamily="2" charset="0"/>
+              </a:rPr>
+              <a:t> Intuitive, </a:t>
+            </a:r>
+            <a:r>
+              <a:rPr lang="en-GB" b="1" dirty="0">
+                <a:solidFill>
+                  <a:srgbClr val="50D8AF"/>
+                </a:solidFill>
+                <a:latin typeface="Open Sans" pitchFamily="2" charset="0"/>
+                <a:ea typeface="Open Sans" pitchFamily="2" charset="0"/>
+                <a:cs typeface="Open Sans" pitchFamily="2" charset="0"/>
+              </a:rPr>
+              <a:t>4.56/5</a:t>
+            </a:r>
+            <a:r>
+              <a:rPr lang="en-GB" dirty="0">
+                <a:solidFill>
+                  <a:srgbClr val="0C2E8A"/>
+                </a:solidFill>
+                <a:latin typeface="Open Sans" pitchFamily="2" charset="0"/>
+                <a:ea typeface="Open Sans" pitchFamily="2" charset="0"/>
+                <a:cs typeface="Open Sans" pitchFamily="2" charset="0"/>
+              </a:rPr>
+              <a:t> Clearly presented, </a:t>
+            </a:r>
+            <a:r>
+              <a:rPr lang="en-GB" dirty="0">
+                <a:solidFill>
+                  <a:srgbClr val="50D8AF"/>
+                </a:solidFill>
+                <a:latin typeface="Open Sans" pitchFamily="2" charset="0"/>
+                <a:ea typeface="Open Sans" pitchFamily="2" charset="0"/>
+                <a:cs typeface="Open Sans" pitchFamily="2" charset="0"/>
+              </a:rPr>
+              <a:t> </a:t>
+            </a:r>
+            <a:r>
+              <a:rPr lang="en-GB" b="1" dirty="0">
+                <a:solidFill>
+                  <a:srgbClr val="50D8AF"/>
+                </a:solidFill>
+                <a:latin typeface="Open Sans" pitchFamily="2" charset="0"/>
+                <a:ea typeface="Open Sans" pitchFamily="2" charset="0"/>
+                <a:cs typeface="Open Sans" pitchFamily="2" charset="0"/>
+              </a:rPr>
+              <a:t>3.89/5</a:t>
+            </a:r>
+            <a:r>
+              <a:rPr lang="en-GB" dirty="0">
+                <a:solidFill>
+                  <a:srgbClr val="50D8AF"/>
+                </a:solidFill>
+                <a:latin typeface="Open Sans" pitchFamily="2" charset="0"/>
+                <a:ea typeface="Open Sans" pitchFamily="2" charset="0"/>
+                <a:cs typeface="Open Sans" pitchFamily="2" charset="0"/>
+              </a:rPr>
+              <a:t> </a:t>
+            </a:r>
+            <a:r>
+              <a:rPr lang="en-GB" dirty="0">
+                <a:solidFill>
+                  <a:srgbClr val="0C2E8A"/>
+                </a:solidFill>
+                <a:latin typeface="Open Sans" pitchFamily="2" charset="0"/>
+                <a:ea typeface="Open Sans" pitchFamily="2" charset="0"/>
+                <a:cs typeface="Open Sans" pitchFamily="2" charset="0"/>
+              </a:rPr>
+              <a:t>aesthetically appealing</a:t>
+            </a:r>
+          </a:p>
+          <a:p>
+            <a:pPr lvl="1"/>
+            <a:r>
+              <a:rPr lang="en-GB" dirty="0">
+                <a:solidFill>
+                  <a:srgbClr val="0C2E8A"/>
+                </a:solidFill>
+                <a:latin typeface="Open Sans" pitchFamily="2" charset="0"/>
+                <a:ea typeface="Open Sans" pitchFamily="2" charset="0"/>
+                <a:cs typeface="Open Sans" pitchFamily="2" charset="0"/>
+              </a:rPr>
+              <a:t>Lack of an “about” page can make purpose unclear</a:t>
+            </a:r>
+          </a:p>
+          <a:p>
+            <a:pPr lvl="1"/>
+            <a:r>
+              <a:rPr lang="en-GB" dirty="0">
+                <a:solidFill>
+                  <a:srgbClr val="0C2E8A"/>
+                </a:solidFill>
+                <a:latin typeface="Open Sans" pitchFamily="2" charset="0"/>
+                <a:ea typeface="Open Sans" pitchFamily="2" charset="0"/>
+                <a:cs typeface="Open Sans" pitchFamily="2" charset="0"/>
+              </a:rPr>
+              <a:t>Some technical bugs</a:t>
             </a:r>
           </a:p>
         </p:txBody>
@@ -9576,7 +9730,7 @@
     </p:spTree>
     <p:extLst>
       <p:ext uri="{BB962C8B-B14F-4D97-AF65-F5344CB8AC3E}">
-        <p14:creationId xmlns:p14="http://schemas.microsoft.com/office/powerpoint/2010/main" val="675692738"/>
+        <p14:creationId xmlns:p14="http://schemas.microsoft.com/office/powerpoint/2010/main" val="2090590418"/>
       </p:ext>
     </p:extLst>
   </p:cSld>
@@ -9608,6 +9762,143 @@
           <p:cNvPr id="2" name="Title 1">
             <a:extLst>
               <a:ext uri="{FF2B5EF4-FFF2-40B4-BE49-F238E27FC236}">
+                <a16:creationId xmlns:a16="http://schemas.microsoft.com/office/drawing/2014/main" id="{DEAE4C3F-285D-FA36-0590-292F30F27FC6}"/>
+              </a:ext>
+            </a:extLst>
+          </p:cNvPr>
+          <p:cNvSpPr>
+            <a:spLocks noGrp="1"/>
+          </p:cNvSpPr>
+          <p:nvPr>
+            <p:ph type="title"/>
+          </p:nvPr>
+        </p:nvSpPr>
+        <p:spPr/>
+        <p:txBody>
+          <a:bodyPr/>
+          <a:lstStyle/>
+          <a:p>
+            <a:r>
+              <a:rPr lang="en-GB" b="1" dirty="0">
+                <a:solidFill>
+                  <a:srgbClr val="0C2E8A"/>
+                </a:solidFill>
+                <a:latin typeface="Open Sans" pitchFamily="2" charset="0"/>
+                <a:ea typeface="Open Sans" pitchFamily="2" charset="0"/>
+                <a:cs typeface="Open Sans" pitchFamily="2" charset="0"/>
+              </a:rPr>
+              <a:t>Project Contributions</a:t>
+            </a:r>
+          </a:p>
+        </p:txBody>
+      </p:sp>
+      <p:sp>
+        <p:nvSpPr>
+          <p:cNvPr id="3" name="Content Placeholder 2">
+            <a:extLst>
+              <a:ext uri="{FF2B5EF4-FFF2-40B4-BE49-F238E27FC236}">
+                <a16:creationId xmlns:a16="http://schemas.microsoft.com/office/drawing/2014/main" id="{8792089F-5997-F45A-DAF8-CCBBE566E4EC}"/>
+              </a:ext>
+            </a:extLst>
+          </p:cNvPr>
+          <p:cNvSpPr>
+            <a:spLocks noGrp="1"/>
+          </p:cNvSpPr>
+          <p:nvPr>
+            <p:ph idx="1"/>
+          </p:nvPr>
+        </p:nvSpPr>
+        <p:spPr/>
+        <p:txBody>
+          <a:bodyPr/>
+          <a:lstStyle/>
+          <a:p>
+            <a:r>
+              <a:rPr lang="en-GB" dirty="0">
+                <a:solidFill>
+                  <a:srgbClr val="0C2E8A"/>
+                </a:solidFill>
+                <a:latin typeface="Open Sans" pitchFamily="2" charset="0"/>
+                <a:ea typeface="Open Sans" pitchFamily="2" charset="0"/>
+                <a:cs typeface="Open Sans" pitchFamily="2" charset="0"/>
+              </a:rPr>
+              <a:t>This project is composed of two main contributions:</a:t>
+            </a:r>
+          </a:p>
+          <a:p>
+            <a:pPr lvl="1"/>
+            <a:endParaRPr lang="en-GB" b="1" dirty="0">
+              <a:solidFill>
+                <a:srgbClr val="50D8AF"/>
+              </a:solidFill>
+              <a:latin typeface="Open Sans" pitchFamily="2" charset="0"/>
+              <a:ea typeface="Open Sans" pitchFamily="2" charset="0"/>
+              <a:cs typeface="Open Sans" pitchFamily="2" charset="0"/>
+            </a:endParaRPr>
+          </a:p>
+          <a:p>
+            <a:r>
+              <a:rPr lang="en-GB" dirty="0">
+                <a:solidFill>
+                  <a:srgbClr val="0C2E8A"/>
+                </a:solidFill>
+                <a:latin typeface="Open Sans" pitchFamily="2" charset="0"/>
+                <a:ea typeface="Open Sans" pitchFamily="2" charset="0"/>
+                <a:cs typeface="Open Sans" pitchFamily="2" charset="0"/>
+              </a:rPr>
+              <a:t>Digital news surveillance system</a:t>
+            </a:r>
+          </a:p>
+          <a:p>
+            <a:r>
+              <a:rPr lang="en-GB" b="1" dirty="0">
+                <a:solidFill>
+                  <a:srgbClr val="50D8AF"/>
+                </a:solidFill>
+                <a:latin typeface="Open Sans" pitchFamily="2" charset="0"/>
+                <a:ea typeface="Open Sans" pitchFamily="2" charset="0"/>
+                <a:cs typeface="Open Sans" pitchFamily="2" charset="0"/>
+              </a:rPr>
+              <a:t>Multilingual news article classification experiment</a:t>
+            </a:r>
+          </a:p>
+        </p:txBody>
+      </p:sp>
+    </p:spTree>
+    <p:extLst>
+      <p:ext uri="{BB962C8B-B14F-4D97-AF65-F5344CB8AC3E}">
+        <p14:creationId xmlns:p14="http://schemas.microsoft.com/office/powerpoint/2010/main" val="675692738"/>
+      </p:ext>
+    </p:extLst>
+  </p:cSld>
+  <p:clrMapOvr>
+    <a:masterClrMapping/>
+  </p:clrMapOvr>
+</p:sld>
+</file>
+
+<file path=ppt/slides/slide25.xml><?xml version="1.0" encoding="utf-8"?>
+<p:sld xmlns:a="http://schemas.openxmlformats.org/drawingml/2006/main" xmlns:r="http://schemas.openxmlformats.org/officeDocument/2006/relationships" xmlns:p="http://schemas.openxmlformats.org/presentationml/2006/main">
+  <p:cSld>
+    <p:spTree>
+      <p:nvGrpSpPr>
+        <p:cNvPr id="1" name=""/>
+        <p:cNvGrpSpPr/>
+        <p:nvPr/>
+      </p:nvGrpSpPr>
+      <p:grpSpPr>
+        <a:xfrm>
+          <a:off x="0" y="0"/>
+          <a:ext cx="0" cy="0"/>
+          <a:chOff x="0" y="0"/>
+          <a:chExt cx="0" cy="0"/>
+        </a:xfrm>
+      </p:grpSpPr>
+      <p:sp>
+        <p:nvSpPr>
+          <p:cNvPr id="2" name="Title 1">
+            <a:extLst>
+              <a:ext uri="{FF2B5EF4-FFF2-40B4-BE49-F238E27FC236}">
                 <a16:creationId xmlns:a16="http://schemas.microsoft.com/office/drawing/2014/main" id="{DE87398A-4FCF-9AC6-E0C0-0A71DA63DFD8}"/>
               </a:ext>
             </a:extLst>
@@ -9633,7 +9924,7 @@
                 <a:ea typeface="Open Sans" pitchFamily="2" charset="0"/>
                 <a:cs typeface="Open Sans" pitchFamily="2" charset="0"/>
               </a:rPr>
-              <a:t>Multilingual News Classification</a:t>
+              <a:t>Task definition</a:t>
             </a:r>
             <a:endParaRPr lang="en-GB" dirty="0"/>
           </a:p>
@@ -9661,6 +9952,17 @@
           <a:lstStyle/>
           <a:p>
             <a:r>
+              <a:rPr lang="en-GB" dirty="0">
+                <a:solidFill>
+                  <a:srgbClr val="0C2E8A"/>
+                </a:solidFill>
+                <a:latin typeface="Open Sans" pitchFamily="2" charset="0"/>
+                <a:ea typeface="Open Sans" pitchFamily="2" charset="0"/>
+                <a:cs typeface="Open Sans" pitchFamily="2" charset="0"/>
+              </a:rPr>
+              <a:t>Classify a news article in one of </a:t>
+            </a:r>
+            <a:r>
               <a:rPr lang="en-GB" b="1" dirty="0">
                 <a:solidFill>
                   <a:srgbClr val="50D8AF"/>
@@ -9687,10 +9989,20 @@
             </a:r>
           </a:p>
           <a:p>
-            <a:pPr marL="457200" lvl="1" indent="0">
+            <a:pPr marL="0" indent="0">
               <a:buNone/>
             </a:pPr>
-            <a:endParaRPr lang="en-GB" dirty="0">
+            <a:br>
+              <a:rPr lang="en-GB" sz="1800" dirty="0">
+                <a:solidFill>
+                  <a:srgbClr val="0C2E8A"/>
+                </a:solidFill>
+                <a:latin typeface="Open Sans" pitchFamily="2" charset="0"/>
+                <a:ea typeface="Open Sans" pitchFamily="2" charset="0"/>
+                <a:cs typeface="Open Sans" pitchFamily="2" charset="0"/>
+              </a:rPr>
+            </a:br>
+            <a:endParaRPr lang="en-GB" sz="1800" dirty="0">
               <a:solidFill>
                 <a:srgbClr val="0C2E8A"/>
               </a:solidFill>
@@ -9701,6 +10013,17 @@
           </a:p>
           <a:p>
             <a:r>
+              <a:rPr lang="en-GB" dirty="0">
+                <a:solidFill>
+                  <a:srgbClr val="0C2E8A"/>
+                </a:solidFill>
+                <a:latin typeface="Open Sans" pitchFamily="2" charset="0"/>
+                <a:ea typeface="Open Sans" pitchFamily="2" charset="0"/>
+                <a:cs typeface="Open Sans" pitchFamily="2" charset="0"/>
+              </a:rPr>
+              <a:t>Into one of 6 </a:t>
+            </a:r>
+            <a:r>
               <a:rPr lang="en-GB" b="1" dirty="0">
                 <a:solidFill>
                   <a:srgbClr val="50D8AF"/>
@@ -9709,7 +10032,7 @@
                 <a:ea typeface="Open Sans" pitchFamily="2" charset="0"/>
                 <a:cs typeface="Open Sans" pitchFamily="2" charset="0"/>
               </a:rPr>
-              <a:t>6 Categories</a:t>
+              <a:t>Categories</a:t>
             </a:r>
           </a:p>
           <a:p>
@@ -9756,8 +10079,8 @@
         </p:blipFill>
         <p:spPr>
           <a:xfrm>
-            <a:off x="3257546" y="4001294"/>
-            <a:ext cx="5676907" cy="2635620"/>
+            <a:off x="3348983" y="4211606"/>
+            <a:ext cx="5456686" cy="2533378"/>
           </a:xfrm>
           <a:prstGeom prst="rect">
             <a:avLst/>
@@ -10110,315 +10433,6 @@
 </p:sld>
 </file>
 
-<file path=ppt/slides/slide25.xml><?xml version="1.0" encoding="utf-8"?>
-<p:sld xmlns:a="http://schemas.openxmlformats.org/drawingml/2006/main" xmlns:r="http://schemas.openxmlformats.org/officeDocument/2006/relationships" xmlns:p="http://schemas.openxmlformats.org/presentationml/2006/main">
-  <p:cSld>
-    <p:spTree>
-      <p:nvGrpSpPr>
-        <p:cNvPr id="1" name=""/>
-        <p:cNvGrpSpPr/>
-        <p:nvPr/>
-      </p:nvGrpSpPr>
-      <p:grpSpPr>
-        <a:xfrm>
-          <a:off x="0" y="0"/>
-          <a:ext cx="0" cy="0"/>
-          <a:chOff x="0" y="0"/>
-          <a:chExt cx="0" cy="0"/>
-        </a:xfrm>
-      </p:grpSpPr>
-      <p:sp>
-        <p:nvSpPr>
-          <p:cNvPr id="2" name="Title 1">
-            <a:extLst>
-              <a:ext uri="{FF2B5EF4-FFF2-40B4-BE49-F238E27FC236}">
-                <a16:creationId xmlns:a16="http://schemas.microsoft.com/office/drawing/2014/main" id="{DEAE4C3F-285D-FA36-0590-292F30F27FC6}"/>
-              </a:ext>
-            </a:extLst>
-          </p:cNvPr>
-          <p:cNvSpPr>
-            <a:spLocks noGrp="1"/>
-          </p:cNvSpPr>
-          <p:nvPr>
-            <p:ph type="title"/>
-          </p:nvPr>
-        </p:nvSpPr>
-        <p:spPr/>
-        <p:txBody>
-          <a:bodyPr/>
-          <a:lstStyle/>
-          <a:p>
-            <a:r>
-              <a:rPr lang="en-GB" b="1" dirty="0">
-                <a:solidFill>
-                  <a:srgbClr val="0C2E8A"/>
-                </a:solidFill>
-                <a:latin typeface="Open Sans" pitchFamily="2" charset="0"/>
-                <a:ea typeface="Open Sans" pitchFamily="2" charset="0"/>
-                <a:cs typeface="Open Sans" pitchFamily="2" charset="0"/>
-              </a:rPr>
-              <a:t>Multilingual News Classification</a:t>
-            </a:r>
-          </a:p>
-        </p:txBody>
-      </p:sp>
-      <p:sp>
-        <p:nvSpPr>
-          <p:cNvPr id="3" name="Content Placeholder 2">
-            <a:extLst>
-              <a:ext uri="{FF2B5EF4-FFF2-40B4-BE49-F238E27FC236}">
-                <a16:creationId xmlns:a16="http://schemas.microsoft.com/office/drawing/2014/main" id="{8792089F-5997-F45A-DAF8-CCBBE566E4EC}"/>
-              </a:ext>
-            </a:extLst>
-          </p:cNvPr>
-          <p:cNvSpPr>
-            <a:spLocks noGrp="1"/>
-          </p:cNvSpPr>
-          <p:nvPr>
-            <p:ph idx="1"/>
-          </p:nvPr>
-        </p:nvSpPr>
-        <p:spPr/>
-        <p:txBody>
-          <a:bodyPr/>
-          <a:lstStyle/>
-          <a:p>
-            <a:r>
-              <a:rPr lang="en-GB" sz="2600" dirty="0">
-                <a:solidFill>
-                  <a:srgbClr val="0C2E8A"/>
-                </a:solidFill>
-                <a:latin typeface="Open Sans" pitchFamily="2" charset="0"/>
-                <a:ea typeface="Open Sans" pitchFamily="2" charset="0"/>
-                <a:cs typeface="Open Sans" pitchFamily="2" charset="0"/>
-              </a:rPr>
-              <a:t>How effective is </a:t>
-            </a:r>
-            <a:r>
-              <a:rPr lang="en-GB" sz="2600" b="1" dirty="0">
-                <a:solidFill>
-                  <a:srgbClr val="50D8AF"/>
-                </a:solidFill>
-                <a:latin typeface="Open Sans" pitchFamily="2" charset="0"/>
-                <a:ea typeface="Open Sans" pitchFamily="2" charset="0"/>
-                <a:cs typeface="Open Sans" pitchFamily="2" charset="0"/>
-              </a:rPr>
-              <a:t>machine translation </a:t>
-            </a:r>
-            <a:r>
-              <a:rPr lang="en-GB" sz="2600" dirty="0">
-                <a:solidFill>
-                  <a:srgbClr val="0C2E8A"/>
-                </a:solidFill>
-                <a:latin typeface="Open Sans" pitchFamily="2" charset="0"/>
-                <a:ea typeface="Open Sans" pitchFamily="2" charset="0"/>
-                <a:cs typeface="Open Sans" pitchFamily="2" charset="0"/>
-              </a:rPr>
-              <a:t>(…) as a method of </a:t>
-            </a:r>
-            <a:r>
-              <a:rPr lang="en-GB" sz="2600" b="1" dirty="0" err="1">
-                <a:solidFill>
-                  <a:srgbClr val="50D8AF"/>
-                </a:solidFill>
-                <a:latin typeface="Open Sans" pitchFamily="2" charset="0"/>
-                <a:ea typeface="Open Sans" pitchFamily="2" charset="0"/>
-                <a:cs typeface="Open Sans" pitchFamily="2" charset="0"/>
-              </a:rPr>
-              <a:t>upsampling</a:t>
-            </a:r>
-            <a:r>
-              <a:rPr lang="en-GB" sz="2600" dirty="0">
-                <a:solidFill>
-                  <a:srgbClr val="0C2E8A"/>
-                </a:solidFill>
-                <a:latin typeface="Open Sans" pitchFamily="2" charset="0"/>
-                <a:ea typeface="Open Sans" pitchFamily="2" charset="0"/>
-                <a:cs typeface="Open Sans" pitchFamily="2" charset="0"/>
-              </a:rPr>
-              <a:t> in (…) multilingual models?</a:t>
-            </a:r>
-          </a:p>
-          <a:p>
-            <a:pPr marL="0" indent="0">
-              <a:buNone/>
-            </a:pPr>
-            <a:endParaRPr lang="en-GB" sz="2600" dirty="0">
-              <a:solidFill>
-                <a:srgbClr val="0C2E8A"/>
-              </a:solidFill>
-              <a:latin typeface="Open Sans" pitchFamily="2" charset="0"/>
-              <a:ea typeface="Open Sans" pitchFamily="2" charset="0"/>
-              <a:cs typeface="Open Sans" pitchFamily="2" charset="0"/>
-            </a:endParaRPr>
-          </a:p>
-          <a:p>
-            <a:r>
-              <a:rPr lang="en-GB" sz="2600" dirty="0">
-                <a:solidFill>
-                  <a:srgbClr val="0C2E8A"/>
-                </a:solidFill>
-                <a:latin typeface="Open Sans" pitchFamily="2" charset="0"/>
-                <a:ea typeface="Open Sans" pitchFamily="2" charset="0"/>
-                <a:cs typeface="Open Sans" pitchFamily="2" charset="0"/>
-              </a:rPr>
-              <a:t>How effective are models </a:t>
-            </a:r>
-            <a:r>
-              <a:rPr lang="en-GB" sz="2600" b="1" dirty="0">
-                <a:solidFill>
-                  <a:srgbClr val="50D8AF"/>
-                </a:solidFill>
-                <a:latin typeface="Open Sans" pitchFamily="2" charset="0"/>
-                <a:ea typeface="Open Sans" pitchFamily="2" charset="0"/>
-                <a:cs typeface="Open Sans" pitchFamily="2" charset="0"/>
-              </a:rPr>
-              <a:t>trained on public data </a:t>
-            </a:r>
-            <a:r>
-              <a:rPr lang="en-GB" sz="2600" dirty="0">
-                <a:solidFill>
-                  <a:srgbClr val="0C2E8A"/>
-                </a:solidFill>
-                <a:latin typeface="Open Sans" pitchFamily="2" charset="0"/>
-                <a:ea typeface="Open Sans" pitchFamily="2" charset="0"/>
-                <a:cs typeface="Open Sans" pitchFamily="2" charset="0"/>
-              </a:rPr>
-              <a:t>(…) when used to </a:t>
-            </a:r>
-            <a:r>
-              <a:rPr lang="en-GB" sz="2600" b="1" dirty="0">
-                <a:solidFill>
-                  <a:srgbClr val="50D8AF"/>
-                </a:solidFill>
-                <a:latin typeface="Open Sans" pitchFamily="2" charset="0"/>
-                <a:ea typeface="Open Sans" pitchFamily="2" charset="0"/>
-                <a:cs typeface="Open Sans" pitchFamily="2" charset="0"/>
-              </a:rPr>
-              <a:t>classify collected news data </a:t>
-            </a:r>
-            <a:r>
-              <a:rPr lang="en-GB" sz="2600" dirty="0">
-                <a:solidFill>
-                  <a:srgbClr val="0C2E8A"/>
-                </a:solidFill>
-                <a:latin typeface="Open Sans" pitchFamily="2" charset="0"/>
-                <a:ea typeface="Open Sans" pitchFamily="2" charset="0"/>
-                <a:cs typeface="Open Sans" pitchFamily="2" charset="0"/>
-              </a:rPr>
-              <a:t>directly from sources(…)?</a:t>
-            </a:r>
-          </a:p>
-          <a:p>
-            <a:pPr marL="0" indent="0">
-              <a:buNone/>
-            </a:pPr>
-            <a:endParaRPr lang="en-GB" sz="2600" dirty="0">
-              <a:solidFill>
-                <a:srgbClr val="0C2E8A"/>
-              </a:solidFill>
-              <a:latin typeface="Open Sans" pitchFamily="2" charset="0"/>
-              <a:ea typeface="Open Sans" pitchFamily="2" charset="0"/>
-              <a:cs typeface="Open Sans" pitchFamily="2" charset="0"/>
-            </a:endParaRPr>
-          </a:p>
-          <a:p>
-            <a:pPr algn="l" rtl="0"/>
-            <a:r>
-              <a:rPr lang="en-GB" sz="2600" dirty="0">
-                <a:solidFill>
-                  <a:srgbClr val="0C2E8A"/>
-                </a:solidFill>
-                <a:effectLst/>
-                <a:latin typeface="Open Sans" pitchFamily="2" charset="0"/>
-                <a:ea typeface="Open Sans" pitchFamily="2" charset="0"/>
-                <a:cs typeface="Open Sans" pitchFamily="2" charset="0"/>
-              </a:rPr>
-              <a:t>What level of performance can be achieved by </a:t>
-            </a:r>
-            <a:r>
-              <a:rPr lang="en-GB" sz="2600" b="1" dirty="0">
-                <a:solidFill>
-                  <a:srgbClr val="50D8AF"/>
-                </a:solidFill>
-                <a:effectLst/>
-                <a:latin typeface="Open Sans" pitchFamily="2" charset="0"/>
-                <a:ea typeface="Open Sans" pitchFamily="2" charset="0"/>
-                <a:cs typeface="Open Sans" pitchFamily="2" charset="0"/>
-              </a:rPr>
-              <a:t>multilingual models</a:t>
-            </a:r>
-            <a:r>
-              <a:rPr lang="en-GB" sz="2600" dirty="0">
-                <a:solidFill>
-                  <a:srgbClr val="0C2E8A"/>
-                </a:solidFill>
-                <a:effectLst/>
-                <a:latin typeface="Open Sans" pitchFamily="2" charset="0"/>
-                <a:ea typeface="Open Sans" pitchFamily="2" charset="0"/>
-                <a:cs typeface="Open Sans" pitchFamily="2" charset="0"/>
-              </a:rPr>
-              <a:t> (…) on collected articles from </a:t>
-            </a:r>
-            <a:r>
-              <a:rPr lang="en-GB" sz="2600" b="1" dirty="0">
-                <a:solidFill>
-                  <a:srgbClr val="50D8AF"/>
-                </a:solidFill>
-                <a:effectLst/>
-                <a:latin typeface="Open Sans" pitchFamily="2" charset="0"/>
-                <a:ea typeface="Open Sans" pitchFamily="2" charset="0"/>
-                <a:cs typeface="Open Sans" pitchFamily="2" charset="0"/>
-              </a:rPr>
-              <a:t>(real-world) sources</a:t>
-            </a:r>
-            <a:r>
-              <a:rPr lang="en-GB" sz="2600" dirty="0">
-                <a:solidFill>
-                  <a:srgbClr val="0C2E8A"/>
-                </a:solidFill>
-                <a:effectLst/>
-                <a:latin typeface="Open Sans" pitchFamily="2" charset="0"/>
-                <a:ea typeface="Open Sans" pitchFamily="2" charset="0"/>
-                <a:cs typeface="Open Sans" pitchFamily="2" charset="0"/>
-              </a:rPr>
-              <a:t>(…)?</a:t>
-            </a:r>
-            <a:br>
-              <a:rPr lang="en-GB" sz="3200" b="0" i="0" dirty="0">
-                <a:solidFill>
-                  <a:srgbClr val="5D6879"/>
-                </a:solidFill>
-                <a:effectLst/>
-                <a:latin typeface="Open Sans" pitchFamily="2" charset="0"/>
-                <a:ea typeface="Open Sans" pitchFamily="2" charset="0"/>
-                <a:cs typeface="Open Sans" pitchFamily="2" charset="0"/>
-              </a:rPr>
-            </a:br>
-            <a:endParaRPr lang="en-GB" sz="3200" dirty="0">
-              <a:solidFill>
-                <a:srgbClr val="0C2E8A"/>
-              </a:solidFill>
-              <a:latin typeface="Open Sans" pitchFamily="2" charset="0"/>
-              <a:ea typeface="Open Sans" pitchFamily="2" charset="0"/>
-              <a:cs typeface="Open Sans" pitchFamily="2" charset="0"/>
-            </a:endParaRPr>
-          </a:p>
-        </p:txBody>
-      </p:sp>
-    </p:spTree>
-    <p:extLst>
-      <p:ext uri="{BB962C8B-B14F-4D97-AF65-F5344CB8AC3E}">
-        <p14:creationId xmlns:p14="http://schemas.microsoft.com/office/powerpoint/2010/main" val="2560330024"/>
-      </p:ext>
-    </p:extLst>
-  </p:cSld>
-  <p:clrMapOvr>
-    <a:masterClrMapping/>
-  </p:clrMapOvr>
-</p:sld>
-</file>
-
 <file path=ppt/slides/slide26.xml><?xml version="1.0" encoding="utf-8"?>
 <p:sld xmlns:a="http://schemas.openxmlformats.org/drawingml/2006/main" xmlns:r="http://schemas.openxmlformats.org/officeDocument/2006/relationships" xmlns:p="http://schemas.openxmlformats.org/presentationml/2006/main">
   <p:cSld>
@@ -10466,7 +10480,7 @@
                 <a:ea typeface="Open Sans" pitchFamily="2" charset="0"/>
                 <a:cs typeface="Open Sans" pitchFamily="2" charset="0"/>
               </a:rPr>
-              <a:t>Models</a:t>
+              <a:t>Multilingual News Classification</a:t>
             </a:r>
           </a:p>
         </p:txBody>
@@ -10493,104 +10507,66 @@
           <a:lstStyle/>
           <a:p>
             <a:r>
-              <a:rPr lang="en-GB" b="0" i="0" dirty="0">
-                <a:solidFill>
-                  <a:srgbClr val="0C2E8A"/>
-                </a:solidFill>
-                <a:effectLst/>
-                <a:latin typeface="Open Sans" pitchFamily="2" charset="0"/>
-                <a:ea typeface="Open Sans" pitchFamily="2" charset="0"/>
-                <a:cs typeface="Open Sans" pitchFamily="2" charset="0"/>
-              </a:rPr>
-              <a:t>Two state-of-th</a:t>
-            </a:r>
-            <a:r>
-              <a:rPr lang="en-GB" dirty="0">
-                <a:solidFill>
-                  <a:srgbClr val="0C2E8A"/>
-                </a:solidFill>
-                <a:latin typeface="Open Sans" pitchFamily="2" charset="0"/>
-                <a:ea typeface="Open Sans" pitchFamily="2" charset="0"/>
-                <a:cs typeface="Open Sans" pitchFamily="2" charset="0"/>
-              </a:rPr>
-              <a:t>e-art multilingual transformer models</a:t>
-            </a:r>
-          </a:p>
-          <a:p>
-            <a:pPr lvl="1"/>
-            <a:r>
-              <a:rPr lang="en-GB" sz="3200" b="1" i="0" dirty="0">
+              <a:rPr lang="en-GB" sz="2600" dirty="0">
+                <a:solidFill>
+                  <a:srgbClr val="0C2E8A"/>
+                </a:solidFill>
+                <a:latin typeface="Open Sans" pitchFamily="2" charset="0"/>
+                <a:ea typeface="Open Sans" pitchFamily="2" charset="0"/>
+                <a:cs typeface="Open Sans" pitchFamily="2" charset="0"/>
+              </a:rPr>
+              <a:t>How effective is </a:t>
+            </a:r>
+            <a:r>
+              <a:rPr lang="en-GB" sz="2600" b="1" dirty="0">
                 <a:solidFill>
                   <a:srgbClr val="50D8AF"/>
                 </a:solidFill>
-                <a:effectLst/>
-                <a:latin typeface="Open Sans" pitchFamily="2" charset="0"/>
-                <a:ea typeface="Open Sans" pitchFamily="2" charset="0"/>
-                <a:cs typeface="Open Sans" pitchFamily="2" charset="0"/>
-              </a:rPr>
-              <a:t>Multilingual BERT (</a:t>
-            </a:r>
-            <a:r>
-              <a:rPr lang="en-GB" sz="3200" b="1" i="0" dirty="0" err="1">
+                <a:latin typeface="Open Sans" pitchFamily="2" charset="0"/>
+                <a:ea typeface="Open Sans" pitchFamily="2" charset="0"/>
+                <a:cs typeface="Open Sans" pitchFamily="2" charset="0"/>
+              </a:rPr>
+              <a:t>machine translation </a:t>
+            </a:r>
+            <a:r>
+              <a:rPr lang="en-GB" sz="2600" dirty="0">
+                <a:solidFill>
+                  <a:srgbClr val="0C2E8A"/>
+                </a:solidFill>
+                <a:latin typeface="Open Sans" pitchFamily="2" charset="0"/>
+                <a:ea typeface="Open Sans" pitchFamily="2" charset="0"/>
+                <a:cs typeface="Open Sans" pitchFamily="2" charset="0"/>
+              </a:rPr>
+              <a:t>(…) as a method of </a:t>
+            </a:r>
+            <a:r>
+              <a:rPr lang="en-GB" sz="2600" b="1" dirty="0" err="1">
                 <a:solidFill>
                   <a:srgbClr val="50D8AF"/>
                 </a:solidFill>
-                <a:effectLst/>
-                <a:latin typeface="Open Sans" pitchFamily="2" charset="0"/>
-                <a:ea typeface="Open Sans" pitchFamily="2" charset="0"/>
-                <a:cs typeface="Open Sans" pitchFamily="2" charset="0"/>
-              </a:rPr>
-              <a:t>mBERT</a:t>
-            </a:r>
-            <a:r>
-              <a:rPr lang="en-GB" sz="3200" b="1" i="0" dirty="0">
-                <a:solidFill>
-                  <a:srgbClr val="50D8AF"/>
-                </a:solidFill>
-                <a:effectLst/>
-                <a:latin typeface="Open Sans" pitchFamily="2" charset="0"/>
-                <a:ea typeface="Open Sans" pitchFamily="2" charset="0"/>
-                <a:cs typeface="Open Sans" pitchFamily="2" charset="0"/>
-              </a:rPr>
-              <a:t>)</a:t>
-            </a:r>
-          </a:p>
-          <a:p>
-            <a:pPr lvl="1"/>
-            <a:r>
-              <a:rPr lang="en-GB" sz="3200" b="1" dirty="0">
-                <a:solidFill>
-                  <a:srgbClr val="50D8AF"/>
-                </a:solidFill>
-                <a:latin typeface="Open Sans" pitchFamily="2" charset="0"/>
-                <a:ea typeface="Open Sans" pitchFamily="2" charset="0"/>
-                <a:cs typeface="Open Sans" pitchFamily="2" charset="0"/>
-              </a:rPr>
-              <a:t>XLM-</a:t>
-            </a:r>
-            <a:r>
-              <a:rPr lang="en-GB" sz="3200" b="1" dirty="0" err="1">
-                <a:solidFill>
-                  <a:srgbClr val="50D8AF"/>
-                </a:solidFill>
-                <a:latin typeface="Open Sans" pitchFamily="2" charset="0"/>
-                <a:ea typeface="Open Sans" pitchFamily="2" charset="0"/>
-                <a:cs typeface="Open Sans" pitchFamily="2" charset="0"/>
-              </a:rPr>
-              <a:t>RoBERTa</a:t>
-            </a:r>
-            <a:br>
-              <a:rPr lang="en-GB" sz="2800" b="0" i="0" dirty="0">
-                <a:solidFill>
-                  <a:srgbClr val="5D6879"/>
-                </a:solidFill>
-                <a:effectLst/>
-                <a:latin typeface="Open Sans" pitchFamily="2" charset="0"/>
-                <a:ea typeface="Open Sans" pitchFamily="2" charset="0"/>
-                <a:cs typeface="Open Sans" pitchFamily="2" charset="0"/>
-              </a:rPr>
-            </a:br>
-            <a:endParaRPr lang="en-GB" sz="2800" dirty="0">
+                <a:latin typeface="Open Sans" pitchFamily="2" charset="0"/>
+                <a:ea typeface="Open Sans" pitchFamily="2" charset="0"/>
+                <a:cs typeface="Open Sans" pitchFamily="2" charset="0"/>
+              </a:rPr>
+              <a:t>upsampling</a:t>
+            </a:r>
+            <a:r>
+              <a:rPr lang="en-GB" sz="2600" dirty="0">
+                <a:solidFill>
+                  <a:srgbClr val="0C2E8A"/>
+                </a:solidFill>
+                <a:latin typeface="Open Sans" pitchFamily="2" charset="0"/>
+                <a:ea typeface="Open Sans" pitchFamily="2" charset="0"/>
+                <a:cs typeface="Open Sans" pitchFamily="2" charset="0"/>
+              </a:rPr>
+              <a:t> in (…) multilingual models?</a:t>
+            </a:r>
+          </a:p>
+          <a:p>
+            <a:pPr marL="0" indent="0">
+              <a:buNone/>
+            </a:pPr>
+            <a:endParaRPr lang="en-GB" sz="2600" dirty="0">
               <a:solidFill>
                 <a:srgbClr val="0C2E8A"/>
               </a:solidFill>
@@ -10599,12 +10575,164 @@
               <a:cs typeface="Open Sans" pitchFamily="2" charset="0"/>
             </a:endParaRPr>
           </a:p>
+          <a:p>
+            <a:r>
+              <a:rPr lang="en-GB" sz="2600" dirty="0">
+                <a:solidFill>
+                  <a:srgbClr val="0C2E8A"/>
+                </a:solidFill>
+                <a:latin typeface="Open Sans" pitchFamily="2" charset="0"/>
+                <a:ea typeface="Open Sans" pitchFamily="2" charset="0"/>
+                <a:cs typeface="Open Sans" pitchFamily="2" charset="0"/>
+              </a:rPr>
+              <a:t>How effective are models </a:t>
+            </a:r>
+            <a:r>
+              <a:rPr lang="en-GB" sz="2600" b="1" dirty="0">
+                <a:solidFill>
+                  <a:srgbClr val="50D8AF"/>
+                </a:solidFill>
+                <a:latin typeface="Open Sans" pitchFamily="2" charset="0"/>
+                <a:ea typeface="Open Sans" pitchFamily="2" charset="0"/>
+                <a:cs typeface="Open Sans" pitchFamily="2" charset="0"/>
+              </a:rPr>
+              <a:t>trained on public data </a:t>
+            </a:r>
+            <a:r>
+              <a:rPr lang="en-GB" sz="2600" dirty="0">
+                <a:solidFill>
+                  <a:srgbClr val="0C2E8A"/>
+                </a:solidFill>
+                <a:latin typeface="Open Sans" pitchFamily="2" charset="0"/>
+                <a:ea typeface="Open Sans" pitchFamily="2" charset="0"/>
+                <a:cs typeface="Open Sans" pitchFamily="2" charset="0"/>
+              </a:rPr>
+              <a:t>(…) when used to </a:t>
+            </a:r>
+            <a:r>
+              <a:rPr lang="en-GB" sz="2600" b="1" dirty="0">
+                <a:solidFill>
+                  <a:srgbClr val="50D8AF"/>
+                </a:solidFill>
+                <a:latin typeface="Open Sans" pitchFamily="2" charset="0"/>
+                <a:ea typeface="Open Sans" pitchFamily="2" charset="0"/>
+                <a:cs typeface="Open Sans" pitchFamily="2" charset="0"/>
+              </a:rPr>
+              <a:t>classify collected news data </a:t>
+            </a:r>
+            <a:r>
+              <a:rPr lang="en-GB" sz="2600" dirty="0">
+                <a:solidFill>
+                  <a:srgbClr val="0C2E8A"/>
+                </a:solidFill>
+                <a:latin typeface="Open Sans" pitchFamily="2" charset="0"/>
+                <a:ea typeface="Open Sans" pitchFamily="2" charset="0"/>
+                <a:cs typeface="Open Sans" pitchFamily="2" charset="0"/>
+              </a:rPr>
+              <a:t>directly from (real-world) sources(…)?</a:t>
+            </a:r>
+          </a:p>
+          <a:p>
+            <a:pPr marL="0" indent="0">
+              <a:buNone/>
+            </a:pPr>
+            <a:endParaRPr lang="en-GB" sz="2600" dirty="0">
+              <a:solidFill>
+                <a:srgbClr val="0C2E8A"/>
+              </a:solidFill>
+              <a:latin typeface="Open Sans" pitchFamily="2" charset="0"/>
+              <a:ea typeface="Open Sans" pitchFamily="2" charset="0"/>
+              <a:cs typeface="Open Sans" pitchFamily="2" charset="0"/>
+            </a:endParaRPr>
+          </a:p>
+          <a:p>
+            <a:pPr algn="l" rtl="0"/>
+            <a:r>
+              <a:rPr lang="en-GB" sz="2600" dirty="0">
+                <a:solidFill>
+                  <a:srgbClr val="0C2E8A"/>
+                </a:solidFill>
+                <a:effectLst/>
+                <a:latin typeface="Open Sans" pitchFamily="2" charset="0"/>
+                <a:ea typeface="Open Sans" pitchFamily="2" charset="0"/>
+                <a:cs typeface="Open Sans" pitchFamily="2" charset="0"/>
+              </a:rPr>
+              <a:t>What level of performance can be achieved by </a:t>
+            </a:r>
+            <a:r>
+              <a:rPr lang="en-GB" sz="2600" b="1" dirty="0">
+                <a:solidFill>
+                  <a:srgbClr val="50D8AF"/>
+                </a:solidFill>
+                <a:effectLst/>
+                <a:latin typeface="Open Sans" pitchFamily="2" charset="0"/>
+                <a:ea typeface="Open Sans" pitchFamily="2" charset="0"/>
+                <a:cs typeface="Open Sans" pitchFamily="2" charset="0"/>
+              </a:rPr>
+              <a:t>multilingual models</a:t>
+            </a:r>
+            <a:r>
+              <a:rPr lang="en-GB" sz="2600" dirty="0">
+                <a:solidFill>
+                  <a:srgbClr val="0C2E8A"/>
+                </a:solidFill>
+                <a:effectLst/>
+                <a:latin typeface="Open Sans" pitchFamily="2" charset="0"/>
+                <a:ea typeface="Open Sans" pitchFamily="2" charset="0"/>
+                <a:cs typeface="Open Sans" pitchFamily="2" charset="0"/>
+              </a:rPr>
+              <a:t> (…) on collected articles from </a:t>
+            </a:r>
+            <a:r>
+              <a:rPr lang="en-GB" sz="2600" b="1" dirty="0">
+                <a:solidFill>
+                  <a:srgbClr val="50D8AF"/>
+                </a:solidFill>
+                <a:effectLst/>
+                <a:latin typeface="Open Sans" pitchFamily="2" charset="0"/>
+                <a:ea typeface="Open Sans" pitchFamily="2" charset="0"/>
+                <a:cs typeface="Open Sans" pitchFamily="2" charset="0"/>
+              </a:rPr>
+              <a:t>(real-world) sources</a:t>
+            </a:r>
+            <a:r>
+              <a:rPr lang="en-GB" sz="2600" dirty="0">
+                <a:solidFill>
+                  <a:srgbClr val="0C2E8A"/>
+                </a:solidFill>
+                <a:effectLst/>
+                <a:latin typeface="Open Sans" pitchFamily="2" charset="0"/>
+                <a:ea typeface="Open Sans" pitchFamily="2" charset="0"/>
+                <a:cs typeface="Open Sans" pitchFamily="2" charset="0"/>
+              </a:rPr>
+              <a:t>(…)?</a:t>
+            </a:r>
+            <a:br>
+              <a:rPr lang="en-GB" sz="3200" b="0" i="0" dirty="0">
+                <a:solidFill>
+                  <a:srgbClr val="5D6879"/>
+                </a:solidFill>
+                <a:effectLst/>
+                <a:latin typeface="Open Sans" pitchFamily="2" charset="0"/>
+                <a:ea typeface="Open Sans" pitchFamily="2" charset="0"/>
+                <a:cs typeface="Open Sans" pitchFamily="2" charset="0"/>
+              </a:rPr>
+            </a:br>
+            <a:endParaRPr lang="en-GB" sz="3200" dirty="0">
+              <a:solidFill>
+                <a:srgbClr val="0C2E8A"/>
+              </a:solidFill>
+              <a:latin typeface="Open Sans" pitchFamily="2" charset="0"/>
+              <a:ea typeface="Open Sans" pitchFamily="2" charset="0"/>
+              <a:cs typeface="Open Sans" pitchFamily="2" charset="0"/>
+            </a:endParaRPr>
+          </a:p>
         </p:txBody>
       </p:sp>
     </p:spTree>
     <p:extLst>
       <p:ext uri="{BB962C8B-B14F-4D97-AF65-F5344CB8AC3E}">
-        <p14:creationId xmlns:p14="http://schemas.microsoft.com/office/powerpoint/2010/main" val="1595268513"/>
+        <p14:creationId xmlns:p14="http://schemas.microsoft.com/office/powerpoint/2010/main" val="2560330024"/>
       </p:ext>
     </p:extLst>
   </p:cSld>
@@ -10631,42 +10759,6 @@
           <a:chExt cx="0" cy="0"/>
         </a:xfrm>
       </p:grpSpPr>
-      <p:pic>
-        <p:nvPicPr>
-          <p:cNvPr id="7" name="Picture 6" descr="Chart, pie chart&#10;&#10;Description automatically generated">
-            <a:extLst>
-              <a:ext uri="{FF2B5EF4-FFF2-40B4-BE49-F238E27FC236}">
-                <a16:creationId xmlns:a16="http://schemas.microsoft.com/office/drawing/2014/main" id="{264E3B67-19C5-3177-6A77-80C60A29A404}"/>
-              </a:ext>
-            </a:extLst>
-          </p:cNvPr>
-          <p:cNvPicPr>
-            <a:picLocks noChangeAspect="1"/>
-          </p:cNvPicPr>
-          <p:nvPr/>
-        </p:nvPicPr>
-        <p:blipFill>
-          <a:blip r:embed="rId3">
-            <a:extLst>
-              <a:ext uri="{28A0092B-C50C-407E-A947-70E740481C1C}">
-                <a14:useLocalDpi xmlns:a14="http://schemas.microsoft.com/office/drawing/2010/main" val="0"/>
-              </a:ext>
-            </a:extLst>
-          </a:blip>
-          <a:stretch>
-            <a:fillRect/>
-          </a:stretch>
-        </p:blipFill>
-        <p:spPr>
-          <a:xfrm>
-            <a:off x="3264004" y="2786502"/>
-            <a:ext cx="5663992" cy="4247994"/>
-          </a:xfrm>
-          <a:prstGeom prst="rect">
-            <a:avLst/>
-          </a:prstGeom>
-        </p:spPr>
-      </p:pic>
       <p:sp>
         <p:nvSpPr>
           <p:cNvPr id="2" name="Title 1">
@@ -10697,7 +10789,7 @@
                 <a:ea typeface="Open Sans" pitchFamily="2" charset="0"/>
                 <a:cs typeface="Open Sans" pitchFamily="2" charset="0"/>
               </a:rPr>
-              <a:t>Public Dataset</a:t>
+              <a:t>Models</a:t>
             </a:r>
           </a:p>
         </p:txBody>
@@ -10724,7 +10816,7 @@
           <a:lstStyle/>
           <a:p>
             <a:r>
-              <a:rPr lang="en-GB" sz="2600" b="0" i="0" dirty="0">
+              <a:rPr lang="en-GB" b="0" i="0" dirty="0">
                 <a:solidFill>
                   <a:srgbClr val="0C2E8A"/>
                 </a:solidFill>
@@ -10733,34 +10825,48 @@
                 <a:ea typeface="Open Sans" pitchFamily="2" charset="0"/>
                 <a:cs typeface="Open Sans" pitchFamily="2" charset="0"/>
               </a:rPr>
-              <a:t>From </a:t>
-            </a:r>
-            <a:r>
-              <a:rPr lang="en-GB" sz="2600" b="0" i="0" dirty="0" err="1">
-                <a:solidFill>
-                  <a:srgbClr val="0C2E8A"/>
+              <a:t>Two state-of-th</a:t>
+            </a:r>
+            <a:r>
+              <a:rPr lang="en-GB" dirty="0">
+                <a:solidFill>
+                  <a:srgbClr val="0C2E8A"/>
+                </a:solidFill>
+                <a:latin typeface="Open Sans" pitchFamily="2" charset="0"/>
+                <a:ea typeface="Open Sans" pitchFamily="2" charset="0"/>
+                <a:cs typeface="Open Sans" pitchFamily="2" charset="0"/>
+              </a:rPr>
+              <a:t>e-art multilingual transformer models</a:t>
+            </a:r>
+          </a:p>
+          <a:p>
+            <a:pPr lvl="1"/>
+            <a:r>
+              <a:rPr lang="en-GB" sz="3200" b="1" i="0" dirty="0">
+                <a:solidFill>
+                  <a:srgbClr val="50D8AF"/>
                 </a:solidFill>
                 <a:effectLst/>
                 <a:latin typeface="Open Sans" pitchFamily="2" charset="0"/>
                 <a:ea typeface="Open Sans" pitchFamily="2" charset="0"/>
                 <a:cs typeface="Open Sans" pitchFamily="2" charset="0"/>
               </a:rPr>
-              <a:t>Huggingface</a:t>
-            </a:r>
-            <a:r>
-              <a:rPr lang="en-GB" sz="2600" b="0" i="0" dirty="0">
-                <a:solidFill>
-                  <a:srgbClr val="0C2E8A"/>
+              <a:t>Multilingual BERT (</a:t>
+            </a:r>
+            <a:r>
+              <a:rPr lang="en-GB" sz="3200" b="1" i="0" dirty="0" err="1">
+                <a:solidFill>
+                  <a:srgbClr val="50D8AF"/>
                 </a:solidFill>
                 <a:effectLst/>
                 <a:latin typeface="Open Sans" pitchFamily="2" charset="0"/>
                 <a:ea typeface="Open Sans" pitchFamily="2" charset="0"/>
                 <a:cs typeface="Open Sans" pitchFamily="2" charset="0"/>
               </a:rPr>
-              <a:t> hub, </a:t>
-            </a:r>
-            <a:r>
-              <a:rPr lang="en-GB" sz="2600" b="1" i="0" dirty="0">
+              <a:t>mBERT</a:t>
+            </a:r>
+            <a:r>
+              <a:rPr lang="en-GB" sz="3200" b="1" i="0" dirty="0">
                 <a:solidFill>
                   <a:srgbClr val="50D8AF"/>
                 </a:solidFill>
@@ -10769,24 +10875,13 @@
                 <a:ea typeface="Open Sans" pitchFamily="2" charset="0"/>
                 <a:cs typeface="Open Sans" pitchFamily="2" charset="0"/>
               </a:rPr>
-              <a:t>3,147 documents</a:t>
+              <a:t>)</a:t>
             </a:r>
           </a:p>
           <a:p>
             <a:pPr lvl="1"/>
             <a:r>
-              <a:rPr lang="en-GB" dirty="0">
-                <a:solidFill>
-                  <a:srgbClr val="0C2E8A"/>
-                </a:solidFill>
-                <a:latin typeface="Open Sans" pitchFamily="2" charset="0"/>
-                <a:ea typeface="Open Sans" pitchFamily="2" charset="0"/>
-                <a:cs typeface="Open Sans" pitchFamily="2" charset="0"/>
-              </a:rPr>
-              <a:t>Translated into all 6 languages </a:t>
-            </a:r>
-            <a:r>
-              <a:rPr lang="en-GB" b="1" dirty="0">
+              <a:rPr lang="en-GB" sz="3200" b="1" dirty="0">
                 <a:solidFill>
                   <a:srgbClr val="50D8AF"/>
                 </a:solidFill>
@@ -10794,9 +10889,31 @@
                 <a:ea typeface="Open Sans" pitchFamily="2" charset="0"/>
                 <a:cs typeface="Open Sans" pitchFamily="2" charset="0"/>
               </a:rPr>
-              <a:t>(18,882 documents)</a:t>
-            </a:r>
-            <a:endParaRPr lang="en-GB" dirty="0">
+              <a:t>XLM-</a:t>
+            </a:r>
+            <a:r>
+              <a:rPr lang="en-GB" sz="3200" b="1" dirty="0" err="1">
+                <a:solidFill>
+                  <a:srgbClr val="50D8AF"/>
+                </a:solidFill>
+                <a:latin typeface="Open Sans" pitchFamily="2" charset="0"/>
+                <a:ea typeface="Open Sans" pitchFamily="2" charset="0"/>
+                <a:cs typeface="Open Sans" pitchFamily="2" charset="0"/>
+              </a:rPr>
+              <a:t>RoBERTa</a:t>
+            </a:r>
+            <a:br>
+              <a:rPr lang="en-GB" sz="2800" b="0" i="0" dirty="0">
+                <a:solidFill>
+                  <a:srgbClr val="5D6879"/>
+                </a:solidFill>
+                <a:effectLst/>
+                <a:latin typeface="Open Sans" pitchFamily="2" charset="0"/>
+                <a:ea typeface="Open Sans" pitchFamily="2" charset="0"/>
+                <a:cs typeface="Open Sans" pitchFamily="2" charset="0"/>
+              </a:rPr>
+            </a:br>
+            <a:endParaRPr lang="en-GB" sz="2800" dirty="0">
               <a:solidFill>
                 <a:srgbClr val="0C2E8A"/>
               </a:solidFill>
@@ -10810,7 +10927,7 @@
     </p:spTree>
     <p:extLst>
       <p:ext uri="{BB962C8B-B14F-4D97-AF65-F5344CB8AC3E}">
-        <p14:creationId xmlns:p14="http://schemas.microsoft.com/office/powerpoint/2010/main" val="4062395508"/>
+        <p14:creationId xmlns:p14="http://schemas.microsoft.com/office/powerpoint/2010/main" val="1595268513"/>
       </p:ext>
     </p:extLst>
   </p:cSld>
@@ -10839,10 +10956,10 @@
       </p:grpSpPr>
       <p:pic>
         <p:nvPicPr>
-          <p:cNvPr id="5" name="Picture 4" descr="Chart, pie chart&#10;&#10;Description automatically generated">
-            <a:extLst>
-              <a:ext uri="{FF2B5EF4-FFF2-40B4-BE49-F238E27FC236}">
-                <a16:creationId xmlns:a16="http://schemas.microsoft.com/office/drawing/2014/main" id="{063BC5E6-C495-05FB-C8A9-25A4E4843817}"/>
+          <p:cNvPr id="7" name="Picture 6" descr="Chart, pie chart&#10;&#10;Description automatically generated">
+            <a:extLst>
+              <a:ext uri="{FF2B5EF4-FFF2-40B4-BE49-F238E27FC236}">
+                <a16:creationId xmlns:a16="http://schemas.microsoft.com/office/drawing/2014/main" id="{264E3B67-19C5-3177-6A77-80C60A29A404}"/>
               </a:ext>
             </a:extLst>
           </p:cNvPr>
@@ -10865,8 +10982,8 @@
         </p:blipFill>
         <p:spPr>
           <a:xfrm>
-            <a:off x="2282951" y="3026664"/>
-            <a:ext cx="8287513" cy="4143757"/>
+            <a:off x="3264004" y="2786502"/>
+            <a:ext cx="5663992" cy="4247994"/>
           </a:xfrm>
           <a:prstGeom prst="rect">
             <a:avLst/>
@@ -10903,7 +11020,7 @@
                 <a:ea typeface="Open Sans" pitchFamily="2" charset="0"/>
                 <a:cs typeface="Open Sans" pitchFamily="2" charset="0"/>
               </a:rPr>
-              <a:t>Real-world Dataset</a:t>
+              <a:t>Public Dataset</a:t>
             </a:r>
           </a:p>
         </p:txBody>
@@ -10939,7 +11056,43 @@
                 <a:ea typeface="Open Sans" pitchFamily="2" charset="0"/>
                 <a:cs typeface="Open Sans" pitchFamily="2" charset="0"/>
               </a:rPr>
-              <a:t>Collected from real-world sources of each language</a:t>
+              <a:t>From </a:t>
+            </a:r>
+            <a:r>
+              <a:rPr lang="en-GB" sz="2600" b="0" i="0" dirty="0" err="1">
+                <a:solidFill>
+                  <a:srgbClr val="0C2E8A"/>
+                </a:solidFill>
+                <a:effectLst/>
+                <a:latin typeface="Open Sans" pitchFamily="2" charset="0"/>
+                <a:ea typeface="Open Sans" pitchFamily="2" charset="0"/>
+                <a:cs typeface="Open Sans" pitchFamily="2" charset="0"/>
+              </a:rPr>
+              <a:t>Huggingface</a:t>
+            </a:r>
+            <a:r>
+              <a:rPr lang="en-GB" sz="2600" b="0" i="0" dirty="0">
+                <a:solidFill>
+                  <a:srgbClr val="0C2E8A"/>
+                </a:solidFill>
+                <a:effectLst/>
+                <a:latin typeface="Open Sans" pitchFamily="2" charset="0"/>
+                <a:ea typeface="Open Sans" pitchFamily="2" charset="0"/>
+                <a:cs typeface="Open Sans" pitchFamily="2" charset="0"/>
+              </a:rPr>
+              <a:t> hub, </a:t>
+            </a:r>
+            <a:r>
+              <a:rPr lang="en-GB" sz="2600" b="1" i="0" dirty="0">
+                <a:solidFill>
+                  <a:srgbClr val="50D8AF"/>
+                </a:solidFill>
+                <a:effectLst/>
+                <a:latin typeface="Open Sans" pitchFamily="2" charset="0"/>
+                <a:ea typeface="Open Sans" pitchFamily="2" charset="0"/>
+                <a:cs typeface="Open Sans" pitchFamily="2" charset="0"/>
+              </a:rPr>
+              <a:t>3,147 documents</a:t>
             </a:r>
           </a:p>
           <a:p>
@@ -10953,33 +11106,19 @@
                 <a:ea typeface="Open Sans" pitchFamily="2" charset="0"/>
                 <a:cs typeface="Open Sans" pitchFamily="2" charset="0"/>
               </a:rPr>
-              <a:t>Self-categorised by URL and RSS feed</a:t>
-            </a:r>
-          </a:p>
-          <a:p>
-            <a:r>
-              <a:rPr lang="en-GB" b="1" i="0" dirty="0">
+              <a:t>Translated into all 6 languages </a:t>
+            </a:r>
+            <a:r>
+              <a:rPr lang="en-GB" b="1" dirty="0">
                 <a:solidFill>
                   <a:srgbClr val="50D8AF"/>
                 </a:solidFill>
-                <a:effectLst/>
-                <a:latin typeface="Open Sans" pitchFamily="2" charset="0"/>
-                <a:ea typeface="Open Sans" pitchFamily="2" charset="0"/>
-                <a:cs typeface="Open Sans" pitchFamily="2" charset="0"/>
-              </a:rPr>
-              <a:t>12,846 Documents</a:t>
-            </a:r>
-            <a:br>
-              <a:rPr lang="en-GB" b="0" i="0" dirty="0">
-                <a:solidFill>
-                  <a:srgbClr val="5D6879"/>
-                </a:solidFill>
-                <a:effectLst/>
-                <a:latin typeface="Open Sans" pitchFamily="2" charset="0"/>
-                <a:ea typeface="Open Sans" pitchFamily="2" charset="0"/>
-                <a:cs typeface="Open Sans" pitchFamily="2" charset="0"/>
-              </a:rPr>
-            </a:br>
+                <a:latin typeface="Open Sans" pitchFamily="2" charset="0"/>
+                <a:ea typeface="Open Sans" pitchFamily="2" charset="0"/>
+                <a:cs typeface="Open Sans" pitchFamily="2" charset="0"/>
+              </a:rPr>
+              <a:t>(18,882 documents)</a:t>
+            </a:r>
             <a:endParaRPr lang="en-GB" dirty="0">
               <a:solidFill>
                 <a:srgbClr val="0C2E8A"/>
@@ -10994,7 +11133,7 @@
     </p:spTree>
     <p:extLst>
       <p:ext uri="{BB962C8B-B14F-4D97-AF65-F5344CB8AC3E}">
-        <p14:creationId xmlns:p14="http://schemas.microsoft.com/office/powerpoint/2010/main" val="3807100866"/>
+        <p14:creationId xmlns:p14="http://schemas.microsoft.com/office/powerpoint/2010/main" val="4062395508"/>
       </p:ext>
     </p:extLst>
   </p:cSld>
@@ -11021,6 +11160,42 @@
           <a:chExt cx="0" cy="0"/>
         </a:xfrm>
       </p:grpSpPr>
+      <p:pic>
+        <p:nvPicPr>
+          <p:cNvPr id="5" name="Picture 4" descr="Chart, pie chart&#10;&#10;Description automatically generated">
+            <a:extLst>
+              <a:ext uri="{FF2B5EF4-FFF2-40B4-BE49-F238E27FC236}">
+                <a16:creationId xmlns:a16="http://schemas.microsoft.com/office/drawing/2014/main" id="{063BC5E6-C495-05FB-C8A9-25A4E4843817}"/>
+              </a:ext>
+            </a:extLst>
+          </p:cNvPr>
+          <p:cNvPicPr>
+            <a:picLocks noChangeAspect="1"/>
+          </p:cNvPicPr>
+          <p:nvPr/>
+        </p:nvPicPr>
+        <p:blipFill>
+          <a:blip r:embed="rId3">
+            <a:extLst>
+              <a:ext uri="{28A0092B-C50C-407E-A947-70E740481C1C}">
+                <a14:useLocalDpi xmlns:a14="http://schemas.microsoft.com/office/drawing/2010/main" val="0"/>
+              </a:ext>
+            </a:extLst>
+          </a:blip>
+          <a:stretch>
+            <a:fillRect/>
+          </a:stretch>
+        </p:blipFill>
+        <p:spPr>
+          <a:xfrm>
+            <a:off x="2282951" y="3026664"/>
+            <a:ext cx="8287513" cy="4143757"/>
+          </a:xfrm>
+          <a:prstGeom prst="rect">
+            <a:avLst/>
+          </a:prstGeom>
+        </p:spPr>
+      </p:pic>
       <p:sp>
         <p:nvSpPr>
           <p:cNvPr id="2" name="Title 1">
@@ -11051,27 +11226,8 @@
                 <a:ea typeface="Open Sans" pitchFamily="2" charset="0"/>
                 <a:cs typeface="Open Sans" pitchFamily="2" charset="0"/>
               </a:rPr>
-              <a:t>Effectiveness of </a:t>
-            </a:r>
-            <a:r>
-              <a:rPr lang="en-GB" b="1" dirty="0" err="1">
-                <a:solidFill>
-                  <a:srgbClr val="0C2E8A"/>
-                </a:solidFill>
-                <a:latin typeface="Open Sans" pitchFamily="2" charset="0"/>
-                <a:ea typeface="Open Sans" pitchFamily="2" charset="0"/>
-                <a:cs typeface="Open Sans" pitchFamily="2" charset="0"/>
-              </a:rPr>
-              <a:t>Upsampling</a:t>
-            </a:r>
-            <a:endParaRPr lang="en-GB" b="1" dirty="0">
-              <a:solidFill>
-                <a:srgbClr val="0C2E8A"/>
-              </a:solidFill>
-              <a:latin typeface="Open Sans" pitchFamily="2" charset="0"/>
-              <a:ea typeface="Open Sans" pitchFamily="2" charset="0"/>
-              <a:cs typeface="Open Sans" pitchFamily="2" charset="0"/>
-            </a:endParaRPr>
+              <a:t>Real-world Dataset</a:t>
+            </a:r>
           </a:p>
         </p:txBody>
       </p:sp>
@@ -11093,9 +11249,7 @@
         </p:nvSpPr>
         <p:spPr/>
         <p:txBody>
-          <a:bodyPr>
-            <a:normAutofit/>
-          </a:bodyPr>
+          <a:bodyPr/>
           <a:lstStyle/>
           <a:p>
             <a:r>
@@ -11108,69 +11262,36 @@
                 <a:ea typeface="Open Sans" pitchFamily="2" charset="0"/>
                 <a:cs typeface="Open Sans" pitchFamily="2" charset="0"/>
               </a:rPr>
-              <a:t>Trained and tested models on English only public data, then on multilingual public data.</a:t>
-            </a:r>
-          </a:p>
-          <a:p>
-            <a:endParaRPr lang="en-GB" sz="2600" b="0" i="0" dirty="0">
-              <a:solidFill>
-                <a:srgbClr val="0C2E8A"/>
-              </a:solidFill>
-              <a:effectLst/>
-              <a:latin typeface="Open Sans" pitchFamily="2" charset="0"/>
-              <a:ea typeface="Open Sans" pitchFamily="2" charset="0"/>
-              <a:cs typeface="Open Sans" pitchFamily="2" charset="0"/>
-            </a:endParaRPr>
-          </a:p>
-          <a:p>
-            <a:endParaRPr lang="en-GB" sz="2600" dirty="0">
-              <a:solidFill>
-                <a:srgbClr val="0C2E8A"/>
-              </a:solidFill>
-              <a:latin typeface="Open Sans" pitchFamily="2" charset="0"/>
-              <a:ea typeface="Open Sans" pitchFamily="2" charset="0"/>
-              <a:cs typeface="Open Sans" pitchFamily="2" charset="0"/>
-            </a:endParaRPr>
-          </a:p>
-          <a:p>
-            <a:endParaRPr lang="en-GB" sz="2600" b="0" i="0" dirty="0">
-              <a:solidFill>
-                <a:srgbClr val="0C2E8A"/>
-              </a:solidFill>
-              <a:effectLst/>
-              <a:latin typeface="Open Sans" pitchFamily="2" charset="0"/>
-              <a:ea typeface="Open Sans" pitchFamily="2" charset="0"/>
-              <a:cs typeface="Open Sans" pitchFamily="2" charset="0"/>
-            </a:endParaRPr>
-          </a:p>
-          <a:p>
-            <a:endParaRPr lang="en-GB" sz="2600" dirty="0">
-              <a:solidFill>
-                <a:srgbClr val="0C2E8A"/>
-              </a:solidFill>
-              <a:latin typeface="Open Sans" pitchFamily="2" charset="0"/>
-              <a:ea typeface="Open Sans" pitchFamily="2" charset="0"/>
-              <a:cs typeface="Open Sans" pitchFamily="2" charset="0"/>
-            </a:endParaRPr>
-          </a:p>
-          <a:p>
-            <a:r>
-              <a:rPr lang="en-GB" sz="2600" b="0" i="0" dirty="0">
-                <a:solidFill>
-                  <a:srgbClr val="0C2E8A"/>
+              <a:t>Collected from real-world sources of each language</a:t>
+            </a:r>
+          </a:p>
+          <a:p>
+            <a:pPr lvl="1"/>
+            <a:r>
+              <a:rPr lang="en-GB" dirty="0">
+                <a:solidFill>
+                  <a:srgbClr val="0C2E8A"/>
+                </a:solidFill>
+                <a:latin typeface="Open Sans" pitchFamily="2" charset="0"/>
+                <a:ea typeface="Open Sans" pitchFamily="2" charset="0"/>
+                <a:cs typeface="Open Sans" pitchFamily="2" charset="0"/>
+              </a:rPr>
+              <a:t>Self-categorised by URL and RSS feed</a:t>
+            </a:r>
+          </a:p>
+          <a:p>
+            <a:r>
+              <a:rPr lang="en-GB" b="1" i="0" dirty="0">
+                <a:solidFill>
+                  <a:srgbClr val="50D8AF"/>
                 </a:solidFill>
                 <a:effectLst/>
                 <a:latin typeface="Open Sans" pitchFamily="2" charset="0"/>
                 <a:ea typeface="Open Sans" pitchFamily="2" charset="0"/>
                 <a:cs typeface="Open Sans" pitchFamily="2" charset="0"/>
               </a:rPr>
-              <a:t>Improved performance on multilingual dataset</a:t>
-            </a:r>
-          </a:p>
-          <a:p>
-            <a:pPr marL="0" indent="0">
-              <a:buNone/>
-            </a:pPr>
+              <a:t>12,846 Documents</a:t>
+            </a:r>
             <a:br>
               <a:rPr lang="en-GB" b="0" i="0" dirty="0">
                 <a:solidFill>
@@ -11193,40 +11314,10 @@
           </a:p>
         </p:txBody>
       </p:sp>
-      <p:pic>
-        <p:nvPicPr>
-          <p:cNvPr id="6" name="Picture 5">
-            <a:extLst>
-              <a:ext uri="{FF2B5EF4-FFF2-40B4-BE49-F238E27FC236}">
-                <a16:creationId xmlns:a16="http://schemas.microsoft.com/office/drawing/2014/main" id="{C260C31B-7E84-C353-3FC3-807A490FE61E}"/>
-              </a:ext>
-            </a:extLst>
-          </p:cNvPr>
-          <p:cNvPicPr>
-            <a:picLocks noChangeAspect="1"/>
-          </p:cNvPicPr>
-          <p:nvPr/>
-        </p:nvPicPr>
-        <p:blipFill>
-          <a:blip r:embed="rId3"/>
-          <a:stretch>
-            <a:fillRect/>
-          </a:stretch>
-        </p:blipFill>
-        <p:spPr>
-          <a:xfrm>
-            <a:off x="838200" y="2867745"/>
-            <a:ext cx="10384076" cy="1450505"/>
-          </a:xfrm>
-          <a:prstGeom prst="rect">
-            <a:avLst/>
-          </a:prstGeom>
-        </p:spPr>
-      </p:pic>
     </p:spTree>
     <p:extLst>
       <p:ext uri="{BB962C8B-B14F-4D97-AF65-F5344CB8AC3E}">
-        <p14:creationId xmlns:p14="http://schemas.microsoft.com/office/powerpoint/2010/main" val="2408730193"/>
+        <p14:creationId xmlns:p14="http://schemas.microsoft.com/office/powerpoint/2010/main" val="3807100866"/>
       </p:ext>
     </p:extLst>
   </p:cSld>
@@ -11430,6 +11521,238 @@
                 <a:ea typeface="Open Sans" pitchFamily="2" charset="0"/>
                 <a:cs typeface="Open Sans" pitchFamily="2" charset="0"/>
               </a:rPr>
+              <a:t>Effectiveness of </a:t>
+            </a:r>
+            <a:r>
+              <a:rPr lang="en-GB" b="1" dirty="0" err="1">
+                <a:solidFill>
+                  <a:srgbClr val="0C2E8A"/>
+                </a:solidFill>
+                <a:latin typeface="Open Sans" pitchFamily="2" charset="0"/>
+                <a:ea typeface="Open Sans" pitchFamily="2" charset="0"/>
+                <a:cs typeface="Open Sans" pitchFamily="2" charset="0"/>
+              </a:rPr>
+              <a:t>Upsampling</a:t>
+            </a:r>
+            <a:endParaRPr lang="en-GB" b="1" dirty="0">
+              <a:solidFill>
+                <a:srgbClr val="0C2E8A"/>
+              </a:solidFill>
+              <a:latin typeface="Open Sans" pitchFamily="2" charset="0"/>
+              <a:ea typeface="Open Sans" pitchFamily="2" charset="0"/>
+              <a:cs typeface="Open Sans" pitchFamily="2" charset="0"/>
+            </a:endParaRPr>
+          </a:p>
+        </p:txBody>
+      </p:sp>
+      <p:sp>
+        <p:nvSpPr>
+          <p:cNvPr id="3" name="Content Placeholder 2">
+            <a:extLst>
+              <a:ext uri="{FF2B5EF4-FFF2-40B4-BE49-F238E27FC236}">
+                <a16:creationId xmlns:a16="http://schemas.microsoft.com/office/drawing/2014/main" id="{8792089F-5997-F45A-DAF8-CCBBE566E4EC}"/>
+              </a:ext>
+            </a:extLst>
+          </p:cNvPr>
+          <p:cNvSpPr>
+            <a:spLocks noGrp="1"/>
+          </p:cNvSpPr>
+          <p:nvPr>
+            <p:ph idx="1"/>
+          </p:nvPr>
+        </p:nvSpPr>
+        <p:spPr/>
+        <p:txBody>
+          <a:bodyPr>
+            <a:normAutofit/>
+          </a:bodyPr>
+          <a:lstStyle/>
+          <a:p>
+            <a:r>
+              <a:rPr lang="en-GB" sz="2600" b="0" i="0" dirty="0">
+                <a:solidFill>
+                  <a:srgbClr val="0C2E8A"/>
+                </a:solidFill>
+                <a:effectLst/>
+                <a:latin typeface="Open Sans" pitchFamily="2" charset="0"/>
+                <a:ea typeface="Open Sans" pitchFamily="2" charset="0"/>
+                <a:cs typeface="Open Sans" pitchFamily="2" charset="0"/>
+              </a:rPr>
+              <a:t>Trained and tested models on English only public data, then on multilingual public data.</a:t>
+            </a:r>
+          </a:p>
+          <a:p>
+            <a:endParaRPr lang="en-GB" sz="2600" b="0" i="0" dirty="0">
+              <a:solidFill>
+                <a:srgbClr val="0C2E8A"/>
+              </a:solidFill>
+              <a:effectLst/>
+              <a:latin typeface="Open Sans" pitchFamily="2" charset="0"/>
+              <a:ea typeface="Open Sans" pitchFamily="2" charset="0"/>
+              <a:cs typeface="Open Sans" pitchFamily="2" charset="0"/>
+            </a:endParaRPr>
+          </a:p>
+          <a:p>
+            <a:endParaRPr lang="en-GB" sz="2600" dirty="0">
+              <a:solidFill>
+                <a:srgbClr val="0C2E8A"/>
+              </a:solidFill>
+              <a:latin typeface="Open Sans" pitchFamily="2" charset="0"/>
+              <a:ea typeface="Open Sans" pitchFamily="2" charset="0"/>
+              <a:cs typeface="Open Sans" pitchFamily="2" charset="0"/>
+            </a:endParaRPr>
+          </a:p>
+          <a:p>
+            <a:endParaRPr lang="en-GB" sz="2600" b="0" i="0" dirty="0">
+              <a:solidFill>
+                <a:srgbClr val="0C2E8A"/>
+              </a:solidFill>
+              <a:effectLst/>
+              <a:latin typeface="Open Sans" pitchFamily="2" charset="0"/>
+              <a:ea typeface="Open Sans" pitchFamily="2" charset="0"/>
+              <a:cs typeface="Open Sans" pitchFamily="2" charset="0"/>
+            </a:endParaRPr>
+          </a:p>
+          <a:p>
+            <a:endParaRPr lang="en-GB" sz="2600" dirty="0">
+              <a:solidFill>
+                <a:srgbClr val="0C2E8A"/>
+              </a:solidFill>
+              <a:latin typeface="Open Sans" pitchFamily="2" charset="0"/>
+              <a:ea typeface="Open Sans" pitchFamily="2" charset="0"/>
+              <a:cs typeface="Open Sans" pitchFamily="2" charset="0"/>
+            </a:endParaRPr>
+          </a:p>
+          <a:p>
+            <a:r>
+              <a:rPr lang="en-GB" sz="2600" b="0" i="0" dirty="0">
+                <a:solidFill>
+                  <a:srgbClr val="0C2E8A"/>
+                </a:solidFill>
+                <a:effectLst/>
+                <a:latin typeface="Open Sans" pitchFamily="2" charset="0"/>
+                <a:ea typeface="Open Sans" pitchFamily="2" charset="0"/>
+                <a:cs typeface="Open Sans" pitchFamily="2" charset="0"/>
+              </a:rPr>
+              <a:t>Improved performance on multilingual dataset</a:t>
+            </a:r>
+          </a:p>
+          <a:p>
+            <a:pPr marL="0" indent="0">
+              <a:buNone/>
+            </a:pPr>
+            <a:br>
+              <a:rPr lang="en-GB" b="0" i="0" dirty="0">
+                <a:solidFill>
+                  <a:srgbClr val="5D6879"/>
+                </a:solidFill>
+                <a:effectLst/>
+                <a:latin typeface="Open Sans" pitchFamily="2" charset="0"/>
+                <a:ea typeface="Open Sans" pitchFamily="2" charset="0"/>
+                <a:cs typeface="Open Sans" pitchFamily="2" charset="0"/>
+              </a:rPr>
+            </a:br>
+            <a:endParaRPr lang="en-GB" dirty="0">
+              <a:solidFill>
+                <a:srgbClr val="0C2E8A"/>
+              </a:solidFill>
+              <a:latin typeface="Open Sans" pitchFamily="2" charset="0"/>
+              <a:ea typeface="Open Sans" pitchFamily="2" charset="0"/>
+              <a:cs typeface="Open Sans" pitchFamily="2" charset="0"/>
+            </a:endParaRPr>
+          </a:p>
+        </p:txBody>
+      </p:sp>
+      <p:pic>
+        <p:nvPicPr>
+          <p:cNvPr id="6" name="Picture 5">
+            <a:extLst>
+              <a:ext uri="{FF2B5EF4-FFF2-40B4-BE49-F238E27FC236}">
+                <a16:creationId xmlns:a16="http://schemas.microsoft.com/office/drawing/2014/main" id="{C260C31B-7E84-C353-3FC3-807A490FE61E}"/>
+              </a:ext>
+            </a:extLst>
+          </p:cNvPr>
+          <p:cNvPicPr>
+            <a:picLocks noChangeAspect="1"/>
+          </p:cNvPicPr>
+          <p:nvPr/>
+        </p:nvPicPr>
+        <p:blipFill>
+          <a:blip r:embed="rId3"/>
+          <a:stretch>
+            <a:fillRect/>
+          </a:stretch>
+        </p:blipFill>
+        <p:spPr>
+          <a:xfrm>
+            <a:off x="838200" y="2867745"/>
+            <a:ext cx="10384076" cy="1450505"/>
+          </a:xfrm>
+          <a:prstGeom prst="rect">
+            <a:avLst/>
+          </a:prstGeom>
+        </p:spPr>
+      </p:pic>
+    </p:spTree>
+    <p:extLst>
+      <p:ext uri="{BB962C8B-B14F-4D97-AF65-F5344CB8AC3E}">
+        <p14:creationId xmlns:p14="http://schemas.microsoft.com/office/powerpoint/2010/main" val="2408730193"/>
+      </p:ext>
+    </p:extLst>
+  </p:cSld>
+  <p:clrMapOvr>
+    <a:masterClrMapping/>
+  </p:clrMapOvr>
+</p:sld>
+</file>
+
+<file path=ppt/slides/slide31.xml><?xml version="1.0" encoding="utf-8"?>
+<p:sld xmlns:a="http://schemas.openxmlformats.org/drawingml/2006/main" xmlns:r="http://schemas.openxmlformats.org/officeDocument/2006/relationships" xmlns:p="http://schemas.openxmlformats.org/presentationml/2006/main">
+  <p:cSld>
+    <p:spTree>
+      <p:nvGrpSpPr>
+        <p:cNvPr id="1" name=""/>
+        <p:cNvGrpSpPr/>
+        <p:nvPr/>
+      </p:nvGrpSpPr>
+      <p:grpSpPr>
+        <a:xfrm>
+          <a:off x="0" y="0"/>
+          <a:ext cx="0" cy="0"/>
+          <a:chOff x="0" y="0"/>
+          <a:chExt cx="0" cy="0"/>
+        </a:xfrm>
+      </p:grpSpPr>
+      <p:sp>
+        <p:nvSpPr>
+          <p:cNvPr id="2" name="Title 1">
+            <a:extLst>
+              <a:ext uri="{FF2B5EF4-FFF2-40B4-BE49-F238E27FC236}">
+                <a16:creationId xmlns:a16="http://schemas.microsoft.com/office/drawing/2014/main" id="{DEAE4C3F-285D-FA36-0590-292F30F27FC6}"/>
+              </a:ext>
+            </a:extLst>
+          </p:cNvPr>
+          <p:cNvSpPr>
+            <a:spLocks noGrp="1"/>
+          </p:cNvSpPr>
+          <p:nvPr>
+            <p:ph type="title"/>
+          </p:nvPr>
+        </p:nvSpPr>
+        <p:spPr/>
+        <p:txBody>
+          <a:bodyPr/>
+          <a:lstStyle/>
+          <a:p>
+            <a:r>
+              <a:rPr lang="en-GB" b="1" dirty="0">
+                <a:solidFill>
+                  <a:srgbClr val="0C2E8A"/>
+                </a:solidFill>
+                <a:latin typeface="Open Sans" pitchFamily="2" charset="0"/>
+                <a:ea typeface="Open Sans" pitchFamily="2" charset="0"/>
+                <a:cs typeface="Open Sans" pitchFamily="2" charset="0"/>
+              </a:rPr>
               <a:t>Model transferability</a:t>
             </a:r>
           </a:p>
@@ -11604,7 +11927,7 @@
 </p:sld>
 </file>
 
-<file path=ppt/slides/slide31.xml><?xml version="1.0" encoding="utf-8"?>
+<file path=ppt/slides/slide32.xml><?xml version="1.0" encoding="utf-8"?>
 <p:sld xmlns:a="http://schemas.openxmlformats.org/drawingml/2006/main" xmlns:r="http://schemas.openxmlformats.org/officeDocument/2006/relationships" xmlns:p="http://schemas.openxmlformats.org/presentationml/2006/main">
   <p:cSld>
     <p:spTree>
@@ -11847,7 +12170,7 @@
 </p:sld>
 </file>
 
-<file path=ppt/slides/slide32.xml><?xml version="1.0" encoding="utf-8"?>
+<file path=ppt/slides/slide33.xml><?xml version="1.0" encoding="utf-8"?>
 <p:sld xmlns:a="http://schemas.openxmlformats.org/drawingml/2006/main" xmlns:r="http://schemas.openxmlformats.org/officeDocument/2006/relationships" xmlns:p="http://schemas.openxmlformats.org/presentationml/2006/main">
   <p:cSld>
     <p:spTree>
@@ -12183,6 +12506,20 @@
                 <a:cs typeface="Open Sans" pitchFamily="2" charset="0"/>
               </a:rPr>
               <a:t> data</a:t>
+            </a:r>
+          </a:p>
+          <a:p>
+            <a:pPr lvl="1"/>
+            <a:r>
+              <a:rPr lang="en-GB" sz="2200" dirty="0">
+                <a:solidFill>
+                  <a:srgbClr val="0C2E8A"/>
+                </a:solidFill>
+                <a:latin typeface="Open Sans" pitchFamily="2" charset="0"/>
+                <a:ea typeface="Open Sans" pitchFamily="2" charset="0"/>
+                <a:cs typeface="Open Sans" pitchFamily="2" charset="0"/>
+              </a:rPr>
+              <a:t>Models can learn some information from public data</a:t>
             </a:r>
           </a:p>
           <a:p>
@@ -12332,37 +12669,11 @@
                 <a:ea typeface="Open Sans" pitchFamily="2" charset="0"/>
                 <a:cs typeface="Open Sans" pitchFamily="2" charset="0"/>
               </a:rPr>
-              <a:t>Data collection methods are limited</a:t>
+              <a:t>Data collection methods are limited (only RSS feeds)</a:t>
             </a:r>
           </a:p>
           <a:p>
             <a:pPr lvl="1"/>
-            <a:r>
-              <a:rPr lang="en-GB" dirty="0">
-                <a:solidFill>
-                  <a:srgbClr val="0C2E8A"/>
-                </a:solidFill>
-                <a:latin typeface="Open Sans" pitchFamily="2" charset="0"/>
-                <a:ea typeface="Open Sans" pitchFamily="2" charset="0"/>
-                <a:cs typeface="Open Sans" pitchFamily="2" charset="0"/>
-              </a:rPr>
-              <a:t>The system relies on machine translation, which can be biased.</a:t>
-            </a:r>
-          </a:p>
-          <a:p>
-            <a:r>
-              <a:rPr lang="en-GB" dirty="0">
-                <a:solidFill>
-                  <a:srgbClr val="0C2E8A"/>
-                </a:solidFill>
-                <a:latin typeface="Open Sans" pitchFamily="2" charset="0"/>
-                <a:ea typeface="Open Sans" pitchFamily="2" charset="0"/>
-                <a:cs typeface="Open Sans" pitchFamily="2" charset="0"/>
-              </a:rPr>
-              <a:t>This project aims to improve the system in these areas</a:t>
-            </a:r>
-          </a:p>
-          <a:p>
             <a:endParaRPr lang="en-GB" dirty="0">
               <a:solidFill>
                 <a:srgbClr val="0C2E8A"/>
@@ -12371,6 +12682,74 @@
               <a:ea typeface="Open Sans" pitchFamily="2" charset="0"/>
               <a:cs typeface="Open Sans" pitchFamily="2" charset="0"/>
             </a:endParaRPr>
+          </a:p>
+          <a:p>
+            <a:pPr lvl="1"/>
+            <a:r>
+              <a:rPr lang="en-GB" dirty="0">
+                <a:solidFill>
+                  <a:srgbClr val="0C2E8A"/>
+                </a:solidFill>
+                <a:latin typeface="Open Sans" pitchFamily="2" charset="0"/>
+                <a:ea typeface="Open Sans" pitchFamily="2" charset="0"/>
+                <a:cs typeface="Open Sans" pitchFamily="2" charset="0"/>
+              </a:rPr>
+              <a:t>The system relies on machine translation, which can be biased.</a:t>
+            </a:r>
+          </a:p>
+          <a:p>
+            <a:pPr marL="457200" lvl="1" indent="0">
+              <a:buNone/>
+            </a:pPr>
+            <a:endParaRPr lang="en-GB" dirty="0">
+              <a:solidFill>
+                <a:srgbClr val="0C2E8A"/>
+              </a:solidFill>
+              <a:latin typeface="Open Sans" pitchFamily="2" charset="0"/>
+              <a:ea typeface="Open Sans" pitchFamily="2" charset="0"/>
+              <a:cs typeface="Open Sans" pitchFamily="2" charset="0"/>
+            </a:endParaRPr>
+          </a:p>
+          <a:p>
+            <a:r>
+              <a:rPr lang="en-GB" dirty="0">
+                <a:solidFill>
+                  <a:srgbClr val="0C2E8A"/>
+                </a:solidFill>
+                <a:latin typeface="Open Sans" pitchFamily="2" charset="0"/>
+                <a:ea typeface="Open Sans" pitchFamily="2" charset="0"/>
+                <a:cs typeface="Open Sans" pitchFamily="2" charset="0"/>
+              </a:rPr>
+              <a:t>This project aims to improve the system in these areas</a:t>
+            </a:r>
+          </a:p>
+          <a:p>
+            <a:pPr lvl="1"/>
+            <a:r>
+              <a:rPr lang="en-GB" dirty="0">
+                <a:solidFill>
+                  <a:srgbClr val="0C2E8A"/>
+                </a:solidFill>
+                <a:latin typeface="Open Sans" pitchFamily="2" charset="0"/>
+                <a:ea typeface="Open Sans" pitchFamily="2" charset="0"/>
+                <a:cs typeface="Open Sans" pitchFamily="2" charset="0"/>
+              </a:rPr>
+              <a:t>By developing a system to collect more sources of news data</a:t>
+            </a:r>
+          </a:p>
+          <a:p>
+            <a:pPr lvl="1"/>
+            <a:r>
+              <a:rPr lang="en-GB" dirty="0">
+                <a:solidFill>
+                  <a:srgbClr val="0C2E8A"/>
+                </a:solidFill>
+                <a:latin typeface="Open Sans" pitchFamily="2" charset="0"/>
+                <a:ea typeface="Open Sans" pitchFamily="2" charset="0"/>
+                <a:cs typeface="Open Sans" pitchFamily="2" charset="0"/>
+              </a:rPr>
+              <a:t>By experimenting with multilingual machine learning models</a:t>
+            </a:r>
           </a:p>
         </p:txBody>
       </p:sp>
@@ -12434,7 +12813,7 @@
                 <a:ea typeface="Open Sans" pitchFamily="2" charset="0"/>
                 <a:cs typeface="Open Sans" pitchFamily="2" charset="0"/>
               </a:rPr>
-              <a:t>Project Aims</a:t>
+              <a:t>Project Contributions</a:t>
             </a:r>
           </a:p>
         </p:txBody>
@@ -12711,50 +13090,119 @@
                 <a:ea typeface="Open Sans" pitchFamily="2" charset="0"/>
                 <a:cs typeface="Open Sans" pitchFamily="2" charset="0"/>
               </a:rPr>
-              <a:t>System Design</a:t>
-            </a:r>
-          </a:p>
-        </p:txBody>
-      </p:sp>
-      <p:pic>
-        <p:nvPicPr>
-          <p:cNvPr id="7" name="Content Placeholder 6" descr="Graphical user interface, diagram&#10;&#10;Description automatically generated">
-            <a:extLst>
-              <a:ext uri="{FF2B5EF4-FFF2-40B4-BE49-F238E27FC236}">
-                <a16:creationId xmlns:a16="http://schemas.microsoft.com/office/drawing/2014/main" id="{6EEB1D71-E150-6412-C258-904CF5F120E7}"/>
-              </a:ext>
-            </a:extLst>
-          </p:cNvPr>
-          <p:cNvPicPr>
-            <a:picLocks noGrp="1" noChangeAspect="1"/>
-          </p:cNvPicPr>
+              <a:t>Design</a:t>
+            </a:r>
+          </a:p>
+        </p:txBody>
+      </p:sp>
+      <p:sp>
+        <p:nvSpPr>
+          <p:cNvPr id="3" name="Content Placeholder 2">
+            <a:extLst>
+              <a:ext uri="{FF2B5EF4-FFF2-40B4-BE49-F238E27FC236}">
+                <a16:creationId xmlns:a16="http://schemas.microsoft.com/office/drawing/2014/main" id="{8792089F-5997-F45A-DAF8-CCBBE566E4EC}"/>
+              </a:ext>
+            </a:extLst>
+          </p:cNvPr>
+          <p:cNvSpPr>
+            <a:spLocks noGrp="1"/>
+          </p:cNvSpPr>
           <p:nvPr>
             <p:ph idx="1"/>
           </p:nvPr>
-        </p:nvPicPr>
-        <p:blipFill>
-          <a:blip r:embed="rId3">
-            <a:extLst>
-              <a:ext uri="{28A0092B-C50C-407E-A947-70E740481C1C}">
-                <a14:useLocalDpi xmlns:a14="http://schemas.microsoft.com/office/drawing/2010/main" val="0"/>
-              </a:ext>
-            </a:extLst>
-          </a:blip>
-          <a:stretch>
-            <a:fillRect/>
-          </a:stretch>
-        </p:blipFill>
-        <p:spPr>
-          <a:xfrm>
-            <a:off x="2133600" y="1326860"/>
-            <a:ext cx="7924800" cy="5393038"/>
-          </a:xfrm>
-        </p:spPr>
-      </p:pic>
+        </p:nvSpPr>
+        <p:spPr/>
+        <p:txBody>
+          <a:bodyPr/>
+          <a:lstStyle/>
+          <a:p>
+            <a:r>
+              <a:rPr lang="en-GB" dirty="0">
+                <a:solidFill>
+                  <a:srgbClr val="0C2E8A"/>
+                </a:solidFill>
+                <a:latin typeface="Open Sans" pitchFamily="2" charset="0"/>
+                <a:ea typeface="Open Sans" pitchFamily="2" charset="0"/>
+                <a:cs typeface="Open Sans" pitchFamily="2" charset="0"/>
+              </a:rPr>
+              <a:t>We will design the system to be:</a:t>
+            </a:r>
+          </a:p>
+          <a:p>
+            <a:endParaRPr lang="en-GB" dirty="0">
+              <a:solidFill>
+                <a:srgbClr val="0C2E8A"/>
+              </a:solidFill>
+              <a:latin typeface="Open Sans" pitchFamily="2" charset="0"/>
+              <a:ea typeface="Open Sans" pitchFamily="2" charset="0"/>
+              <a:cs typeface="Open Sans" pitchFamily="2" charset="0"/>
+            </a:endParaRPr>
+          </a:p>
+          <a:p>
+            <a:r>
+              <a:rPr lang="en-GB" sz="3200" b="1" dirty="0">
+                <a:solidFill>
+                  <a:srgbClr val="50D8AF"/>
+                </a:solidFill>
+                <a:latin typeface="Open Sans" pitchFamily="2" charset="0"/>
+                <a:ea typeface="Open Sans" pitchFamily="2" charset="0"/>
+                <a:cs typeface="Open Sans" pitchFamily="2" charset="0"/>
+              </a:rPr>
+              <a:t>Modular</a:t>
+            </a:r>
+          </a:p>
+          <a:p>
+            <a:endParaRPr lang="en-GB" sz="3200" b="1" dirty="0">
+              <a:solidFill>
+                <a:srgbClr val="50D8AF"/>
+              </a:solidFill>
+              <a:latin typeface="Open Sans" pitchFamily="2" charset="0"/>
+              <a:ea typeface="Open Sans" pitchFamily="2" charset="0"/>
+              <a:cs typeface="Open Sans" pitchFamily="2" charset="0"/>
+            </a:endParaRPr>
+          </a:p>
+          <a:p>
+            <a:r>
+              <a:rPr lang="en-GB" sz="3200" b="1" dirty="0">
+                <a:solidFill>
+                  <a:srgbClr val="50D8AF"/>
+                </a:solidFill>
+                <a:latin typeface="Open Sans" pitchFamily="2" charset="0"/>
+                <a:ea typeface="Open Sans" pitchFamily="2" charset="0"/>
+                <a:cs typeface="Open Sans" pitchFamily="2" charset="0"/>
+              </a:rPr>
+              <a:t>Extensible</a:t>
+            </a:r>
+          </a:p>
+          <a:p>
+            <a:endParaRPr lang="en-GB" sz="3200" b="1" dirty="0">
+              <a:solidFill>
+                <a:srgbClr val="50D8AF"/>
+              </a:solidFill>
+              <a:latin typeface="Open Sans" pitchFamily="2" charset="0"/>
+              <a:ea typeface="Open Sans" pitchFamily="2" charset="0"/>
+              <a:cs typeface="Open Sans" pitchFamily="2" charset="0"/>
+            </a:endParaRPr>
+          </a:p>
+          <a:p>
+            <a:r>
+              <a:rPr lang="en-GB" sz="3200" b="1" dirty="0">
+                <a:solidFill>
+                  <a:srgbClr val="50D8AF"/>
+                </a:solidFill>
+                <a:latin typeface="Open Sans" pitchFamily="2" charset="0"/>
+                <a:ea typeface="Open Sans" pitchFamily="2" charset="0"/>
+                <a:cs typeface="Open Sans" pitchFamily="2" charset="0"/>
+              </a:rPr>
+              <a:t>Configurable</a:t>
+            </a:r>
+          </a:p>
+        </p:txBody>
+      </p:sp>
     </p:spTree>
     <p:extLst>
       <p:ext uri="{BB962C8B-B14F-4D97-AF65-F5344CB8AC3E}">
-        <p14:creationId xmlns:p14="http://schemas.microsoft.com/office/powerpoint/2010/main" val="3669688694"/>
+        <p14:creationId xmlns:p14="http://schemas.microsoft.com/office/powerpoint/2010/main" val="3533907470"/>
       </p:ext>
     </p:extLst>
   </p:cSld>
@@ -12811,174 +13259,50 @@
                 <a:ea typeface="Open Sans" pitchFamily="2" charset="0"/>
                 <a:cs typeface="Open Sans" pitchFamily="2" charset="0"/>
               </a:rPr>
-              <a:t>Digital News Surveillance System</a:t>
-            </a:r>
-          </a:p>
-        </p:txBody>
-      </p:sp>
-      <p:sp>
-        <p:nvSpPr>
-          <p:cNvPr id="3" name="Content Placeholder 2">
-            <a:extLst>
-              <a:ext uri="{FF2B5EF4-FFF2-40B4-BE49-F238E27FC236}">
-                <a16:creationId xmlns:a16="http://schemas.microsoft.com/office/drawing/2014/main" id="{8792089F-5997-F45A-DAF8-CCBBE566E4EC}"/>
-              </a:ext>
-            </a:extLst>
-          </p:cNvPr>
-          <p:cNvSpPr>
-            <a:spLocks noGrp="1"/>
-          </p:cNvSpPr>
+              <a:t>System Design</a:t>
+            </a:r>
+          </a:p>
+        </p:txBody>
+      </p:sp>
+      <p:pic>
+        <p:nvPicPr>
+          <p:cNvPr id="7" name="Content Placeholder 6" descr="Graphical user interface, diagram&#10;&#10;Description automatically generated">
+            <a:extLst>
+              <a:ext uri="{FF2B5EF4-FFF2-40B4-BE49-F238E27FC236}">
+                <a16:creationId xmlns:a16="http://schemas.microsoft.com/office/drawing/2014/main" id="{6EEB1D71-E150-6412-C258-904CF5F120E7}"/>
+              </a:ext>
+            </a:extLst>
+          </p:cNvPr>
+          <p:cNvPicPr>
+            <a:picLocks noGrp="1" noChangeAspect="1"/>
+          </p:cNvPicPr>
           <p:nvPr>
             <p:ph idx="1"/>
           </p:nvPr>
-        </p:nvSpPr>
-        <p:spPr/>
-        <p:txBody>
-          <a:bodyPr>
-            <a:normAutofit lnSpcReduction="10000"/>
-          </a:bodyPr>
-          <a:lstStyle/>
-          <a:p>
-            <a:r>
-              <a:rPr lang="en-GB" b="1" dirty="0">
-                <a:solidFill>
-                  <a:srgbClr val="DD8B33"/>
-                </a:solidFill>
-                <a:latin typeface="Open Sans" pitchFamily="2" charset="0"/>
-                <a:ea typeface="Open Sans" pitchFamily="2" charset="0"/>
-                <a:cs typeface="Open Sans" pitchFamily="2" charset="0"/>
-              </a:rPr>
-              <a:t>Data collection</a:t>
-            </a:r>
-          </a:p>
-          <a:p>
-            <a:pPr lvl="1"/>
-            <a:r>
-              <a:rPr lang="en-GB" dirty="0">
-                <a:solidFill>
-                  <a:srgbClr val="DD8B33"/>
-                </a:solidFill>
-                <a:latin typeface="Open Sans" pitchFamily="2" charset="0"/>
-                <a:ea typeface="Open Sans" pitchFamily="2" charset="0"/>
-                <a:cs typeface="Open Sans" pitchFamily="2" charset="0"/>
-              </a:rPr>
-              <a:t>Responsible for obtaining new articles</a:t>
-            </a:r>
-          </a:p>
-          <a:p>
-            <a:r>
-              <a:rPr lang="en-GB" b="1" dirty="0">
-                <a:solidFill>
-                  <a:srgbClr val="2F8042"/>
-                </a:solidFill>
-                <a:latin typeface="Open Sans" pitchFamily="2" charset="0"/>
-                <a:ea typeface="Open Sans" pitchFamily="2" charset="0"/>
-                <a:cs typeface="Open Sans" pitchFamily="2" charset="0"/>
-              </a:rPr>
-              <a:t>Data processing</a:t>
-            </a:r>
-          </a:p>
-          <a:p>
-            <a:pPr lvl="1"/>
-            <a:r>
-              <a:rPr lang="en-GB" dirty="0">
-                <a:solidFill>
-                  <a:srgbClr val="2F8042"/>
-                </a:solidFill>
-                <a:latin typeface="Open Sans" pitchFamily="2" charset="0"/>
-                <a:ea typeface="Open Sans" pitchFamily="2" charset="0"/>
-                <a:cs typeface="Open Sans" pitchFamily="2" charset="0"/>
-              </a:rPr>
-              <a:t>Parsing and classifying news data</a:t>
-            </a:r>
-          </a:p>
-          <a:p>
-            <a:r>
-              <a:rPr lang="en-GB" b="1" dirty="0">
-                <a:solidFill>
-                  <a:srgbClr val="DB060B"/>
-                </a:solidFill>
-                <a:latin typeface="Open Sans" pitchFamily="2" charset="0"/>
-                <a:ea typeface="Open Sans" pitchFamily="2" charset="0"/>
-                <a:cs typeface="Open Sans" pitchFamily="2" charset="0"/>
-              </a:rPr>
-              <a:t>Data management</a:t>
-            </a:r>
-          </a:p>
-          <a:p>
-            <a:pPr lvl="1"/>
-            <a:r>
-              <a:rPr lang="en-GB" dirty="0">
-                <a:solidFill>
-                  <a:srgbClr val="DB060B"/>
-                </a:solidFill>
-                <a:latin typeface="Open Sans" pitchFamily="2" charset="0"/>
-                <a:ea typeface="Open Sans" pitchFamily="2" charset="0"/>
-                <a:cs typeface="Open Sans" pitchFamily="2" charset="0"/>
-              </a:rPr>
-              <a:t>Storing data permanently</a:t>
-            </a:r>
-          </a:p>
-          <a:p>
-            <a:r>
-              <a:rPr lang="en-GB" b="1" dirty="0">
-                <a:solidFill>
-                  <a:srgbClr val="33BBEE"/>
-                </a:solidFill>
-                <a:latin typeface="Open Sans" pitchFamily="2" charset="0"/>
-                <a:ea typeface="Open Sans" pitchFamily="2" charset="0"/>
-                <a:cs typeface="Open Sans" pitchFamily="2" charset="0"/>
-              </a:rPr>
-              <a:t>Data presentation</a:t>
-            </a:r>
-          </a:p>
-          <a:p>
-            <a:pPr lvl="1"/>
-            <a:r>
-              <a:rPr lang="en-GB" dirty="0">
-                <a:solidFill>
-                  <a:srgbClr val="33BBEE"/>
-                </a:solidFill>
-                <a:latin typeface="Open Sans" pitchFamily="2" charset="0"/>
-                <a:ea typeface="Open Sans" pitchFamily="2" charset="0"/>
-                <a:cs typeface="Open Sans" pitchFamily="2" charset="0"/>
-              </a:rPr>
-              <a:t>Allow viewing of data and system state</a:t>
-            </a:r>
-          </a:p>
-          <a:p>
-            <a:r>
-              <a:rPr lang="en-GB" b="1" dirty="0">
-                <a:solidFill>
-                  <a:srgbClr val="6B2D88"/>
-                </a:solidFill>
-                <a:latin typeface="Open Sans" pitchFamily="2" charset="0"/>
-                <a:ea typeface="Open Sans" pitchFamily="2" charset="0"/>
-                <a:cs typeface="Open Sans" pitchFamily="2" charset="0"/>
-              </a:rPr>
-              <a:t>System Coordination</a:t>
-            </a:r>
-          </a:p>
-          <a:p>
-            <a:pPr lvl="1"/>
-            <a:r>
-              <a:rPr lang="en-GB" dirty="0">
-                <a:solidFill>
-                  <a:srgbClr val="6B2D88"/>
-                </a:solidFill>
-                <a:latin typeface="Open Sans" pitchFamily="2" charset="0"/>
-                <a:ea typeface="Open Sans" pitchFamily="2" charset="0"/>
-                <a:cs typeface="Open Sans" pitchFamily="2" charset="0"/>
-              </a:rPr>
-              <a:t>Bringing everything together</a:t>
-            </a:r>
-          </a:p>
-        </p:txBody>
-      </p:sp>
+        </p:nvPicPr>
+        <p:blipFill>
+          <a:blip r:embed="rId3">
+            <a:extLst>
+              <a:ext uri="{28A0092B-C50C-407E-A947-70E740481C1C}">
+                <a14:useLocalDpi xmlns:a14="http://schemas.microsoft.com/office/drawing/2010/main" val="0"/>
+              </a:ext>
+            </a:extLst>
+          </a:blip>
+          <a:stretch>
+            <a:fillRect/>
+          </a:stretch>
+        </p:blipFill>
+        <p:spPr>
+          <a:xfrm>
+            <a:off x="2133600" y="1326860"/>
+            <a:ext cx="7924800" cy="5393038"/>
+          </a:xfrm>
+        </p:spPr>
+      </p:pic>
     </p:spTree>
     <p:extLst>
       <p:ext uri="{BB962C8B-B14F-4D97-AF65-F5344CB8AC3E}">
-        <p14:creationId xmlns:p14="http://schemas.microsoft.com/office/powerpoint/2010/main" val="367702194"/>
+        <p14:creationId xmlns:p14="http://schemas.microsoft.com/office/powerpoint/2010/main" val="3669688694"/>
       </p:ext>
     </p:extLst>
   </p:cSld>
@@ -13029,151 +13353,180 @@
             <a:r>
               <a:rPr lang="en-GB" b="1" dirty="0">
                 <a:solidFill>
+                  <a:srgbClr val="0C2E8A"/>
+                </a:solidFill>
+                <a:latin typeface="Open Sans" pitchFamily="2" charset="0"/>
+                <a:ea typeface="Open Sans" pitchFamily="2" charset="0"/>
+                <a:cs typeface="Open Sans" pitchFamily="2" charset="0"/>
+              </a:rPr>
+              <a:t>Digital News Surveillance System</a:t>
+            </a:r>
+          </a:p>
+        </p:txBody>
+      </p:sp>
+      <p:sp>
+        <p:nvSpPr>
+          <p:cNvPr id="3" name="Content Placeholder 2">
+            <a:extLst>
+              <a:ext uri="{FF2B5EF4-FFF2-40B4-BE49-F238E27FC236}">
+                <a16:creationId xmlns:a16="http://schemas.microsoft.com/office/drawing/2014/main" id="{8792089F-5997-F45A-DAF8-CCBBE566E4EC}"/>
+              </a:ext>
+            </a:extLst>
+          </p:cNvPr>
+          <p:cNvSpPr>
+            <a:spLocks noGrp="1"/>
+          </p:cNvSpPr>
+          <p:nvPr>
+            <p:ph idx="1"/>
+          </p:nvPr>
+        </p:nvSpPr>
+        <p:spPr/>
+        <p:txBody>
+          <a:bodyPr>
+            <a:normAutofit lnSpcReduction="10000"/>
+          </a:bodyPr>
+          <a:lstStyle/>
+          <a:p>
+            <a:r>
+              <a:rPr lang="en-GB" b="1" dirty="0">
+                <a:solidFill>
                   <a:srgbClr val="DD8B33"/>
                 </a:solidFill>
                 <a:latin typeface="Open Sans" pitchFamily="2" charset="0"/>
                 <a:ea typeface="Open Sans" pitchFamily="2" charset="0"/>
                 <a:cs typeface="Open Sans" pitchFamily="2" charset="0"/>
               </a:rPr>
-              <a:t>Crawler</a:t>
-            </a:r>
-          </a:p>
-        </p:txBody>
-      </p:sp>
-      <p:sp>
-        <p:nvSpPr>
-          <p:cNvPr id="3" name="Content Placeholder 2">
-            <a:extLst>
-              <a:ext uri="{FF2B5EF4-FFF2-40B4-BE49-F238E27FC236}">
-                <a16:creationId xmlns:a16="http://schemas.microsoft.com/office/drawing/2014/main" id="{8792089F-5997-F45A-DAF8-CCBBE566E4EC}"/>
-              </a:ext>
-            </a:extLst>
-          </p:cNvPr>
-          <p:cNvSpPr>
-            <a:spLocks noGrp="1"/>
-          </p:cNvSpPr>
-          <p:nvPr>
-            <p:ph idx="1"/>
-          </p:nvPr>
-        </p:nvSpPr>
-        <p:spPr/>
-        <p:txBody>
-          <a:bodyPr>
-            <a:normAutofit/>
-          </a:bodyPr>
-          <a:lstStyle/>
+              <a:t>Data collection</a:t>
+            </a:r>
+          </a:p>
+          <a:p>
+            <a:pPr lvl="1"/>
+            <a:r>
+              <a:rPr lang="en-GB" dirty="0">
+                <a:solidFill>
+                  <a:srgbClr val="DD8B33"/>
+                </a:solidFill>
+                <a:latin typeface="Open Sans" pitchFamily="2" charset="0"/>
+                <a:ea typeface="Open Sans" pitchFamily="2" charset="0"/>
+                <a:cs typeface="Open Sans" pitchFamily="2" charset="0"/>
+              </a:rPr>
+              <a:t>Responsible for obtaining new articles</a:t>
+            </a:r>
+          </a:p>
           <a:p>
             <a:r>
               <a:rPr lang="en-GB" b="1" dirty="0">
                 <a:solidFill>
-                  <a:srgbClr val="0C2E8A"/>
-                </a:solidFill>
-                <a:latin typeface="Open Sans" pitchFamily="2" charset="0"/>
-                <a:ea typeface="Open Sans" pitchFamily="2" charset="0"/>
-                <a:cs typeface="Open Sans" pitchFamily="2" charset="0"/>
-              </a:rPr>
-              <a:t>Crawls a source URL for a list of news URL’s</a:t>
+                  <a:srgbClr val="2F8042"/>
+                </a:solidFill>
+                <a:latin typeface="Open Sans" pitchFamily="2" charset="0"/>
+                <a:ea typeface="Open Sans" pitchFamily="2" charset="0"/>
+                <a:cs typeface="Open Sans" pitchFamily="2" charset="0"/>
+              </a:rPr>
+              <a:t>Data processing</a:t>
             </a:r>
           </a:p>
           <a:p>
             <a:pPr lvl="1"/>
             <a:r>
+              <a:rPr lang="en-GB" dirty="0">
+                <a:solidFill>
+                  <a:srgbClr val="2F8042"/>
+                </a:solidFill>
+                <a:latin typeface="Open Sans" pitchFamily="2" charset="0"/>
+                <a:ea typeface="Open Sans" pitchFamily="2" charset="0"/>
+                <a:cs typeface="Open Sans" pitchFamily="2" charset="0"/>
+              </a:rPr>
+              <a:t>Parsing and classifying news data</a:t>
+            </a:r>
+          </a:p>
+          <a:p>
+            <a:r>
               <a:rPr lang="en-GB" b="1" dirty="0">
                 <a:solidFill>
-                  <a:srgbClr val="0C2E8A"/>
-                </a:solidFill>
-                <a:latin typeface="Open Sans" pitchFamily="2" charset="0"/>
-                <a:ea typeface="Open Sans" pitchFamily="2" charset="0"/>
-                <a:cs typeface="Open Sans" pitchFamily="2" charset="0"/>
-              </a:rPr>
-              <a:t>News websites, RSS feeds</a:t>
-            </a:r>
-            <a:endParaRPr lang="en-GB" dirty="0">
-              <a:solidFill>
-                <a:srgbClr val="0C2E8A"/>
-              </a:solidFill>
-              <a:latin typeface="Open Sans" pitchFamily="2" charset="0"/>
-              <a:ea typeface="Open Sans" pitchFamily="2" charset="0"/>
-              <a:cs typeface="Open Sans" pitchFamily="2" charset="0"/>
-            </a:endParaRPr>
-          </a:p>
-        </p:txBody>
-      </p:sp>
-      <p:pic>
-        <p:nvPicPr>
-          <p:cNvPr id="4" name="Content Placeholder 6" descr="Graphical user interface, diagram&#10;&#10;Description automatically generated">
-            <a:extLst>
-              <a:ext uri="{FF2B5EF4-FFF2-40B4-BE49-F238E27FC236}">
-                <a16:creationId xmlns:a16="http://schemas.microsoft.com/office/drawing/2014/main" id="{7F1D2791-396F-B778-9485-30E64927E986}"/>
-              </a:ext>
-            </a:extLst>
-          </p:cNvPr>
-          <p:cNvPicPr>
-            <a:picLocks noChangeAspect="1"/>
-          </p:cNvPicPr>
-          <p:nvPr/>
-        </p:nvPicPr>
-        <p:blipFill rotWithShape="1">
-          <a:blip r:embed="rId3">
-            <a:extLst>
-              <a:ext uri="{28A0092B-C50C-407E-A947-70E740481C1C}">
-                <a14:useLocalDpi xmlns:a14="http://schemas.microsoft.com/office/drawing/2010/main" val="0"/>
-              </a:ext>
-            </a:extLst>
-          </a:blip>
-          <a:srcRect l="7693" t="1257" r="6876" b="36574"/>
-          <a:stretch/>
-        </p:blipFill>
-        <p:spPr>
-          <a:xfrm>
-            <a:off x="8049123" y="4683099"/>
-            <a:ext cx="3963446" cy="1962798"/>
-          </a:xfrm>
-          <a:prstGeom prst="rect">
-            <a:avLst/>
-          </a:prstGeom>
-        </p:spPr>
-      </p:pic>
-      <p:pic>
-        <p:nvPicPr>
-          <p:cNvPr id="6" name="Picture 5" descr="Diagram&#10;&#10;Description automatically generated">
-            <a:extLst>
-              <a:ext uri="{FF2B5EF4-FFF2-40B4-BE49-F238E27FC236}">
-                <a16:creationId xmlns:a16="http://schemas.microsoft.com/office/drawing/2014/main" id="{D5B1CDE2-CFE2-5318-867C-7842779412E4}"/>
-              </a:ext>
-            </a:extLst>
-          </p:cNvPr>
-          <p:cNvPicPr>
-            <a:picLocks noChangeAspect="1"/>
-          </p:cNvPicPr>
-          <p:nvPr/>
-        </p:nvPicPr>
-        <p:blipFill>
-          <a:blip r:embed="rId4">
-            <a:extLst>
-              <a:ext uri="{28A0092B-C50C-407E-A947-70E740481C1C}">
-                <a14:useLocalDpi xmlns:a14="http://schemas.microsoft.com/office/drawing/2010/main" val="0"/>
-              </a:ext>
-            </a:extLst>
-          </a:blip>
-          <a:stretch>
-            <a:fillRect/>
-          </a:stretch>
-        </p:blipFill>
-        <p:spPr>
-          <a:xfrm>
-            <a:off x="1839405" y="2890854"/>
-            <a:ext cx="8513190" cy="3086139"/>
-          </a:xfrm>
-          <a:prstGeom prst="rect">
-            <a:avLst/>
-          </a:prstGeom>
-        </p:spPr>
-      </p:pic>
+                  <a:srgbClr val="DB060B"/>
+                </a:solidFill>
+                <a:latin typeface="Open Sans" pitchFamily="2" charset="0"/>
+                <a:ea typeface="Open Sans" pitchFamily="2" charset="0"/>
+                <a:cs typeface="Open Sans" pitchFamily="2" charset="0"/>
+              </a:rPr>
+              <a:t>Data management</a:t>
+            </a:r>
+          </a:p>
+          <a:p>
+            <a:pPr lvl="1"/>
+            <a:r>
+              <a:rPr lang="en-GB" dirty="0">
+                <a:solidFill>
+                  <a:srgbClr val="DB060B"/>
+                </a:solidFill>
+                <a:latin typeface="Open Sans" pitchFamily="2" charset="0"/>
+                <a:ea typeface="Open Sans" pitchFamily="2" charset="0"/>
+                <a:cs typeface="Open Sans" pitchFamily="2" charset="0"/>
+              </a:rPr>
+              <a:t>Storing data permanently</a:t>
+            </a:r>
+          </a:p>
+          <a:p>
+            <a:r>
+              <a:rPr lang="en-GB" b="1" dirty="0">
+                <a:solidFill>
+                  <a:srgbClr val="33BBEE"/>
+                </a:solidFill>
+                <a:latin typeface="Open Sans" pitchFamily="2" charset="0"/>
+                <a:ea typeface="Open Sans" pitchFamily="2" charset="0"/>
+                <a:cs typeface="Open Sans" pitchFamily="2" charset="0"/>
+              </a:rPr>
+              <a:t>Data presentation</a:t>
+            </a:r>
+          </a:p>
+          <a:p>
+            <a:pPr lvl="1"/>
+            <a:r>
+              <a:rPr lang="en-GB" dirty="0">
+                <a:solidFill>
+                  <a:srgbClr val="33BBEE"/>
+                </a:solidFill>
+                <a:latin typeface="Open Sans" pitchFamily="2" charset="0"/>
+                <a:ea typeface="Open Sans" pitchFamily="2" charset="0"/>
+                <a:cs typeface="Open Sans" pitchFamily="2" charset="0"/>
+              </a:rPr>
+              <a:t>Allow viewing of data and system state</a:t>
+            </a:r>
+          </a:p>
+          <a:p>
+            <a:r>
+              <a:rPr lang="en-GB" b="1" dirty="0">
+                <a:solidFill>
+                  <a:srgbClr val="6B2D88"/>
+                </a:solidFill>
+                <a:latin typeface="Open Sans" pitchFamily="2" charset="0"/>
+                <a:ea typeface="Open Sans" pitchFamily="2" charset="0"/>
+                <a:cs typeface="Open Sans" pitchFamily="2" charset="0"/>
+              </a:rPr>
+              <a:t>System Coordination</a:t>
+            </a:r>
+          </a:p>
+          <a:p>
+            <a:pPr lvl="1"/>
+            <a:r>
+              <a:rPr lang="en-GB" dirty="0">
+                <a:solidFill>
+                  <a:srgbClr val="6B2D88"/>
+                </a:solidFill>
+                <a:latin typeface="Open Sans" pitchFamily="2" charset="0"/>
+                <a:ea typeface="Open Sans" pitchFamily="2" charset="0"/>
+                <a:cs typeface="Open Sans" pitchFamily="2" charset="0"/>
+              </a:rPr>
+              <a:t>Bringing everything together</a:t>
+            </a:r>
+          </a:p>
+        </p:txBody>
+      </p:sp>
     </p:spTree>
     <p:extLst>
       <p:ext uri="{BB962C8B-B14F-4D97-AF65-F5344CB8AC3E}">
-        <p14:creationId xmlns:p14="http://schemas.microsoft.com/office/powerpoint/2010/main" val="2283342125"/>
+        <p14:creationId xmlns:p14="http://schemas.microsoft.com/office/powerpoint/2010/main" val="367702194"/>
       </p:ext>
     </p:extLst>
   </p:cSld>
